--- a/Lectures/Writing Queries (2).pptx
+++ b/Lectures/Writing Queries (2).pptx
@@ -1645,7 +1645,7 @@
   <p:cSld>
     <p:spTree>
       <p:nvGrpSpPr>
-        <p:cNvPr id="163" name="Shape 163"/>
+        <p:cNvPr id="164" name="Shape 164"/>
         <p:cNvGrpSpPr/>
         <p:nvPr/>
       </p:nvGrpSpPr>
@@ -1659,7 +1659,7 @@
       </p:grpSpPr>
       <p:sp>
         <p:nvSpPr>
-          <p:cNvPr id="164" name="Google Shape;164;g4fe779e5c2_0_201:notes"/>
+          <p:cNvPr id="165" name="Google Shape;165;g4fe779e5c2_0_201:notes"/>
           <p:cNvSpPr txBox="1"/>
           <p:nvPr>
             <p:ph idx="1" type="body"/>
@@ -1900,7 +1900,7 @@
       </p:sp>
       <p:sp>
         <p:nvSpPr>
-          <p:cNvPr id="165" name="Google Shape;165;g4fe779e5c2_0_201:notes"/>
+          <p:cNvPr id="166" name="Google Shape;166;g4fe779e5c2_0_201:notes"/>
           <p:cNvSpPr/>
           <p:nvPr>
             <p:ph idx="2" type="sldImg"/>
@@ -1946,7 +1946,7 @@
   <p:cSld>
     <p:spTree>
       <p:nvGrpSpPr>
-        <p:cNvPr id="173" name="Shape 173"/>
+        <p:cNvPr id="174" name="Shape 174"/>
         <p:cNvGrpSpPr/>
         <p:nvPr/>
       </p:nvGrpSpPr>
@@ -1960,7 +1960,7 @@
       </p:grpSpPr>
       <p:sp>
         <p:nvSpPr>
-          <p:cNvPr id="174" name="Google Shape;174;g4fe779e5c2_0_210:notes"/>
+          <p:cNvPr id="175" name="Google Shape;175;g4fe779e5c2_0_210:notes"/>
           <p:cNvSpPr txBox="1"/>
           <p:nvPr>
             <p:ph idx="1" type="body"/>
@@ -1999,7 +1999,7 @@
       </p:sp>
       <p:sp>
         <p:nvSpPr>
-          <p:cNvPr id="175" name="Google Shape;175;g4fe779e5c2_0_210:notes"/>
+          <p:cNvPr id="176" name="Google Shape;176;g4fe779e5c2_0_210:notes"/>
           <p:cNvSpPr/>
           <p:nvPr>
             <p:ph idx="2" type="sldImg"/>
@@ -2045,7 +2045,7 @@
   <p:cSld>
     <p:spTree>
       <p:nvGrpSpPr>
-        <p:cNvPr id="183" name="Shape 183"/>
+        <p:cNvPr id="184" name="Shape 184"/>
         <p:cNvGrpSpPr/>
         <p:nvPr/>
       </p:nvGrpSpPr>
@@ -2059,7 +2059,7 @@
       </p:grpSpPr>
       <p:sp>
         <p:nvSpPr>
-          <p:cNvPr id="184" name="Google Shape;184;g5038ce4af1_0_367:notes"/>
+          <p:cNvPr id="185" name="Google Shape;185;g5038ce4af1_0_367:notes"/>
           <p:cNvSpPr txBox="1"/>
           <p:nvPr>
             <p:ph idx="1" type="body"/>
@@ -2098,7 +2098,7 @@
       </p:sp>
       <p:sp>
         <p:nvSpPr>
-          <p:cNvPr id="185" name="Google Shape;185;g5038ce4af1_0_367:notes"/>
+          <p:cNvPr id="186" name="Google Shape;186;g5038ce4af1_0_367:notes"/>
           <p:cNvSpPr/>
           <p:nvPr>
             <p:ph idx="2" type="sldImg"/>
@@ -2144,7 +2144,7 @@
   <p:cSld>
     <p:spTree>
       <p:nvGrpSpPr>
-        <p:cNvPr id="190" name="Shape 190"/>
+        <p:cNvPr id="191" name="Shape 191"/>
         <p:cNvGrpSpPr/>
         <p:nvPr/>
       </p:nvGrpSpPr>
@@ -2158,7 +2158,7 @@
       </p:grpSpPr>
       <p:sp>
         <p:nvSpPr>
-          <p:cNvPr id="191" name="Google Shape;191;g4fe779e5c2_0_228:notes"/>
+          <p:cNvPr id="192" name="Google Shape;192;g4fe779e5c2_0_228:notes"/>
           <p:cNvSpPr/>
           <p:nvPr>
             <p:ph idx="2" type="sldImg"/>
@@ -2193,7 +2193,7 @@
       </p:sp>
       <p:sp>
         <p:nvSpPr>
-          <p:cNvPr id="192" name="Google Shape;192;g4fe779e5c2_0_228:notes"/>
+          <p:cNvPr id="193" name="Google Shape;193;g4fe779e5c2_0_228:notes"/>
           <p:cNvSpPr txBox="1"/>
           <p:nvPr>
             <p:ph idx="1" type="body"/>
@@ -2232,7 +2232,7 @@
       </p:sp>
       <p:sp>
         <p:nvSpPr>
-          <p:cNvPr id="193" name="Google Shape;193;g4fe779e5c2_0_228:notes"/>
+          <p:cNvPr id="194" name="Google Shape;194;g4fe779e5c2_0_228:notes"/>
           <p:cNvSpPr txBox="1"/>
           <p:nvPr>
             <p:ph idx="12" type="sldNum"/>
@@ -2287,7 +2287,7 @@
   <p:cSld>
     <p:spTree>
       <p:nvGrpSpPr>
-        <p:cNvPr id="198" name="Shape 198"/>
+        <p:cNvPr id="199" name="Shape 199"/>
         <p:cNvGrpSpPr/>
         <p:nvPr/>
       </p:nvGrpSpPr>
@@ -2301,7 +2301,7 @@
       </p:grpSpPr>
       <p:sp>
         <p:nvSpPr>
-          <p:cNvPr id="199" name="Google Shape;199;g5cfd485cdb_0_0:notes"/>
+          <p:cNvPr id="200" name="Google Shape;200;g5cfd485cdb_0_0:notes"/>
           <p:cNvSpPr/>
           <p:nvPr>
             <p:ph idx="2" type="sldImg"/>
@@ -2336,7 +2336,7 @@
       </p:sp>
       <p:sp>
         <p:nvSpPr>
-          <p:cNvPr id="200" name="Google Shape;200;g5cfd485cdb_0_0:notes"/>
+          <p:cNvPr id="201" name="Google Shape;201;g5cfd485cdb_0_0:notes"/>
           <p:cNvSpPr txBox="1"/>
           <p:nvPr>
             <p:ph idx="1" type="body"/>
@@ -2375,7 +2375,7 @@
       </p:sp>
       <p:sp>
         <p:nvSpPr>
-          <p:cNvPr id="201" name="Google Shape;201;g5cfd485cdb_0_0:notes"/>
+          <p:cNvPr id="202" name="Google Shape;202;g5cfd485cdb_0_0:notes"/>
           <p:cNvSpPr txBox="1"/>
           <p:nvPr>
             <p:ph idx="12" type="sldNum"/>
@@ -11491,8 +11491,8 @@
         </p:nvSpPr>
         <p:spPr>
           <a:xfrm>
-            <a:off x="1077725" y="1998825"/>
-            <a:ext cx="10912200" cy="4058700"/>
+            <a:off x="379950" y="2135350"/>
+            <a:ext cx="11276700" cy="4058700"/>
           </a:xfrm>
           <a:prstGeom prst="rect">
             <a:avLst/>
@@ -11525,14 +11525,14 @@
               <a:spcAft>
                 <a:spcPts val="0"/>
               </a:spcAft>
-              <a:buSzPts val="1400"/>
-              <a:buNone/>
-            </a:pPr>
-            <a:r>
-              <a:rPr lang="en-US" sz="1700"/>
+              <a:buSzPts val="2400"/>
+              <a:buNone/>
+            </a:pPr>
+            <a:r>
+              <a:rPr lang="en-US" sz="2400"/>
               <a:t>A.K.A. nested queries, inner queries, inner select</a:t>
             </a:r>
-            <a:endParaRPr sz="1700"/>
+            <a:endParaRPr sz="2400"/>
           </a:p>
           <a:p>
             <a:pPr indent="-304800" lvl="0" marL="609600" rtl="0" algn="l">
@@ -11545,14 +11545,14 @@
               <a:spcAft>
                 <a:spcPts val="0"/>
               </a:spcAft>
-              <a:buSzPts val="1400"/>
-              <a:buNone/>
-            </a:pPr>
-            <a:r>
-              <a:rPr lang="en-US" sz="1700"/>
+              <a:buSzPts val="2400"/>
+              <a:buNone/>
+            </a:pPr>
+            <a:r>
+              <a:rPr lang="en-US" sz="2400"/>
               <a:t>Must be enclosed by parentheses</a:t>
             </a:r>
-            <a:endParaRPr sz="1700"/>
+            <a:endParaRPr sz="2400"/>
           </a:p>
           <a:p>
             <a:pPr indent="-304800" lvl="1" marL="1219200" rtl="0" algn="l">
@@ -11565,15 +11565,15 @@
               <a:spcAft>
                 <a:spcPts val="0"/>
               </a:spcAft>
-              <a:buSzPts val="1260"/>
-              <a:buNone/>
-            </a:pPr>
-            <a:r>
-              <a:rPr lang="en-US" sz="1500"/>
-              <a:t>Ex: SELECT &lt;col&gt; FROM &lt;table&gt; WHERE </a:t>
-            </a:r>
-            <a:r>
-              <a:rPr lang="en-US" sz="1500">
+              <a:buSzPts val="2400"/>
+              <a:buNone/>
+            </a:pPr>
+            <a:r>
+              <a:rPr lang="en-US" sz="2400"/>
+              <a:t>Ex: SELECT &lt;col&gt; FROM &lt;table&gt;WHERE </a:t>
+            </a:r>
+            <a:r>
+              <a:rPr lang="en-US" sz="2400">
                 <a:solidFill>
                   <a:srgbClr val="FF0000"/>
                 </a:solidFill>
@@ -11581,10 +11581,29 @@
               <a:t>(SELECT &lt;col&gt; FROM &lt;table&gt;)</a:t>
             </a:r>
             <a:r>
-              <a:rPr lang="en-US" sz="1500"/>
+              <a:rPr lang="en-US" sz="2400"/>
               <a:t>;</a:t>
             </a:r>
-            <a:endParaRPr sz="1500"/>
+            <a:endParaRPr sz="2400"/>
+          </a:p>
+          <a:p>
+            <a:pPr indent="-304800" lvl="1" marL="1219200" rtl="0" algn="l">
+              <a:lnSpc>
+                <a:spcPct val="115000"/>
+              </a:lnSpc>
+              <a:spcBef>
+                <a:spcPts val="960"/>
+              </a:spcBef>
+              <a:spcAft>
+                <a:spcPts val="0"/>
+              </a:spcAft>
+              <a:buSzPts val="2400"/>
+              <a:buNone/>
+            </a:pPr>
+            <a:r>
+              <a:t/>
+            </a:r>
+            <a:endParaRPr sz="2400"/>
           </a:p>
           <a:p>
             <a:pPr indent="-304800" lvl="0" marL="609600" rtl="0" algn="l">
@@ -11597,14 +11616,14 @@
               <a:spcAft>
                 <a:spcPts val="0"/>
               </a:spcAft>
-              <a:buSzPts val="1400"/>
-              <a:buNone/>
-            </a:pPr>
-            <a:r>
-              <a:rPr lang="en-US" sz="1700"/>
-              <a:t>Can return single value (aka scalar), single row, single column, or table</a:t>
-            </a:r>
-            <a:endParaRPr sz="1700"/>
+              <a:buSzPts val="2400"/>
+              <a:buNone/>
+            </a:pPr>
+            <a:r>
+              <a:rPr lang="en-US" sz="2400"/>
+              <a:t>Can return single value (aka scalar),                                                                                                 single row, single column, or table</a:t>
+            </a:r>
+            <a:endParaRPr sz="2400"/>
           </a:p>
           <a:p>
             <a:pPr indent="-304800" lvl="0" marL="609600" rtl="0" algn="l">
@@ -11617,17 +11636,17 @@
               <a:spcAft>
                 <a:spcPts val="0"/>
               </a:spcAft>
-              <a:buSzPts val="1400"/>
-              <a:buNone/>
-            </a:pPr>
-            <a:r>
-              <a:rPr lang="en-US" sz="1700"/>
+              <a:buSzPts val="2400"/>
+              <a:buNone/>
+            </a:pPr>
+            <a:r>
+              <a:rPr lang="en-US" sz="2400"/>
               <a:t>Evaluated inside-out</a:t>
             </a:r>
-            <a:endParaRPr sz="1700"/>
-          </a:p>
-          <a:p>
-            <a:pPr indent="-217100" lvl="0" marL="342900" rtl="0" algn="l">
+            <a:endParaRPr sz="2400"/>
+          </a:p>
+          <a:p>
+            <a:pPr indent="0" lvl="0" marL="0" rtl="0" algn="l">
               <a:lnSpc>
                 <a:spcPct val="115000"/>
               </a:lnSpc>
@@ -11637,40 +11656,10 @@
               <a:spcAft>
                 <a:spcPts val="0"/>
               </a:spcAft>
-              <a:buClr>
-                <a:srgbClr val="000000"/>
-              </a:buClr>
-              <a:buSzPts val="1100"/>
-              <a:buFont typeface="Arial"/>
               <a:buNone/>
             </a:pPr>
             <a:r>
               <a:t/>
-            </a:r>
-            <a:endParaRPr sz="1700"/>
-          </a:p>
-          <a:p>
-            <a:pPr indent="-304800" lvl="0" marL="609600" rtl="0" algn="l">
-              <a:lnSpc>
-                <a:spcPct val="115000"/>
-              </a:lnSpc>
-              <a:spcBef>
-                <a:spcPts val="1000"/>
-              </a:spcBef>
-              <a:spcAft>
-                <a:spcPts val="0"/>
-              </a:spcAft>
-              <a:buSzPts val="1400"/>
-              <a:buNone/>
-            </a:pPr>
-            <a:r>
-              <a:rPr lang="en-US" sz="1700" u="sng">
-                <a:solidFill>
-                  <a:schemeClr val="accent5"/>
-                </a:solidFill>
-                <a:hlinkClick r:id="rId3"/>
-              </a:rPr>
-              <a:t>Practice</a:t>
             </a:r>
             <a:endParaRPr sz="1700"/>
           </a:p>
@@ -11695,6 +11684,34 @@
           </a:p>
         </p:txBody>
       </p:sp>
+      <p:pic>
+        <p:nvPicPr>
+          <p:cNvPr id="163" name="Google Shape;163;p23"/>
+          <p:cNvPicPr preferRelativeResize="0"/>
+          <p:nvPr/>
+        </p:nvPicPr>
+        <p:blipFill>
+          <a:blip r:embed="rId3">
+            <a:alphaModFix/>
+          </a:blip>
+          <a:stretch>
+            <a:fillRect/>
+          </a:stretch>
+        </p:blipFill>
+        <p:spPr>
+          <a:xfrm>
+            <a:off x="6170700" y="3999300"/>
+            <a:ext cx="5695950" cy="2219325"/>
+          </a:xfrm>
+          <a:prstGeom prst="rect">
+            <a:avLst/>
+          </a:prstGeom>
+          <a:noFill/>
+          <a:ln>
+            <a:noFill/>
+          </a:ln>
+        </p:spPr>
+      </p:pic>
     </p:spTree>
   </p:cSld>
   <p:clrMapOvr>
@@ -11708,7 +11725,7 @@
   <p:cSld>
     <p:spTree>
       <p:nvGrpSpPr>
-        <p:cNvPr id="166" name="Shape 166"/>
+        <p:cNvPr id="167" name="Shape 167"/>
         <p:cNvGrpSpPr/>
         <p:nvPr/>
       </p:nvGrpSpPr>
@@ -11722,7 +11739,7 @@
       </p:grpSpPr>
       <p:sp>
         <p:nvSpPr>
-          <p:cNvPr id="167" name="Google Shape;167;p24"/>
+          <p:cNvPr id="168" name="Google Shape;168;p24"/>
           <p:cNvSpPr txBox="1"/>
           <p:nvPr>
             <p:ph type="ctrTitle"/>
@@ -11778,7 +11795,7 @@
       </p:sp>
       <p:sp>
         <p:nvSpPr>
-          <p:cNvPr id="168" name="Google Shape;168;p24"/>
+          <p:cNvPr id="169" name="Google Shape;169;p24"/>
           <p:cNvSpPr txBox="1"/>
           <p:nvPr>
             <p:ph idx="1" type="subTitle"/>
@@ -11837,7 +11854,7 @@
       </p:sp>
       <p:sp>
         <p:nvSpPr>
-          <p:cNvPr id="169" name="Google Shape;169;p24"/>
+          <p:cNvPr id="170" name="Google Shape;170;p24"/>
           <p:cNvSpPr txBox="1"/>
           <p:nvPr/>
         </p:nvSpPr>
@@ -12195,7 +12212,7 @@
       </p:sp>
       <p:sp>
         <p:nvSpPr>
-          <p:cNvPr id="170" name="Google Shape;170;p24"/>
+          <p:cNvPr id="171" name="Google Shape;171;p24"/>
           <p:cNvSpPr txBox="1"/>
           <p:nvPr/>
         </p:nvSpPr>
@@ -12250,9 +12267,9 @@
       </p:sp>
       <p:cxnSp>
         <p:nvCxnSpPr>
-          <p:cNvPr id="171" name="Google Shape;171;p24"/>
+          <p:cNvPr id="172" name="Google Shape;172;p24"/>
           <p:cNvCxnSpPr>
-            <a:stCxn id="170" idx="0"/>
+            <a:stCxn id="171" idx="0"/>
           </p:cNvCxnSpPr>
           <p:nvPr/>
         </p:nvCxnSpPr>
@@ -12278,7 +12295,7 @@
       </p:cxnSp>
       <p:pic>
         <p:nvPicPr>
-          <p:cNvPr id="172" name="Google Shape;172;p24"/>
+          <p:cNvPr id="173" name="Google Shape;173;p24"/>
           <p:cNvPicPr preferRelativeResize="0"/>
           <p:nvPr/>
         </p:nvPicPr>
@@ -12317,7 +12334,7 @@
   <p:cSld>
     <p:spTree>
       <p:nvGrpSpPr>
-        <p:cNvPr id="176" name="Shape 176"/>
+        <p:cNvPr id="177" name="Shape 177"/>
         <p:cNvGrpSpPr/>
         <p:nvPr/>
       </p:nvGrpSpPr>
@@ -12331,7 +12348,7 @@
       </p:grpSpPr>
       <p:sp>
         <p:nvSpPr>
-          <p:cNvPr id="177" name="Google Shape;177;p25"/>
+          <p:cNvPr id="178" name="Google Shape;178;p25"/>
           <p:cNvSpPr txBox="1"/>
           <p:nvPr>
             <p:ph type="ctrTitle"/>
@@ -12387,7 +12404,7 @@
       </p:sp>
       <p:sp>
         <p:nvSpPr>
-          <p:cNvPr id="178" name="Google Shape;178;p25"/>
+          <p:cNvPr id="179" name="Google Shape;179;p25"/>
           <p:cNvSpPr txBox="1"/>
           <p:nvPr/>
         </p:nvSpPr>
@@ -12440,7 +12457,7 @@
       </p:sp>
       <p:pic>
         <p:nvPicPr>
-          <p:cNvPr id="179" name="Google Shape;179;p25"/>
+          <p:cNvPr id="180" name="Google Shape;180;p25"/>
           <p:cNvPicPr preferRelativeResize="0"/>
           <p:nvPr/>
         </p:nvPicPr>
@@ -12468,7 +12485,7 @@
       </p:pic>
       <p:cxnSp>
         <p:nvCxnSpPr>
-          <p:cNvPr id="180" name="Google Shape;180;p25"/>
+          <p:cNvPr id="181" name="Google Shape;181;p25"/>
           <p:cNvCxnSpPr/>
           <p:nvPr/>
         </p:nvCxnSpPr>
@@ -12494,7 +12511,7 @@
       </p:cxnSp>
       <p:sp>
         <p:nvSpPr>
-          <p:cNvPr id="181" name="Google Shape;181;p25"/>
+          <p:cNvPr id="182" name="Google Shape;182;p25"/>
           <p:cNvSpPr txBox="1"/>
           <p:nvPr/>
         </p:nvSpPr>
@@ -12606,7 +12623,7 @@
       </p:sp>
       <p:pic>
         <p:nvPicPr>
-          <p:cNvPr id="182" name="Google Shape;182;p25"/>
+          <p:cNvPr id="183" name="Google Shape;183;p25"/>
           <p:cNvPicPr preferRelativeResize="0"/>
           <p:nvPr/>
         </p:nvPicPr>
@@ -12645,7 +12662,7 @@
   <p:cSld>
     <p:spTree>
       <p:nvGrpSpPr>
-        <p:cNvPr id="186" name="Shape 186"/>
+        <p:cNvPr id="187" name="Shape 187"/>
         <p:cNvGrpSpPr/>
         <p:nvPr/>
       </p:nvGrpSpPr>
@@ -12659,7 +12676,7 @@
       </p:grpSpPr>
       <p:sp>
         <p:nvSpPr>
-          <p:cNvPr id="187" name="Google Shape;187;p26"/>
+          <p:cNvPr id="188" name="Google Shape;188;p26"/>
           <p:cNvSpPr txBox="1"/>
           <p:nvPr>
             <p:ph type="ctrTitle"/>
@@ -12715,7 +12732,7 @@
       </p:sp>
       <p:sp>
         <p:nvSpPr>
-          <p:cNvPr id="188" name="Google Shape;188;p26"/>
+          <p:cNvPr id="189" name="Google Shape;189;p26"/>
           <p:cNvSpPr txBox="1"/>
           <p:nvPr>
             <p:ph idx="1" type="subTitle"/>
@@ -13038,7 +13055,7 @@
       </p:sp>
       <p:pic>
         <p:nvPicPr>
-          <p:cNvPr id="189" name="Google Shape;189;p26"/>
+          <p:cNvPr id="190" name="Google Shape;190;p26"/>
           <p:cNvPicPr preferRelativeResize="0"/>
           <p:nvPr/>
         </p:nvPicPr>
@@ -13077,7 +13094,7 @@
   <p:cSld>
     <p:spTree>
       <p:nvGrpSpPr>
-        <p:cNvPr id="194" name="Shape 194"/>
+        <p:cNvPr id="195" name="Shape 195"/>
         <p:cNvGrpSpPr/>
         <p:nvPr/>
       </p:nvGrpSpPr>
@@ -13091,7 +13108,7 @@
       </p:grpSpPr>
       <p:sp>
         <p:nvSpPr>
-          <p:cNvPr id="195" name="Google Shape;195;p27"/>
+          <p:cNvPr id="196" name="Google Shape;196;p27"/>
           <p:cNvSpPr txBox="1"/>
           <p:nvPr>
             <p:ph type="ctrTitle"/>
@@ -13131,14 +13148,14 @@
       </p:sp>
       <p:sp>
         <p:nvSpPr>
-          <p:cNvPr id="196" name="Google Shape;196;p27"/>
+          <p:cNvPr id="197" name="Google Shape;197;p27"/>
           <p:cNvSpPr txBox="1"/>
           <p:nvPr/>
         </p:nvSpPr>
         <p:spPr>
           <a:xfrm>
-            <a:off x="1010575" y="1839500"/>
-            <a:ext cx="5122200" cy="6929400"/>
+            <a:off x="192475" y="1735950"/>
+            <a:ext cx="6102000" cy="6929400"/>
           </a:xfrm>
           <a:prstGeom prst="rect">
             <a:avLst/>
@@ -13164,10 +13181,10 @@
               <a:buNone/>
             </a:pPr>
             <a:r>
-              <a:rPr b="1" lang="en-US" u="sng"/>
+              <a:rPr b="1" lang="en-US" sz="1700" u="sng"/>
               <a:t>World Schema</a:t>
             </a:r>
-            <a:endParaRPr b="1" u="sng"/>
+            <a:endParaRPr/>
           </a:p>
           <a:p>
             <a:pPr indent="0" lvl="0" marL="0" rtl="0" algn="l">
@@ -13180,9 +13197,25 @@
               <a:buNone/>
             </a:pPr>
             <a:r>
+              <a:rPr lang="en-US" sz="1700"/>
+              <a:t>1. In world.city, What are the names and CountryCodes of all countries in the database (sorted alphabetically by code)? </a:t>
+            </a:r>
+            <a:endParaRPr sz="1700"/>
+          </a:p>
+          <a:p>
+            <a:pPr indent="0" lvl="0" marL="0" rtl="0" algn="l">
+              <a:spcBef>
+                <a:spcPts val="0"/>
+              </a:spcBef>
+              <a:spcAft>
+                <a:spcPts val="0"/>
+              </a:spcAft>
+              <a:buNone/>
+            </a:pPr>
+            <a:r>
               <a:t/>
             </a:r>
-            <a:endParaRPr/>
+            <a:endParaRPr sz="1700"/>
           </a:p>
           <a:p>
             <a:pPr indent="0" lvl="0" marL="0" rtl="0" algn="l">
@@ -13195,175 +13228,152 @@
               <a:buNone/>
             </a:pPr>
             <a:r>
+              <a:rPr lang="en-US" sz="1700"/>
+              <a:t>2. Return the names of all cities contained in the world.city table that are in the united states.</a:t>
+            </a:r>
+            <a:endParaRPr sz="1700"/>
+          </a:p>
+          <a:p>
+            <a:pPr indent="0" lvl="0" marL="0" rtl="0" algn="l">
+              <a:spcBef>
+                <a:spcPts val="0"/>
+              </a:spcBef>
+              <a:spcAft>
+                <a:spcPts val="0"/>
+              </a:spcAft>
+              <a:buNone/>
+            </a:pPr>
+            <a:r>
+              <a:t/>
+            </a:r>
+            <a:endParaRPr sz="1700"/>
+          </a:p>
+          <a:p>
+            <a:pPr indent="0" lvl="0" marL="0" rtl="0" algn="l">
+              <a:spcBef>
+                <a:spcPts val="0"/>
+              </a:spcBef>
+              <a:spcAft>
+                <a:spcPts val="0"/>
+              </a:spcAft>
+              <a:buNone/>
+            </a:pPr>
+            <a:r>
+              <a:rPr lang="en-US" sz="1700"/>
+              <a:t>3. Find the total population of all USA cities that are in the world.city table</a:t>
+            </a:r>
+            <a:endParaRPr sz="1700"/>
+          </a:p>
+          <a:p>
+            <a:pPr indent="0" lvl="0" marL="0" rtl="0" algn="l">
+              <a:spcBef>
+                <a:spcPts val="0"/>
+              </a:spcBef>
+              <a:spcAft>
+                <a:spcPts val="0"/>
+              </a:spcAft>
+              <a:buNone/>
+            </a:pPr>
+            <a:r>
+              <a:t/>
+            </a:r>
+            <a:endParaRPr sz="1700"/>
+          </a:p>
+          <a:p>
+            <a:pPr indent="0" lvl="0" marL="0" rtl="0" algn="l">
+              <a:spcBef>
+                <a:spcPts val="0"/>
+              </a:spcBef>
+              <a:spcAft>
+                <a:spcPts val="0"/>
+              </a:spcAft>
+              <a:buNone/>
+            </a:pPr>
+            <a:r>
+              <a:rPr lang="en-US" sz="1700"/>
+              <a:t>4. </a:t>
+            </a:r>
+            <a:r>
+              <a:rPr lang="en-US" sz="1700"/>
+              <a:t>Return the names of all cities contained in the world.city table that are in Nebraska (Region), using a subquery</a:t>
+            </a:r>
+            <a:endParaRPr sz="1700"/>
+          </a:p>
+          <a:p>
+            <a:pPr indent="0" lvl="0" marL="0" rtl="0" algn="l">
+              <a:spcBef>
+                <a:spcPts val="0"/>
+              </a:spcBef>
+              <a:spcAft>
+                <a:spcPts val="0"/>
+              </a:spcAft>
+              <a:buNone/>
+            </a:pPr>
+            <a:r>
+              <a:t/>
+            </a:r>
+            <a:endParaRPr sz="1700"/>
+          </a:p>
+          <a:p>
+            <a:pPr indent="0" lvl="0" marL="0" rtl="0" algn="l">
+              <a:spcBef>
+                <a:spcPts val="0"/>
+              </a:spcBef>
+              <a:spcAft>
+                <a:spcPts val="0"/>
+              </a:spcAft>
+              <a:buNone/>
+            </a:pPr>
+            <a:r>
+              <a:rPr lang="en-US" sz="1700"/>
+              <a:t>5. In the world.country langage table, select all countries where the official language is ‘English’</a:t>
+            </a:r>
+            <a:endParaRPr sz="1700"/>
+          </a:p>
+          <a:p>
+            <a:pPr indent="0" lvl="0" marL="0" rtl="0" algn="l">
+              <a:spcBef>
+                <a:spcPts val="0"/>
+              </a:spcBef>
+              <a:spcAft>
+                <a:spcPts val="0"/>
+              </a:spcAft>
+              <a:buNone/>
+            </a:pPr>
+            <a:r>
+              <a:t/>
+            </a:r>
+            <a:endParaRPr sz="1700"/>
+          </a:p>
+          <a:p>
+            <a:pPr indent="0" lvl="0" marL="0" rtl="0" algn="l">
+              <a:spcBef>
+                <a:spcPts val="0"/>
+              </a:spcBef>
+              <a:spcAft>
+                <a:spcPts val="0"/>
+              </a:spcAft>
+              <a:buNone/>
+            </a:pPr>
+            <a:r>
+              <a:rPr lang="en-US" sz="1700"/>
+              <a:t>6. In the world.country table, compare the average life </a:t>
+            </a:r>
+            <a:r>
+              <a:rPr lang="en-US" sz="1700"/>
+              <a:t>expectancy</a:t>
+            </a:r>
+            <a:r>
+              <a:rPr lang="en-US" sz="1700"/>
+              <a:t> of people, in a variety of ways. </a:t>
+            </a:r>
+            <a:r>
+              <a:rPr lang="en-US" sz="1800"/>
+              <a:t> </a:t>
+            </a:r>
+            <a:r>
               <a:rPr lang="en-US"/>
-              <a:t>1. In world.city, What are the names and CountryCodes of all countries in the database (sorted alphabetically by code)? </a:t>
-            </a:r>
-            <a:endParaRPr/>
-          </a:p>
-          <a:p>
-            <a:pPr indent="0" lvl="0" marL="0" rtl="0" algn="l">
-              <a:spcBef>
-                <a:spcPts val="0"/>
-              </a:spcBef>
-              <a:spcAft>
-                <a:spcPts val="0"/>
-              </a:spcAft>
-              <a:buNone/>
-            </a:pPr>
-            <a:r>
-              <a:t/>
-            </a:r>
-            <a:endParaRPr/>
-          </a:p>
-          <a:p>
-            <a:pPr indent="0" lvl="0" marL="0" rtl="0" algn="l">
-              <a:spcBef>
-                <a:spcPts val="0"/>
-              </a:spcBef>
-              <a:spcAft>
-                <a:spcPts val="0"/>
-              </a:spcAft>
-              <a:buNone/>
-            </a:pPr>
-            <a:r>
-              <a:rPr lang="en-US"/>
-              <a:t>2. Return the names of all cities contained in the world.city table that are in the united states.</a:t>
-            </a:r>
-            <a:endParaRPr/>
-          </a:p>
-          <a:p>
-            <a:pPr indent="0" lvl="0" marL="0" rtl="0" algn="l">
-              <a:spcBef>
-                <a:spcPts val="0"/>
-              </a:spcBef>
-              <a:spcAft>
-                <a:spcPts val="0"/>
-              </a:spcAft>
-              <a:buNone/>
-            </a:pPr>
-            <a:r>
-              <a:t/>
-            </a:r>
-            <a:endParaRPr/>
-          </a:p>
-          <a:p>
-            <a:pPr indent="0" lvl="0" marL="0" rtl="0" algn="l">
-              <a:spcBef>
-                <a:spcPts val="0"/>
-              </a:spcBef>
-              <a:spcAft>
-                <a:spcPts val="0"/>
-              </a:spcAft>
-              <a:buNone/>
-            </a:pPr>
-            <a:r>
-              <a:rPr lang="en-US"/>
-              <a:t>3. Find the total population of all USA cities that are in the world.city table</a:t>
-            </a:r>
-            <a:endParaRPr/>
-          </a:p>
-          <a:p>
-            <a:pPr indent="0" lvl="0" marL="0" rtl="0" algn="l">
-              <a:spcBef>
-                <a:spcPts val="0"/>
-              </a:spcBef>
-              <a:spcAft>
-                <a:spcPts val="0"/>
-              </a:spcAft>
-              <a:buNone/>
-            </a:pPr>
-            <a:r>
-              <a:t/>
-            </a:r>
-            <a:endParaRPr/>
-          </a:p>
-          <a:p>
-            <a:pPr indent="0" lvl="0" marL="0" rtl="0" algn="l">
-              <a:spcBef>
-                <a:spcPts val="0"/>
-              </a:spcBef>
-              <a:spcAft>
-                <a:spcPts val="0"/>
-              </a:spcAft>
-              <a:buNone/>
-            </a:pPr>
-            <a:r>
-              <a:rPr lang="en-US"/>
-              <a:t>4. </a:t>
-            </a:r>
-            <a:r>
-              <a:rPr lang="en-US"/>
-              <a:t>Return the names of all cities contained in the world.city table that are in Nebraska (Region), using a subquery</a:t>
-            </a:r>
-            <a:endParaRPr/>
-          </a:p>
-          <a:p>
-            <a:pPr indent="0" lvl="0" marL="0" rtl="0" algn="l">
-              <a:spcBef>
-                <a:spcPts val="0"/>
-              </a:spcBef>
-              <a:spcAft>
-                <a:spcPts val="0"/>
-              </a:spcAft>
-              <a:buNone/>
-            </a:pPr>
-            <a:r>
-              <a:t/>
-            </a:r>
-            <a:endParaRPr/>
-          </a:p>
-          <a:p>
-            <a:pPr indent="0" lvl="0" marL="0" rtl="0" algn="l">
-              <a:spcBef>
-                <a:spcPts val="0"/>
-              </a:spcBef>
-              <a:spcAft>
-                <a:spcPts val="0"/>
-              </a:spcAft>
-              <a:buNone/>
-            </a:pPr>
-            <a:r>
-              <a:rPr lang="en-US"/>
-              <a:t>5. In the world.country langage table, select all countries where the official language is ‘English’</a:t>
-            </a:r>
-            <a:endParaRPr/>
-          </a:p>
-          <a:p>
-            <a:pPr indent="0" lvl="0" marL="0" rtl="0" algn="l">
-              <a:spcBef>
-                <a:spcPts val="0"/>
-              </a:spcBef>
-              <a:spcAft>
-                <a:spcPts val="0"/>
-              </a:spcAft>
-              <a:buNone/>
-            </a:pPr>
-            <a:r>
-              <a:t/>
-            </a:r>
-            <a:endParaRPr/>
-          </a:p>
-          <a:p>
-            <a:pPr indent="0" lvl="0" marL="0" rtl="0" algn="l">
-              <a:spcBef>
-                <a:spcPts val="0"/>
-              </a:spcBef>
-              <a:spcAft>
-                <a:spcPts val="0"/>
-              </a:spcAft>
-              <a:buNone/>
-            </a:pPr>
-            <a:r>
-              <a:rPr lang="en-US"/>
-              <a:t>6. In the world.country table, compare the average life </a:t>
-            </a:r>
-            <a:r>
-              <a:rPr lang="en-US"/>
-              <a:t>expectancy</a:t>
-            </a:r>
-            <a:r>
-              <a:rPr lang="en-US"/>
-              <a:t> of people, in a variety of ways.   </a:t>
+              <a:t> </a:t>
             </a:r>
             <a:endParaRPr/>
           </a:p>
@@ -13371,7 +13381,7 @@
       </p:sp>
       <p:pic>
         <p:nvPicPr>
-          <p:cNvPr id="197" name="Google Shape;197;p27"/>
+          <p:cNvPr id="198" name="Google Shape;198;p27"/>
           <p:cNvPicPr preferRelativeResize="0"/>
           <p:nvPr/>
         </p:nvPicPr>
@@ -13385,7 +13395,7 @@
         </p:blipFill>
         <p:spPr>
           <a:xfrm>
-            <a:off x="6209950" y="2104042"/>
+            <a:off x="6286150" y="2256442"/>
             <a:ext cx="5754425" cy="3627330"/>
           </a:xfrm>
           <a:prstGeom prst="rect">
@@ -13410,7 +13420,7 @@
   <p:cSld>
     <p:spTree>
       <p:nvGrpSpPr>
-        <p:cNvPr id="202" name="Shape 202"/>
+        <p:cNvPr id="203" name="Shape 203"/>
         <p:cNvGrpSpPr/>
         <p:nvPr/>
       </p:nvGrpSpPr>
@@ -13424,7 +13434,7 @@
       </p:grpSpPr>
       <p:sp>
         <p:nvSpPr>
-          <p:cNvPr id="203" name="Google Shape;203;p28"/>
+          <p:cNvPr id="204" name="Google Shape;204;p28"/>
           <p:cNvSpPr txBox="1"/>
           <p:nvPr>
             <p:ph type="ctrTitle"/>
@@ -13456,7 +13466,7 @@
             </a:pPr>
             <a:r>
               <a:rPr lang="en-US"/>
-              <a:t>Exercises</a:t>
+              <a:t>Class Project </a:t>
             </a:r>
             <a:endParaRPr/>
           </a:p>
@@ -13464,14 +13474,14 @@
       </p:sp>
       <p:sp>
         <p:nvSpPr>
-          <p:cNvPr id="204" name="Google Shape;204;p28"/>
+          <p:cNvPr id="205" name="Google Shape;205;p28"/>
           <p:cNvSpPr txBox="1"/>
           <p:nvPr/>
         </p:nvSpPr>
         <p:spPr>
           <a:xfrm>
-            <a:off x="1010575" y="1839500"/>
-            <a:ext cx="5122200" cy="6929400"/>
+            <a:off x="751550" y="1656925"/>
+            <a:ext cx="6413100" cy="6929400"/>
           </a:xfrm>
           <a:prstGeom prst="rect">
             <a:avLst/>
@@ -13497,10 +13507,10 @@
               <a:buNone/>
             </a:pPr>
             <a:r>
-              <a:rPr b="1" lang="en-US" u="sng"/>
-              <a:t>Class Project - Consoles</a:t>
-            </a:r>
-            <a:endParaRPr b="1" u="sng"/>
+              <a:rPr b="1" lang="en-US" sz="1700" u="sng"/>
+              <a:t>Business Understanding - Queries</a:t>
+            </a:r>
+            <a:endParaRPr b="1" sz="1700" u="sng"/>
           </a:p>
           <a:p>
             <a:pPr indent="0" lvl="0" marL="0" rtl="0" algn="l">
@@ -13513,9 +13523,25 @@
               <a:buNone/>
             </a:pPr>
             <a:r>
+              <a:rPr lang="en-US" sz="1700"/>
+              <a:t>1. Based on the collected console data, what is the newest platform in our dataset and what year was it first available?    </a:t>
+            </a:r>
+            <a:endParaRPr sz="1700"/>
+          </a:p>
+          <a:p>
+            <a:pPr indent="0" lvl="0" marL="0" rtl="0" algn="l">
+              <a:spcBef>
+                <a:spcPts val="0"/>
+              </a:spcBef>
+              <a:spcAft>
+                <a:spcPts val="0"/>
+              </a:spcAft>
+              <a:buNone/>
+            </a:pPr>
+            <a:r>
               <a:t/>
             </a:r>
-            <a:endParaRPr/>
+            <a:endParaRPr sz="1700"/>
           </a:p>
           <a:p>
             <a:pPr indent="0" lvl="0" marL="0" rtl="0" algn="l">
@@ -13528,10 +13554,10 @@
               <a:buNone/>
             </a:pPr>
             <a:r>
-              <a:rPr lang="en-US"/>
-              <a:t>1. In world.city, What are the names and CountryCodes of all countries in the database (sorted alphabetically by code)? </a:t>
-            </a:r>
-            <a:endParaRPr/>
+              <a:rPr lang="en-US" sz="1700"/>
+              <a:t>2. Which console had the longest lifespan (in years)?  </a:t>
+            </a:r>
+            <a:endParaRPr sz="1700"/>
           </a:p>
           <a:p>
             <a:pPr indent="0" lvl="0" marL="0" rtl="0" algn="l">
@@ -13546,7 +13572,7 @@
             <a:r>
               <a:t/>
             </a:r>
-            <a:endParaRPr/>
+            <a:endParaRPr sz="1700"/>
           </a:p>
           <a:p>
             <a:pPr indent="0" lvl="0" marL="0" rtl="0" algn="l">
@@ -13559,10 +13585,10 @@
               <a:buNone/>
             </a:pPr>
             <a:r>
-              <a:rPr lang="en-US"/>
-              <a:t>2. Return the names of all cities contained in the world.city table that are in the united states.</a:t>
-            </a:r>
-            <a:endParaRPr/>
+              <a:rPr lang="en-US" sz="1700"/>
+              <a:t>3. Based on game data, which country has the most video game sales, over all platforms? </a:t>
+            </a:r>
+            <a:endParaRPr sz="1700"/>
           </a:p>
           <a:p>
             <a:pPr indent="0" lvl="0" marL="0" rtl="0" algn="l">
@@ -13577,7 +13603,7 @@
             <a:r>
               <a:t/>
             </a:r>
-            <a:endParaRPr/>
+            <a:endParaRPr sz="1700"/>
           </a:p>
           <a:p>
             <a:pPr indent="0" lvl="0" marL="0" rtl="0" algn="l">
@@ -13590,10 +13616,10 @@
               <a:buNone/>
             </a:pPr>
             <a:r>
-              <a:rPr lang="en-US"/>
-              <a:t>3. Find the total population of all USA cities that are in the world.city table</a:t>
-            </a:r>
-            <a:endParaRPr/>
+              <a:rPr lang="en-US" sz="1700"/>
+              <a:t>4. How many video games were produced for the NES platform? </a:t>
+            </a:r>
+            <a:endParaRPr sz="1700"/>
           </a:p>
           <a:p>
             <a:pPr indent="0" lvl="0" marL="0" rtl="0" algn="l">
@@ -13608,7 +13634,7 @@
             <a:r>
               <a:t/>
             </a:r>
-            <a:endParaRPr/>
+            <a:endParaRPr sz="1700"/>
           </a:p>
           <a:p>
             <a:pPr indent="0" lvl="0" marL="0" rtl="0" algn="l">
@@ -13621,10 +13647,10 @@
               <a:buNone/>
             </a:pPr>
             <a:r>
-              <a:rPr lang="en-US"/>
-              <a:t>4. Return the names of all cities contained in the world.city table that are in Nebraska (Region), using a subquery</a:t>
-            </a:r>
-            <a:endParaRPr/>
+              <a:rPr lang="en-US" sz="1700"/>
+              <a:t>5. What Genre of games had the most unit sales for the XBox 360 system? </a:t>
+            </a:r>
+            <a:endParaRPr sz="1700"/>
           </a:p>
           <a:p>
             <a:pPr indent="0" lvl="0" marL="0" rtl="0" algn="l">
@@ -13639,7 +13665,7 @@
             <a:r>
               <a:t/>
             </a:r>
-            <a:endParaRPr/>
+            <a:endParaRPr sz="1700"/>
           </a:p>
           <a:p>
             <a:pPr indent="0" lvl="0" marL="0" rtl="0" algn="l">
@@ -13652,10 +13678,18 @@
               <a:buNone/>
             </a:pPr>
             <a:r>
-              <a:rPr lang="en-US"/>
-              <a:t>5. In the world.country langage table, select all countries where the official language is ‘English’</a:t>
-            </a:r>
-            <a:endParaRPr/>
+              <a:rPr lang="en-US" sz="1700"/>
+              <a:t>6. Overall, what is the most </a:t>
+            </a:r>
+            <a:r>
+              <a:rPr lang="en-US" sz="1700"/>
+              <a:t>popular</a:t>
+            </a:r>
+            <a:r>
+              <a:rPr lang="en-US" sz="1700"/>
+              <a:t> genre of games, by unit sales?  </a:t>
+            </a:r>
+            <a:endParaRPr sz="1700"/>
           </a:p>
           <a:p>
             <a:pPr indent="0" lvl="0" marL="0" rtl="0" algn="l">
@@ -13670,7 +13704,7 @@
             <a:r>
               <a:t/>
             </a:r>
-            <a:endParaRPr/>
+            <a:endParaRPr sz="1700"/>
           </a:p>
           <a:p>
             <a:pPr indent="0" lvl="0" marL="0" rtl="0" algn="l">
@@ -13683,16 +13717,16 @@
               <a:buNone/>
             </a:pPr>
             <a:r>
-              <a:rPr lang="en-US"/>
-              <a:t>6. In the world.country table, compare the average life expectancy of people, in a variety of ways.   </a:t>
-            </a:r>
-            <a:endParaRPr/>
+              <a:rPr lang="en-US" sz="1700"/>
+              <a:t>7. Based on this information, what type of game and/or console  would you recomend to managment? </a:t>
+            </a:r>
+            <a:endParaRPr sz="1700"/>
           </a:p>
         </p:txBody>
       </p:sp>
       <p:pic>
         <p:nvPicPr>
-          <p:cNvPr id="205" name="Google Shape;205;p28"/>
+          <p:cNvPr id="206" name="Google Shape;206;p28"/>
           <p:cNvPicPr preferRelativeResize="0"/>
           <p:nvPr/>
         </p:nvPicPr>
@@ -13706,7 +13740,7 @@
         </p:blipFill>
         <p:spPr>
           <a:xfrm>
-            <a:off x="7260075" y="2150517"/>
+            <a:off x="7564875" y="2150517"/>
             <a:ext cx="3636183" cy="3636183"/>
           </a:xfrm>
           <a:prstGeom prst="rect">
@@ -14281,7 +14315,7 @@
             <a:tbl>
               <a:tblPr bandRow="1" firstRow="1">
                 <a:noFill/>
-                <a:tableStyleId>{472C5F43-5297-4B44-A68F-5552EC4E6666}</a:tableStyleId>
+                <a:tableStyleId>{926FB923-BFEB-4A9E-B21F-5EC4765CA350}</a:tableStyleId>
               </a:tblPr>
               <a:tblGrid>
                 <a:gridCol w="2066075"/>
@@ -16233,7 +16267,7 @@
             <a:tbl>
               <a:tblPr bandRow="1" firstRow="1">
                 <a:noFill/>
-                <a:tableStyleId>{472C5F43-5297-4B44-A68F-5552EC4E6666}</a:tableStyleId>
+                <a:tableStyleId>{926FB923-BFEB-4A9E-B21F-5EC4765CA350}</a:tableStyleId>
               </a:tblPr>
               <a:tblGrid>
                 <a:gridCol w="2588425"/>
@@ -17410,7 +17444,7 @@
             </a:pPr>
             <a:r>
               <a:rPr lang="en-US" sz="2400"/>
-              <a:t>date and time functions:  Curdate, DateDiff, Day/Month/Year, DateAdd, now</a:t>
+              <a:t>Date and Time functions:  Curdate, DateDiff, Day/Month/Year, DateAdd, now</a:t>
             </a:r>
             <a:endParaRPr sz="2400"/>
           </a:p>
@@ -17821,7 +17855,31 @@
                 <a:cs typeface="Lato"/>
                 <a:sym typeface="Lato"/>
               </a:rPr>
-              <a:t>“what schema/table to read”</a:t>
+              <a:t>#</a:t>
+            </a:r>
+            <a:r>
+              <a:rPr lang="en-US" sz="1800">
+                <a:solidFill>
+                  <a:srgbClr val="6AA84F"/>
+                </a:solidFill>
+                <a:latin typeface="Lato"/>
+                <a:ea typeface="Lato"/>
+                <a:cs typeface="Lato"/>
+                <a:sym typeface="Lato"/>
+              </a:rPr>
+              <a:t>“</a:t>
+            </a:r>
+            <a:r>
+              <a:rPr lang="en-US" sz="1800">
+                <a:solidFill>
+                  <a:srgbClr val="6AA84F"/>
+                </a:solidFill>
+                <a:latin typeface="Lato"/>
+                <a:ea typeface="Lato"/>
+                <a:cs typeface="Lato"/>
+                <a:sym typeface="Lato"/>
+              </a:rPr>
+              <a:t>what schema/table to read”</a:t>
             </a:r>
             <a:endParaRPr sz="1800">
               <a:solidFill>
@@ -17861,14 +17919,38 @@
             <a:r>
               <a:rPr lang="en-US" sz="1800">
                 <a:solidFill>
-                  <a:srgbClr val="6AA84F"/>
+                  <a:srgbClr val="93C47D"/>
                 </a:solidFill>
                 <a:latin typeface="Lato"/>
                 <a:ea typeface="Lato"/>
                 <a:cs typeface="Lato"/>
                 <a:sym typeface="Lato"/>
               </a:rPr>
-              <a:t>“often needed to summarize by group</a:t>
+              <a:t>#</a:t>
+            </a:r>
+            <a:r>
+              <a:rPr lang="en-US" sz="1800">
+                <a:solidFill>
+                  <a:srgbClr val="93C47D"/>
+                </a:solidFill>
+                <a:latin typeface="Lato"/>
+                <a:ea typeface="Lato"/>
+                <a:cs typeface="Lato"/>
+                <a:sym typeface="Lato"/>
+              </a:rPr>
+              <a:t>“o</a:t>
+            </a:r>
+            <a:r>
+              <a:rPr lang="en-US" sz="1800">
+                <a:solidFill>
+                  <a:srgbClr val="6AA84F"/>
+                </a:solidFill>
+                <a:latin typeface="Lato"/>
+                <a:ea typeface="Lato"/>
+                <a:cs typeface="Lato"/>
+                <a:sym typeface="Lato"/>
+              </a:rPr>
+              <a:t>ften needed to summarize by group</a:t>
             </a:r>
             <a:r>
               <a:rPr lang="en-US" sz="1800">
@@ -17915,7 +17997,19 @@
                 <a:cs typeface="Lato"/>
                 <a:sym typeface="Lato"/>
               </a:rPr>
-              <a:t>ORDER BY continent DESC  “</a:t>
+              <a:t>ORDER BY continent DESC  </a:t>
+            </a:r>
+            <a:r>
+              <a:rPr lang="en-US" sz="1800">
+                <a:solidFill>
+                  <a:srgbClr val="93C47D"/>
+                </a:solidFill>
+                <a:latin typeface="Lato"/>
+                <a:ea typeface="Lato"/>
+                <a:cs typeface="Lato"/>
+                <a:sym typeface="Lato"/>
+              </a:rPr>
+              <a:t>#“</a:t>
             </a:r>
             <a:r>
               <a:rPr lang="en-US" sz="1800">

--- a/Lectures/Writing Queries (2).pptx
+++ b/Lectures/Writing Queries (2).pptx
@@ -23,23 +23,24 @@
     <p:sldId id="268" r:id="rId18"/>
     <p:sldId id="269" r:id="rId19"/>
     <p:sldId id="270" r:id="rId20"/>
+    <p:sldId id="271" r:id="rId21"/>
   </p:sldIdLst>
   <p:sldSz cy="6858000" cx="12192000"/>
   <p:notesSz cx="6858000" cy="9144000"/>
   <p:embeddedFontLst>
     <p:embeddedFont>
       <p:font typeface="Raleway"/>
-      <p:regular r:id="rId21"/>
-      <p:bold r:id="rId22"/>
-      <p:italic r:id="rId23"/>
-      <p:boldItalic r:id="rId24"/>
+      <p:regular r:id="rId22"/>
+      <p:bold r:id="rId23"/>
+      <p:italic r:id="rId24"/>
+      <p:boldItalic r:id="rId25"/>
     </p:embeddedFont>
     <p:embeddedFont>
       <p:font typeface="Lato"/>
-      <p:regular r:id="rId25"/>
-      <p:bold r:id="rId26"/>
-      <p:italic r:id="rId27"/>
-      <p:boldItalic r:id="rId28"/>
+      <p:regular r:id="rId26"/>
+      <p:bold r:id="rId27"/>
+      <p:italic r:id="rId28"/>
+      <p:boldItalic r:id="rId29"/>
     </p:embeddedFont>
   </p:embeddedFontLst>
   <p:defaultTextStyle>
@@ -1546,7 +1547,7 @@
   <p:cSld>
     <p:spTree>
       <p:nvGrpSpPr>
-        <p:cNvPr id="157" name="Shape 157"/>
+        <p:cNvPr id="155" name="Shape 155"/>
         <p:cNvGrpSpPr/>
         <p:nvPr/>
       </p:nvGrpSpPr>
@@ -1560,7 +1561,7 @@
       </p:grpSpPr>
       <p:sp>
         <p:nvSpPr>
-          <p:cNvPr id="158" name="Google Shape;158;g5038ce4af1_0_362:notes"/>
+          <p:cNvPr id="156" name="Google Shape;156;g4fe779e5c2_0_189:notes"/>
           <p:cNvSpPr txBox="1"/>
           <p:nvPr>
             <p:ph idx="1" type="body"/>
@@ -1582,16 +1583,218 @@
           <a:lstStyle/>
           <a:p>
             <a:pPr indent="0" lvl="0" marL="0" rtl="0" algn="l">
-              <a:spcBef>
-                <a:spcPts val="0"/>
-              </a:spcBef>
-              <a:spcAft>
-                <a:spcPts val="0"/>
-              </a:spcAft>
-              <a:buNone/>
-            </a:pPr>
-            <a:r>
-              <a:t/>
+              <a:lnSpc>
+                <a:spcPct val="115000"/>
+              </a:lnSpc>
+              <a:spcBef>
+                <a:spcPts val="0"/>
+              </a:spcBef>
+              <a:spcAft>
+                <a:spcPts val="0"/>
+              </a:spcAft>
+              <a:buClr>
+                <a:srgbClr val="000000"/>
+              </a:buClr>
+              <a:buSzPts val="1100"/>
+              <a:buFont typeface="Arial"/>
+              <a:buNone/>
+            </a:pPr>
+            <a:r>
+              <a:rPr lang="en-US">
+                <a:solidFill>
+                  <a:srgbClr val="000000"/>
+                </a:solidFill>
+              </a:rPr>
+              <a:t>Format for readability</a:t>
+            </a:r>
+            <a:endParaRPr>
+              <a:solidFill>
+                <a:srgbClr val="000000"/>
+              </a:solidFill>
+            </a:endParaRPr>
+          </a:p>
+          <a:p>
+            <a:pPr indent="0" lvl="0" marL="0" rtl="0" algn="l">
+              <a:lnSpc>
+                <a:spcPct val="115000"/>
+              </a:lnSpc>
+              <a:spcBef>
+                <a:spcPts val="0"/>
+              </a:spcBef>
+              <a:spcAft>
+                <a:spcPts val="0"/>
+              </a:spcAft>
+              <a:buClr>
+                <a:srgbClr val="000000"/>
+              </a:buClr>
+              <a:buSzPts val="1100"/>
+              <a:buFont typeface="Arial"/>
+              <a:buNone/>
+            </a:pPr>
+            <a:r>
+              <a:rPr lang="en-US">
+                <a:solidFill>
+                  <a:srgbClr val="000000"/>
+                </a:solidFill>
+              </a:rPr>
+              <a:t>FROM: what table to read</a:t>
+            </a:r>
+            <a:endParaRPr>
+              <a:solidFill>
+                <a:srgbClr val="000000"/>
+              </a:solidFill>
+            </a:endParaRPr>
+          </a:p>
+          <a:p>
+            <a:pPr indent="0" lvl="0" marL="0" rtl="0" algn="l">
+              <a:lnSpc>
+                <a:spcPct val="115000"/>
+              </a:lnSpc>
+              <a:spcBef>
+                <a:spcPts val="0"/>
+              </a:spcBef>
+              <a:spcAft>
+                <a:spcPts val="0"/>
+              </a:spcAft>
+              <a:buClr>
+                <a:srgbClr val="000000"/>
+              </a:buClr>
+              <a:buSzPts val="1100"/>
+              <a:buFont typeface="Arial"/>
+              <a:buNone/>
+            </a:pPr>
+            <a:r>
+              <a:rPr lang="en-US">
+                <a:solidFill>
+                  <a:srgbClr val="000000"/>
+                </a:solidFill>
+              </a:rPr>
+              <a:t>SELECT: what columns to get</a:t>
+            </a:r>
+            <a:endParaRPr>
+              <a:solidFill>
+                <a:srgbClr val="000000"/>
+              </a:solidFill>
+            </a:endParaRPr>
+          </a:p>
+          <a:p>
+            <a:pPr indent="0" lvl="0" marL="0" rtl="0" algn="l">
+              <a:lnSpc>
+                <a:spcPct val="115000"/>
+              </a:lnSpc>
+              <a:spcBef>
+                <a:spcPts val="0"/>
+              </a:spcBef>
+              <a:spcAft>
+                <a:spcPts val="0"/>
+              </a:spcAft>
+              <a:buClr>
+                <a:srgbClr val="000000"/>
+              </a:buClr>
+              <a:buSzPts val="1100"/>
+              <a:buFont typeface="Arial"/>
+              <a:buNone/>
+            </a:pPr>
+            <a:r>
+              <a:rPr lang="en-US">
+                <a:solidFill>
+                  <a:srgbClr val="000000"/>
+                </a:solidFill>
+              </a:rPr>
+              <a:t>AS: rename the column</a:t>
+            </a:r>
+            <a:endParaRPr>
+              <a:solidFill>
+                <a:srgbClr val="000000"/>
+              </a:solidFill>
+            </a:endParaRPr>
+          </a:p>
+          <a:p>
+            <a:pPr indent="0" lvl="0" marL="0" rtl="0" algn="l">
+              <a:lnSpc>
+                <a:spcPct val="115000"/>
+              </a:lnSpc>
+              <a:spcBef>
+                <a:spcPts val="0"/>
+              </a:spcBef>
+              <a:spcAft>
+                <a:spcPts val="0"/>
+              </a:spcAft>
+              <a:buClr>
+                <a:srgbClr val="000000"/>
+              </a:buClr>
+              <a:buSzPts val="1100"/>
+              <a:buFont typeface="Arial"/>
+              <a:buNone/>
+            </a:pPr>
+            <a:r>
+              <a:rPr lang="en-US">
+                <a:solidFill>
+                  <a:srgbClr val="000000"/>
+                </a:solidFill>
+              </a:rPr>
+              <a:t>GROUP BY: combine rows by column value</a:t>
+            </a:r>
+            <a:endParaRPr>
+              <a:solidFill>
+                <a:srgbClr val="000000"/>
+              </a:solidFill>
+            </a:endParaRPr>
+          </a:p>
+          <a:p>
+            <a:pPr indent="0" lvl="0" marL="0" rtl="0" algn="l">
+              <a:lnSpc>
+                <a:spcPct val="115000"/>
+              </a:lnSpc>
+              <a:spcBef>
+                <a:spcPts val="0"/>
+              </a:spcBef>
+              <a:spcAft>
+                <a:spcPts val="0"/>
+              </a:spcAft>
+              <a:buClr>
+                <a:srgbClr val="000000"/>
+              </a:buClr>
+              <a:buSzPts val="1100"/>
+              <a:buFont typeface="Arial"/>
+              <a:buNone/>
+            </a:pPr>
+            <a:r>
+              <a:rPr lang="en-US">
+                <a:solidFill>
+                  <a:srgbClr val="000000"/>
+                </a:solidFill>
+              </a:rPr>
+              <a:t>ORDER BY: sort in ascending or descending order</a:t>
+            </a:r>
+            <a:endParaRPr>
+              <a:solidFill>
+                <a:srgbClr val="000000"/>
+              </a:solidFill>
+            </a:endParaRPr>
+          </a:p>
+          <a:p>
+            <a:pPr indent="0" lvl="0" marL="0" rtl="0" algn="l">
+              <a:spcBef>
+                <a:spcPts val="0"/>
+              </a:spcBef>
+              <a:spcAft>
+                <a:spcPts val="0"/>
+              </a:spcAft>
+              <a:buClr>
+                <a:srgbClr val="000000"/>
+              </a:buClr>
+              <a:buSzPts val="1100"/>
+              <a:buFont typeface="Arial"/>
+              <a:buNone/>
+            </a:pPr>
+            <a:r>
+              <a:rPr lang="en-US">
+                <a:solidFill>
+                  <a:srgbClr val="000000"/>
+                </a:solidFill>
+              </a:rPr>
+              <a:t>LIMIT: constrain the number of rows displayed</a:t>
             </a:r>
             <a:endParaRPr/>
           </a:p>
@@ -1599,7 +1802,7 @@
       </p:sp>
       <p:sp>
         <p:nvSpPr>
-          <p:cNvPr id="159" name="Google Shape;159;g5038ce4af1_0_362:notes"/>
+          <p:cNvPr id="157" name="Google Shape;157;g4fe779e5c2_0_189:notes"/>
           <p:cNvSpPr/>
           <p:nvPr>
             <p:ph idx="2" type="sldImg"/>
@@ -1659,7 +1862,7 @@
       </p:grpSpPr>
       <p:sp>
         <p:nvSpPr>
-          <p:cNvPr id="165" name="Google Shape;165;g4fe779e5c2_0_201:notes"/>
+          <p:cNvPr id="165" name="Google Shape;165;g5038ce4af1_0_362:notes"/>
           <p:cNvSpPr txBox="1"/>
           <p:nvPr>
             <p:ph idx="1" type="body"/>
@@ -1681,218 +1884,16 @@
           <a:lstStyle/>
           <a:p>
             <a:pPr indent="0" lvl="0" marL="0" rtl="0" algn="l">
-              <a:lnSpc>
-                <a:spcPct val="115000"/>
-              </a:lnSpc>
-              <a:spcBef>
-                <a:spcPts val="0"/>
-              </a:spcBef>
-              <a:spcAft>
-                <a:spcPts val="0"/>
-              </a:spcAft>
-              <a:buClr>
-                <a:srgbClr val="000000"/>
-              </a:buClr>
-              <a:buSzPts val="1100"/>
-              <a:buFont typeface="Arial"/>
-              <a:buNone/>
-            </a:pPr>
-            <a:r>
-              <a:rPr lang="en-US">
-                <a:solidFill>
-                  <a:srgbClr val="000000"/>
-                </a:solidFill>
-              </a:rPr>
-              <a:t>Format for readability</a:t>
-            </a:r>
-            <a:endParaRPr>
-              <a:solidFill>
-                <a:srgbClr val="000000"/>
-              </a:solidFill>
-            </a:endParaRPr>
-          </a:p>
-          <a:p>
-            <a:pPr indent="0" lvl="0" marL="0" rtl="0" algn="l">
-              <a:lnSpc>
-                <a:spcPct val="115000"/>
-              </a:lnSpc>
-              <a:spcBef>
-                <a:spcPts val="0"/>
-              </a:spcBef>
-              <a:spcAft>
-                <a:spcPts val="0"/>
-              </a:spcAft>
-              <a:buClr>
-                <a:srgbClr val="000000"/>
-              </a:buClr>
-              <a:buSzPts val="1100"/>
-              <a:buFont typeface="Arial"/>
-              <a:buNone/>
-            </a:pPr>
-            <a:r>
-              <a:rPr lang="en-US">
-                <a:solidFill>
-                  <a:srgbClr val="000000"/>
-                </a:solidFill>
-              </a:rPr>
-              <a:t>FROM: what table to read</a:t>
-            </a:r>
-            <a:endParaRPr>
-              <a:solidFill>
-                <a:srgbClr val="000000"/>
-              </a:solidFill>
-            </a:endParaRPr>
-          </a:p>
-          <a:p>
-            <a:pPr indent="0" lvl="0" marL="0" rtl="0" algn="l">
-              <a:lnSpc>
-                <a:spcPct val="115000"/>
-              </a:lnSpc>
-              <a:spcBef>
-                <a:spcPts val="0"/>
-              </a:spcBef>
-              <a:spcAft>
-                <a:spcPts val="0"/>
-              </a:spcAft>
-              <a:buClr>
-                <a:srgbClr val="000000"/>
-              </a:buClr>
-              <a:buSzPts val="1100"/>
-              <a:buFont typeface="Arial"/>
-              <a:buNone/>
-            </a:pPr>
-            <a:r>
-              <a:rPr lang="en-US">
-                <a:solidFill>
-                  <a:srgbClr val="000000"/>
-                </a:solidFill>
-              </a:rPr>
-              <a:t>SELECT: what columns to get</a:t>
-            </a:r>
-            <a:endParaRPr>
-              <a:solidFill>
-                <a:srgbClr val="000000"/>
-              </a:solidFill>
-            </a:endParaRPr>
-          </a:p>
-          <a:p>
-            <a:pPr indent="0" lvl="0" marL="0" rtl="0" algn="l">
-              <a:lnSpc>
-                <a:spcPct val="115000"/>
-              </a:lnSpc>
-              <a:spcBef>
-                <a:spcPts val="0"/>
-              </a:spcBef>
-              <a:spcAft>
-                <a:spcPts val="0"/>
-              </a:spcAft>
-              <a:buClr>
-                <a:srgbClr val="000000"/>
-              </a:buClr>
-              <a:buSzPts val="1100"/>
-              <a:buFont typeface="Arial"/>
-              <a:buNone/>
-            </a:pPr>
-            <a:r>
-              <a:rPr lang="en-US">
-                <a:solidFill>
-                  <a:srgbClr val="000000"/>
-                </a:solidFill>
-              </a:rPr>
-              <a:t>AS: rename the column</a:t>
-            </a:r>
-            <a:endParaRPr>
-              <a:solidFill>
-                <a:srgbClr val="000000"/>
-              </a:solidFill>
-            </a:endParaRPr>
-          </a:p>
-          <a:p>
-            <a:pPr indent="0" lvl="0" marL="0" rtl="0" algn="l">
-              <a:lnSpc>
-                <a:spcPct val="115000"/>
-              </a:lnSpc>
-              <a:spcBef>
-                <a:spcPts val="0"/>
-              </a:spcBef>
-              <a:spcAft>
-                <a:spcPts val="0"/>
-              </a:spcAft>
-              <a:buClr>
-                <a:srgbClr val="000000"/>
-              </a:buClr>
-              <a:buSzPts val="1100"/>
-              <a:buFont typeface="Arial"/>
-              <a:buNone/>
-            </a:pPr>
-            <a:r>
-              <a:rPr lang="en-US">
-                <a:solidFill>
-                  <a:srgbClr val="000000"/>
-                </a:solidFill>
-              </a:rPr>
-              <a:t>GROUP BY: combine rows by column value</a:t>
-            </a:r>
-            <a:endParaRPr>
-              <a:solidFill>
-                <a:srgbClr val="000000"/>
-              </a:solidFill>
-            </a:endParaRPr>
-          </a:p>
-          <a:p>
-            <a:pPr indent="0" lvl="0" marL="0" rtl="0" algn="l">
-              <a:lnSpc>
-                <a:spcPct val="115000"/>
-              </a:lnSpc>
-              <a:spcBef>
-                <a:spcPts val="0"/>
-              </a:spcBef>
-              <a:spcAft>
-                <a:spcPts val="0"/>
-              </a:spcAft>
-              <a:buClr>
-                <a:srgbClr val="000000"/>
-              </a:buClr>
-              <a:buSzPts val="1100"/>
-              <a:buFont typeface="Arial"/>
-              <a:buNone/>
-            </a:pPr>
-            <a:r>
-              <a:rPr lang="en-US">
-                <a:solidFill>
-                  <a:srgbClr val="000000"/>
-                </a:solidFill>
-              </a:rPr>
-              <a:t>ORDER BY: sort in ascending or descending order</a:t>
-            </a:r>
-            <a:endParaRPr>
-              <a:solidFill>
-                <a:srgbClr val="000000"/>
-              </a:solidFill>
-            </a:endParaRPr>
-          </a:p>
-          <a:p>
-            <a:pPr indent="0" lvl="0" marL="0" rtl="0" algn="l">
-              <a:spcBef>
-                <a:spcPts val="0"/>
-              </a:spcBef>
-              <a:spcAft>
-                <a:spcPts val="0"/>
-              </a:spcAft>
-              <a:buClr>
-                <a:srgbClr val="000000"/>
-              </a:buClr>
-              <a:buSzPts val="1100"/>
-              <a:buFont typeface="Arial"/>
-              <a:buNone/>
-            </a:pPr>
-            <a:r>
-              <a:rPr lang="en-US">
-                <a:solidFill>
-                  <a:srgbClr val="000000"/>
-                </a:solidFill>
-              </a:rPr>
-              <a:t>LIMIT: constrain the number of rows displayed</a:t>
+              <a:spcBef>
+                <a:spcPts val="0"/>
+              </a:spcBef>
+              <a:spcAft>
+                <a:spcPts val="0"/>
+              </a:spcAft>
+              <a:buNone/>
+            </a:pPr>
+            <a:r>
+              <a:t/>
             </a:r>
             <a:endParaRPr/>
           </a:p>
@@ -1900,7 +1901,7 @@
       </p:sp>
       <p:sp>
         <p:nvSpPr>
-          <p:cNvPr id="166" name="Google Shape;166;g4fe779e5c2_0_201:notes"/>
+          <p:cNvPr id="166" name="Google Shape;166;g5038ce4af1_0_362:notes"/>
           <p:cNvSpPr/>
           <p:nvPr>
             <p:ph idx="2" type="sldImg"/>
@@ -1946,7 +1947,7 @@
   <p:cSld>
     <p:spTree>
       <p:nvGrpSpPr>
-        <p:cNvPr id="174" name="Shape 174"/>
+        <p:cNvPr id="171" name="Shape 171"/>
         <p:cNvGrpSpPr/>
         <p:nvPr/>
       </p:nvGrpSpPr>
@@ -1960,7 +1961,7 @@
       </p:grpSpPr>
       <p:sp>
         <p:nvSpPr>
-          <p:cNvPr id="175" name="Google Shape;175;g4fe779e5c2_0_210:notes"/>
+          <p:cNvPr id="172" name="Google Shape;172;g4fe779e5c2_0_201:notes"/>
           <p:cNvSpPr txBox="1"/>
           <p:nvPr>
             <p:ph idx="1" type="body"/>
@@ -1982,16 +1983,218 @@
           <a:lstStyle/>
           <a:p>
             <a:pPr indent="0" lvl="0" marL="0" rtl="0" algn="l">
-              <a:spcBef>
-                <a:spcPts val="0"/>
-              </a:spcBef>
-              <a:spcAft>
-                <a:spcPts val="0"/>
-              </a:spcAft>
-              <a:buNone/>
-            </a:pPr>
-            <a:r>
-              <a:t/>
+              <a:lnSpc>
+                <a:spcPct val="115000"/>
+              </a:lnSpc>
+              <a:spcBef>
+                <a:spcPts val="0"/>
+              </a:spcBef>
+              <a:spcAft>
+                <a:spcPts val="0"/>
+              </a:spcAft>
+              <a:buClr>
+                <a:srgbClr val="000000"/>
+              </a:buClr>
+              <a:buSzPts val="1100"/>
+              <a:buFont typeface="Arial"/>
+              <a:buNone/>
+            </a:pPr>
+            <a:r>
+              <a:rPr lang="en-US">
+                <a:solidFill>
+                  <a:srgbClr val="000000"/>
+                </a:solidFill>
+              </a:rPr>
+              <a:t>Format for readability</a:t>
+            </a:r>
+            <a:endParaRPr>
+              <a:solidFill>
+                <a:srgbClr val="000000"/>
+              </a:solidFill>
+            </a:endParaRPr>
+          </a:p>
+          <a:p>
+            <a:pPr indent="0" lvl="0" marL="0" rtl="0" algn="l">
+              <a:lnSpc>
+                <a:spcPct val="115000"/>
+              </a:lnSpc>
+              <a:spcBef>
+                <a:spcPts val="0"/>
+              </a:spcBef>
+              <a:spcAft>
+                <a:spcPts val="0"/>
+              </a:spcAft>
+              <a:buClr>
+                <a:srgbClr val="000000"/>
+              </a:buClr>
+              <a:buSzPts val="1100"/>
+              <a:buFont typeface="Arial"/>
+              <a:buNone/>
+            </a:pPr>
+            <a:r>
+              <a:rPr lang="en-US">
+                <a:solidFill>
+                  <a:srgbClr val="000000"/>
+                </a:solidFill>
+              </a:rPr>
+              <a:t>FROM: what table to read</a:t>
+            </a:r>
+            <a:endParaRPr>
+              <a:solidFill>
+                <a:srgbClr val="000000"/>
+              </a:solidFill>
+            </a:endParaRPr>
+          </a:p>
+          <a:p>
+            <a:pPr indent="0" lvl="0" marL="0" rtl="0" algn="l">
+              <a:lnSpc>
+                <a:spcPct val="115000"/>
+              </a:lnSpc>
+              <a:spcBef>
+                <a:spcPts val="0"/>
+              </a:spcBef>
+              <a:spcAft>
+                <a:spcPts val="0"/>
+              </a:spcAft>
+              <a:buClr>
+                <a:srgbClr val="000000"/>
+              </a:buClr>
+              <a:buSzPts val="1100"/>
+              <a:buFont typeface="Arial"/>
+              <a:buNone/>
+            </a:pPr>
+            <a:r>
+              <a:rPr lang="en-US">
+                <a:solidFill>
+                  <a:srgbClr val="000000"/>
+                </a:solidFill>
+              </a:rPr>
+              <a:t>SELECT: what columns to get</a:t>
+            </a:r>
+            <a:endParaRPr>
+              <a:solidFill>
+                <a:srgbClr val="000000"/>
+              </a:solidFill>
+            </a:endParaRPr>
+          </a:p>
+          <a:p>
+            <a:pPr indent="0" lvl="0" marL="0" rtl="0" algn="l">
+              <a:lnSpc>
+                <a:spcPct val="115000"/>
+              </a:lnSpc>
+              <a:spcBef>
+                <a:spcPts val="0"/>
+              </a:spcBef>
+              <a:spcAft>
+                <a:spcPts val="0"/>
+              </a:spcAft>
+              <a:buClr>
+                <a:srgbClr val="000000"/>
+              </a:buClr>
+              <a:buSzPts val="1100"/>
+              <a:buFont typeface="Arial"/>
+              <a:buNone/>
+            </a:pPr>
+            <a:r>
+              <a:rPr lang="en-US">
+                <a:solidFill>
+                  <a:srgbClr val="000000"/>
+                </a:solidFill>
+              </a:rPr>
+              <a:t>AS: rename the column</a:t>
+            </a:r>
+            <a:endParaRPr>
+              <a:solidFill>
+                <a:srgbClr val="000000"/>
+              </a:solidFill>
+            </a:endParaRPr>
+          </a:p>
+          <a:p>
+            <a:pPr indent="0" lvl="0" marL="0" rtl="0" algn="l">
+              <a:lnSpc>
+                <a:spcPct val="115000"/>
+              </a:lnSpc>
+              <a:spcBef>
+                <a:spcPts val="0"/>
+              </a:spcBef>
+              <a:spcAft>
+                <a:spcPts val="0"/>
+              </a:spcAft>
+              <a:buClr>
+                <a:srgbClr val="000000"/>
+              </a:buClr>
+              <a:buSzPts val="1100"/>
+              <a:buFont typeface="Arial"/>
+              <a:buNone/>
+            </a:pPr>
+            <a:r>
+              <a:rPr lang="en-US">
+                <a:solidFill>
+                  <a:srgbClr val="000000"/>
+                </a:solidFill>
+              </a:rPr>
+              <a:t>GROUP BY: combine rows by column value</a:t>
+            </a:r>
+            <a:endParaRPr>
+              <a:solidFill>
+                <a:srgbClr val="000000"/>
+              </a:solidFill>
+            </a:endParaRPr>
+          </a:p>
+          <a:p>
+            <a:pPr indent="0" lvl="0" marL="0" rtl="0" algn="l">
+              <a:lnSpc>
+                <a:spcPct val="115000"/>
+              </a:lnSpc>
+              <a:spcBef>
+                <a:spcPts val="0"/>
+              </a:spcBef>
+              <a:spcAft>
+                <a:spcPts val="0"/>
+              </a:spcAft>
+              <a:buClr>
+                <a:srgbClr val="000000"/>
+              </a:buClr>
+              <a:buSzPts val="1100"/>
+              <a:buFont typeface="Arial"/>
+              <a:buNone/>
+            </a:pPr>
+            <a:r>
+              <a:rPr lang="en-US">
+                <a:solidFill>
+                  <a:srgbClr val="000000"/>
+                </a:solidFill>
+              </a:rPr>
+              <a:t>ORDER BY: sort in ascending or descending order</a:t>
+            </a:r>
+            <a:endParaRPr>
+              <a:solidFill>
+                <a:srgbClr val="000000"/>
+              </a:solidFill>
+            </a:endParaRPr>
+          </a:p>
+          <a:p>
+            <a:pPr indent="0" lvl="0" marL="0" rtl="0" algn="l">
+              <a:spcBef>
+                <a:spcPts val="0"/>
+              </a:spcBef>
+              <a:spcAft>
+                <a:spcPts val="0"/>
+              </a:spcAft>
+              <a:buClr>
+                <a:srgbClr val="000000"/>
+              </a:buClr>
+              <a:buSzPts val="1100"/>
+              <a:buFont typeface="Arial"/>
+              <a:buNone/>
+            </a:pPr>
+            <a:r>
+              <a:rPr lang="en-US">
+                <a:solidFill>
+                  <a:srgbClr val="000000"/>
+                </a:solidFill>
+              </a:rPr>
+              <a:t>LIMIT: constrain the number of rows displayed</a:t>
             </a:r>
             <a:endParaRPr/>
           </a:p>
@@ -1999,7 +2202,7 @@
       </p:sp>
       <p:sp>
         <p:nvSpPr>
-          <p:cNvPr id="176" name="Google Shape;176;g4fe779e5c2_0_210:notes"/>
+          <p:cNvPr id="173" name="Google Shape;173;g4fe779e5c2_0_201:notes"/>
           <p:cNvSpPr/>
           <p:nvPr>
             <p:ph idx="2" type="sldImg"/>
@@ -2045,7 +2248,7 @@
   <p:cSld>
     <p:spTree>
       <p:nvGrpSpPr>
-        <p:cNvPr id="184" name="Shape 184"/>
+        <p:cNvPr id="181" name="Shape 181"/>
         <p:cNvGrpSpPr/>
         <p:nvPr/>
       </p:nvGrpSpPr>
@@ -2059,7 +2262,7 @@
       </p:grpSpPr>
       <p:sp>
         <p:nvSpPr>
-          <p:cNvPr id="185" name="Google Shape;185;g5038ce4af1_0_367:notes"/>
+          <p:cNvPr id="182" name="Google Shape;182;g4fe779e5c2_0_210:notes"/>
           <p:cNvSpPr txBox="1"/>
           <p:nvPr>
             <p:ph idx="1" type="body"/>
@@ -2098,7 +2301,7 @@
       </p:sp>
       <p:sp>
         <p:nvSpPr>
-          <p:cNvPr id="186" name="Google Shape;186;g5038ce4af1_0_367:notes"/>
+          <p:cNvPr id="183" name="Google Shape;183;g4fe779e5c2_0_210:notes"/>
           <p:cNvSpPr/>
           <p:nvPr>
             <p:ph idx="2" type="sldImg"/>
@@ -2158,7 +2361,106 @@
       </p:grpSpPr>
       <p:sp>
         <p:nvSpPr>
-          <p:cNvPr id="192" name="Google Shape;192;g4fe779e5c2_0_228:notes"/>
+          <p:cNvPr id="192" name="Google Shape;192;g5038ce4af1_0_367:notes"/>
+          <p:cNvSpPr txBox="1"/>
+          <p:nvPr>
+            <p:ph idx="1" type="body"/>
+          </p:nvPr>
+        </p:nvSpPr>
+        <p:spPr>
+          <a:xfrm>
+            <a:off x="685800" y="4400550"/>
+            <a:ext cx="5486400" cy="3600600"/>
+          </a:xfrm>
+          <a:prstGeom prst="rect">
+            <a:avLst/>
+          </a:prstGeom>
+        </p:spPr>
+        <p:txBody>
+          <a:bodyPr anchorCtr="0" anchor="t" bIns="45700" lIns="91425" spcFirstLastPara="1" rIns="91425" wrap="square" tIns="45700">
+            <a:noAutofit/>
+          </a:bodyPr>
+          <a:lstStyle/>
+          <a:p>
+            <a:pPr indent="0" lvl="0" marL="0" rtl="0" algn="l">
+              <a:spcBef>
+                <a:spcPts val="0"/>
+              </a:spcBef>
+              <a:spcAft>
+                <a:spcPts val="0"/>
+              </a:spcAft>
+              <a:buNone/>
+            </a:pPr>
+            <a:r>
+              <a:t/>
+            </a:r>
+            <a:endParaRPr/>
+          </a:p>
+        </p:txBody>
+      </p:sp>
+      <p:sp>
+        <p:nvSpPr>
+          <p:cNvPr id="193" name="Google Shape;193;g5038ce4af1_0_367:notes"/>
+          <p:cNvSpPr/>
+          <p:nvPr>
+            <p:ph idx="2" type="sldImg"/>
+          </p:nvPr>
+        </p:nvSpPr>
+        <p:spPr>
+          <a:xfrm>
+            <a:off x="685800" y="1143000"/>
+            <a:ext cx="5486400" cy="3086100"/>
+          </a:xfrm>
+          <a:custGeom>
+            <a:rect b="b" l="l" r="r" t="t"/>
+            <a:pathLst>
+              <a:path extrusionOk="0" h="120000" w="120000">
+                <a:moveTo>
+                  <a:pt x="0" y="0"/>
+                </a:moveTo>
+                <a:lnTo>
+                  <a:pt x="120000" y="0"/>
+                </a:lnTo>
+                <a:lnTo>
+                  <a:pt x="120000" y="120000"/>
+                </a:lnTo>
+                <a:lnTo>
+                  <a:pt x="0" y="120000"/>
+                </a:lnTo>
+                <a:close/>
+              </a:path>
+            </a:pathLst>
+          </a:custGeom>
+        </p:spPr>
+      </p:sp>
+    </p:spTree>
+  </p:cSld>
+  <p:clrMapOvr>
+    <a:masterClrMapping/>
+  </p:clrMapOvr>
+</p:notes>
+</file>
+
+<file path=ppt/notesSlides/notesSlide15.xml><?xml version="1.0" encoding="utf-8"?>
+<p:notes xmlns:a="http://schemas.openxmlformats.org/drawingml/2006/main" xmlns:r="http://schemas.openxmlformats.org/officeDocument/2006/relationships" xmlns:mc="http://schemas.openxmlformats.org/markup-compatibility/2006" xmlns:mv="urn:schemas-microsoft-com:mac:vml" xmlns:p="http://schemas.openxmlformats.org/presentationml/2006/main" xmlns:c="http://schemas.openxmlformats.org/drawingml/2006/chart" xmlns:dgm="http://schemas.openxmlformats.org/drawingml/2006/diagram" xmlns:o="urn:schemas-microsoft-com:office:office" xmlns:v="urn:schemas-microsoft-com:vml" xmlns:pvml="urn:schemas-microsoft-com:office:powerpoint" xmlns:com="http://schemas.openxmlformats.org/drawingml/2006/compatibility" xmlns:p14="http://schemas.microsoft.com/office/powerpoint/2010/main" xmlns:p15="http://schemas.microsoft.com/office/powerpoint/2012/main" showMasterPhAnim="0" showMasterSp="0">
+  <p:cSld>
+    <p:spTree>
+      <p:nvGrpSpPr>
+        <p:cNvPr id="198" name="Shape 198"/>
+        <p:cNvGrpSpPr/>
+        <p:nvPr/>
+      </p:nvGrpSpPr>
+      <p:grpSpPr>
+        <a:xfrm>
+          <a:off x="0" y="0"/>
+          <a:ext cx="0" cy="0"/>
+          <a:chOff x="0" y="0"/>
+          <a:chExt cx="0" cy="0"/>
+        </a:xfrm>
+      </p:grpSpPr>
+      <p:sp>
+        <p:nvSpPr>
+          <p:cNvPr id="199" name="Google Shape;199;g4fe779e5c2_0_228:notes"/>
           <p:cNvSpPr/>
           <p:nvPr>
             <p:ph idx="2" type="sldImg"/>
@@ -2193,7 +2495,7 @@
       </p:sp>
       <p:sp>
         <p:nvSpPr>
-          <p:cNvPr id="193" name="Google Shape;193;g4fe779e5c2_0_228:notes"/>
+          <p:cNvPr id="200" name="Google Shape;200;g4fe779e5c2_0_228:notes"/>
           <p:cNvSpPr txBox="1"/>
           <p:nvPr>
             <p:ph idx="1" type="body"/>
@@ -2232,7 +2534,7 @@
       </p:sp>
       <p:sp>
         <p:nvSpPr>
-          <p:cNvPr id="194" name="Google Shape;194;g4fe779e5c2_0_228:notes"/>
+          <p:cNvPr id="201" name="Google Shape;201;g4fe779e5c2_0_228:notes"/>
           <p:cNvSpPr txBox="1"/>
           <p:nvPr>
             <p:ph idx="12" type="sldNum"/>
@@ -2282,12 +2584,12 @@
 </p:notes>
 </file>
 
-<file path=ppt/notesSlides/notesSlide15.xml><?xml version="1.0" encoding="utf-8"?>
+<file path=ppt/notesSlides/notesSlide16.xml><?xml version="1.0" encoding="utf-8"?>
 <p:notes xmlns:a="http://schemas.openxmlformats.org/drawingml/2006/main" xmlns:r="http://schemas.openxmlformats.org/officeDocument/2006/relationships" xmlns:mc="http://schemas.openxmlformats.org/markup-compatibility/2006" xmlns:mv="urn:schemas-microsoft-com:mac:vml" xmlns:p="http://schemas.openxmlformats.org/presentationml/2006/main" xmlns:c="http://schemas.openxmlformats.org/drawingml/2006/chart" xmlns:dgm="http://schemas.openxmlformats.org/drawingml/2006/diagram" xmlns:o="urn:schemas-microsoft-com:office:office" xmlns:v="urn:schemas-microsoft-com:vml" xmlns:pvml="urn:schemas-microsoft-com:office:powerpoint" xmlns:com="http://schemas.openxmlformats.org/drawingml/2006/compatibility" xmlns:p14="http://schemas.microsoft.com/office/powerpoint/2010/main" xmlns:p15="http://schemas.microsoft.com/office/powerpoint/2012/main" showMasterPhAnim="0" showMasterSp="0">
   <p:cSld>
     <p:spTree>
       <p:nvGrpSpPr>
-        <p:cNvPr id="199" name="Shape 199"/>
+        <p:cNvPr id="206" name="Shape 206"/>
         <p:cNvGrpSpPr/>
         <p:nvPr/>
       </p:nvGrpSpPr>
@@ -2301,7 +2603,7 @@
       </p:grpSpPr>
       <p:sp>
         <p:nvSpPr>
-          <p:cNvPr id="200" name="Google Shape;200;g5cfd485cdb_0_0:notes"/>
+          <p:cNvPr id="207" name="Google Shape;207;g5cfd485cdb_0_0:notes"/>
           <p:cNvSpPr/>
           <p:nvPr>
             <p:ph idx="2" type="sldImg"/>
@@ -2336,7 +2638,7 @@
       </p:sp>
       <p:sp>
         <p:nvSpPr>
-          <p:cNvPr id="201" name="Google Shape;201;g5cfd485cdb_0_0:notes"/>
+          <p:cNvPr id="208" name="Google Shape;208;g5cfd485cdb_0_0:notes"/>
           <p:cNvSpPr txBox="1"/>
           <p:nvPr>
             <p:ph idx="1" type="body"/>
@@ -2375,7 +2677,7 @@
       </p:sp>
       <p:sp>
         <p:nvSpPr>
-          <p:cNvPr id="202" name="Google Shape;202;g5cfd485cdb_0_0:notes"/>
+          <p:cNvPr id="209" name="Google Shape;209;g5cfd485cdb_0_0:notes"/>
           <p:cNvSpPr txBox="1"/>
           <p:nvPr>
             <p:ph idx="12" type="sldNum"/>
@@ -2864,7 +3166,7 @@
       </p:grpSpPr>
       <p:sp>
         <p:nvSpPr>
-          <p:cNvPr id="111" name="Google Shape;111;g5038ce4af1_0_375:notes"/>
+          <p:cNvPr id="111" name="Google Shape;111;g4fe779e5c2_0_9:notes"/>
           <p:cNvSpPr txBox="1"/>
           <p:nvPr>
             <p:ph idx="1" type="body"/>
@@ -2886,99 +3188,195 @@
           <a:lstStyle/>
           <a:p>
             <a:pPr indent="0" lvl="0" marL="0" rtl="0" algn="l">
-              <a:spcBef>
-                <a:spcPts val="0"/>
-              </a:spcBef>
-              <a:spcAft>
-                <a:spcPts val="0"/>
-              </a:spcAft>
-              <a:buNone/>
-            </a:pPr>
-            <a:r>
-              <a:rPr lang="en-US"/>
-              <a:t>“Main clauses” in descending order of operations</a:t>
-            </a:r>
-            <a:endParaRPr/>
+              <a:lnSpc>
+                <a:spcPct val="115000"/>
+              </a:lnSpc>
+              <a:spcBef>
+                <a:spcPts val="0"/>
+              </a:spcBef>
+              <a:spcAft>
+                <a:spcPts val="0"/>
+              </a:spcAft>
+              <a:buClr>
+                <a:srgbClr val="000000"/>
+              </a:buClr>
+              <a:buSzPts val="1100"/>
+              <a:buFont typeface="Arial"/>
+              <a:buNone/>
+            </a:pPr>
+            <a:r>
+              <a:rPr lang="en-US">
+                <a:solidFill>
+                  <a:srgbClr val="000000"/>
+                </a:solidFill>
+              </a:rPr>
+              <a:t>Format for readability</a:t>
+            </a:r>
+            <a:endParaRPr>
+              <a:solidFill>
+                <a:srgbClr val="000000"/>
+              </a:solidFill>
+            </a:endParaRPr>
           </a:p>
           <a:p>
             <a:pPr indent="0" lvl="0" marL="0" rtl="0" algn="l">
-              <a:spcBef>
-                <a:spcPts val="0"/>
-              </a:spcBef>
-              <a:spcAft>
-                <a:spcPts val="0"/>
-              </a:spcAft>
-              <a:buNone/>
-            </a:pPr>
-            <a:r>
-              <a:rPr lang="en-US"/>
-              <a:t>LIKE: wildcard searches: %&lt;char&gt;, %&lt;char&gt;%, &lt;char&gt;%, underscores</a:t>
-            </a:r>
-            <a:endParaRPr/>
+              <a:lnSpc>
+                <a:spcPct val="115000"/>
+              </a:lnSpc>
+              <a:spcBef>
+                <a:spcPts val="0"/>
+              </a:spcBef>
+              <a:spcAft>
+                <a:spcPts val="0"/>
+              </a:spcAft>
+              <a:buClr>
+                <a:srgbClr val="000000"/>
+              </a:buClr>
+              <a:buSzPts val="1100"/>
+              <a:buFont typeface="Arial"/>
+              <a:buNone/>
+            </a:pPr>
+            <a:r>
+              <a:rPr lang="en-US">
+                <a:solidFill>
+                  <a:srgbClr val="000000"/>
+                </a:solidFill>
+              </a:rPr>
+              <a:t>FROM: what table to read</a:t>
+            </a:r>
+            <a:endParaRPr>
+              <a:solidFill>
+                <a:srgbClr val="000000"/>
+              </a:solidFill>
+            </a:endParaRPr>
           </a:p>
           <a:p>
             <a:pPr indent="0" lvl="0" marL="0" rtl="0" algn="l">
-              <a:spcBef>
-                <a:spcPts val="0"/>
-              </a:spcBef>
-              <a:spcAft>
-                <a:spcPts val="0"/>
-              </a:spcAft>
-              <a:buNone/>
-            </a:pPr>
-            <a:r>
-              <a:rPr lang="en-US"/>
-              <a:t>Wildcard characters: %, _, *</a:t>
-            </a:r>
-            <a:endParaRPr/>
+              <a:lnSpc>
+                <a:spcPct val="115000"/>
+              </a:lnSpc>
+              <a:spcBef>
+                <a:spcPts val="0"/>
+              </a:spcBef>
+              <a:spcAft>
+                <a:spcPts val="0"/>
+              </a:spcAft>
+              <a:buClr>
+                <a:srgbClr val="000000"/>
+              </a:buClr>
+              <a:buSzPts val="1100"/>
+              <a:buFont typeface="Arial"/>
+              <a:buNone/>
+            </a:pPr>
+            <a:r>
+              <a:rPr lang="en-US">
+                <a:solidFill>
+                  <a:srgbClr val="000000"/>
+                </a:solidFill>
+              </a:rPr>
+              <a:t>SELECT: what columns to get</a:t>
+            </a:r>
+            <a:endParaRPr>
+              <a:solidFill>
+                <a:srgbClr val="000000"/>
+              </a:solidFill>
+            </a:endParaRPr>
           </a:p>
           <a:p>
             <a:pPr indent="0" lvl="0" marL="0" rtl="0" algn="l">
-              <a:spcBef>
-                <a:spcPts val="0"/>
-              </a:spcBef>
-              <a:spcAft>
-                <a:spcPts val="0"/>
-              </a:spcAft>
-              <a:buNone/>
-            </a:pPr>
-            <a:r>
-              <a:rPr lang="en-US"/>
-              <a:t>CASE: if-then statements</a:t>
-            </a:r>
-            <a:endParaRPr/>
+              <a:lnSpc>
+                <a:spcPct val="115000"/>
+              </a:lnSpc>
+              <a:spcBef>
+                <a:spcPts val="0"/>
+              </a:spcBef>
+              <a:spcAft>
+                <a:spcPts val="0"/>
+              </a:spcAft>
+              <a:buClr>
+                <a:srgbClr val="000000"/>
+              </a:buClr>
+              <a:buSzPts val="1100"/>
+              <a:buFont typeface="Arial"/>
+              <a:buNone/>
+            </a:pPr>
+            <a:r>
+              <a:rPr lang="en-US">
+                <a:solidFill>
+                  <a:srgbClr val="000000"/>
+                </a:solidFill>
+              </a:rPr>
+              <a:t>AS: rename the column</a:t>
+            </a:r>
+            <a:endParaRPr>
+              <a:solidFill>
+                <a:srgbClr val="000000"/>
+              </a:solidFill>
+            </a:endParaRPr>
           </a:p>
           <a:p>
             <a:pPr indent="0" lvl="0" marL="0" rtl="0" algn="l">
-              <a:spcBef>
-                <a:spcPts val="0"/>
-              </a:spcBef>
-              <a:spcAft>
-                <a:spcPts val="0"/>
-              </a:spcAft>
-              <a:buNone/>
-            </a:pPr>
-            <a:r>
-              <a:rPr lang="en-US"/>
-              <a:t>JOIN: mostly use INNER, LEFT</a:t>
-            </a:r>
-            <a:endParaRPr/>
+              <a:lnSpc>
+                <a:spcPct val="115000"/>
+              </a:lnSpc>
+              <a:spcBef>
+                <a:spcPts val="0"/>
+              </a:spcBef>
+              <a:spcAft>
+                <a:spcPts val="0"/>
+              </a:spcAft>
+              <a:buClr>
+                <a:srgbClr val="000000"/>
+              </a:buClr>
+              <a:buSzPts val="1100"/>
+              <a:buFont typeface="Arial"/>
+              <a:buNone/>
+            </a:pPr>
+            <a:r>
+              <a:rPr lang="en-US">
+                <a:solidFill>
+                  <a:srgbClr val="000000"/>
+                </a:solidFill>
+              </a:rPr>
+              <a:t>GROUP BY: combine rows by column value</a:t>
+            </a:r>
+            <a:endParaRPr>
+              <a:solidFill>
+                <a:srgbClr val="000000"/>
+              </a:solidFill>
+            </a:endParaRPr>
           </a:p>
           <a:p>
             <a:pPr indent="0" lvl="0" marL="0" rtl="0" algn="l">
-              <a:spcBef>
-                <a:spcPts val="0"/>
-              </a:spcBef>
-              <a:spcAft>
-                <a:spcPts val="0"/>
-              </a:spcAft>
-              <a:buNone/>
-            </a:pPr>
-            <a:r>
-              <a:rPr lang="en-US"/>
-              <a:t>HAVING: WHERE for groups (http://www.mysqltutorial.org/mysql-having.aspx)</a:t>
-            </a:r>
-            <a:endParaRPr/>
+              <a:lnSpc>
+                <a:spcPct val="115000"/>
+              </a:lnSpc>
+              <a:spcBef>
+                <a:spcPts val="0"/>
+              </a:spcBef>
+              <a:spcAft>
+                <a:spcPts val="0"/>
+              </a:spcAft>
+              <a:buClr>
+                <a:srgbClr val="000000"/>
+              </a:buClr>
+              <a:buSzPts val="1100"/>
+              <a:buFont typeface="Arial"/>
+              <a:buNone/>
+            </a:pPr>
+            <a:r>
+              <a:rPr lang="en-US">
+                <a:solidFill>
+                  <a:srgbClr val="000000"/>
+                </a:solidFill>
+              </a:rPr>
+              <a:t>ORDER BY: sort in ascending or descending order</a:t>
+            </a:r>
+            <a:endParaRPr>
+              <a:solidFill>
+                <a:srgbClr val="000000"/>
+              </a:solidFill>
+            </a:endParaRPr>
           </a:p>
           <a:p>
             <a:pPr indent="0" lvl="0" marL="0" rtl="0" algn="l">
@@ -2988,11 +3386,20 @@
               <a:spcAft>
                 <a:spcPts val="0"/>
               </a:spcAft>
-              <a:buNone/>
-            </a:pPr>
-            <a:r>
-              <a:rPr lang="en-US"/>
-              <a:t>BETWEEN is inclusive</a:t>
+              <a:buClr>
+                <a:srgbClr val="000000"/>
+              </a:buClr>
+              <a:buSzPts val="1100"/>
+              <a:buFont typeface="Arial"/>
+              <a:buNone/>
+            </a:pPr>
+            <a:r>
+              <a:rPr lang="en-US">
+                <a:solidFill>
+                  <a:srgbClr val="000000"/>
+                </a:solidFill>
+              </a:rPr>
+              <a:t>LIMIT: constrain the number of rows displayed</a:t>
             </a:r>
             <a:endParaRPr/>
           </a:p>
@@ -3000,7 +3407,7 @@
       </p:sp>
       <p:sp>
         <p:nvSpPr>
-          <p:cNvPr id="112" name="Google Shape;112;g5038ce4af1_0_375:notes"/>
+          <p:cNvPr id="112" name="Google Shape;112;g4fe779e5c2_0_9:notes"/>
           <p:cNvSpPr/>
           <p:nvPr>
             <p:ph idx="2" type="sldImg"/>
@@ -3046,7 +3453,7 @@
   <p:cSld>
     <p:spTree>
       <p:nvGrpSpPr>
-        <p:cNvPr id="117" name="Shape 117"/>
+        <p:cNvPr id="119" name="Shape 119"/>
         <p:cNvGrpSpPr/>
         <p:nvPr/>
       </p:nvGrpSpPr>
@@ -3060,7 +3467,7 @@
       </p:grpSpPr>
       <p:sp>
         <p:nvSpPr>
-          <p:cNvPr id="118" name="Google Shape;118;g4fe779e5c2_0_9:notes"/>
+          <p:cNvPr id="120" name="Google Shape;120;g5038ce4af1_0_375:notes"/>
           <p:cNvSpPr txBox="1"/>
           <p:nvPr>
             <p:ph idx="1" type="body"/>
@@ -3082,195 +3489,99 @@
           <a:lstStyle/>
           <a:p>
             <a:pPr indent="0" lvl="0" marL="0" rtl="0" algn="l">
-              <a:lnSpc>
-                <a:spcPct val="115000"/>
-              </a:lnSpc>
-              <a:spcBef>
-                <a:spcPts val="0"/>
-              </a:spcBef>
-              <a:spcAft>
-                <a:spcPts val="0"/>
-              </a:spcAft>
-              <a:buClr>
-                <a:srgbClr val="000000"/>
-              </a:buClr>
-              <a:buSzPts val="1100"/>
-              <a:buFont typeface="Arial"/>
-              <a:buNone/>
-            </a:pPr>
-            <a:r>
-              <a:rPr lang="en-US">
-                <a:solidFill>
-                  <a:srgbClr val="000000"/>
-                </a:solidFill>
-              </a:rPr>
-              <a:t>Format for readability</a:t>
-            </a:r>
-            <a:endParaRPr>
-              <a:solidFill>
-                <a:srgbClr val="000000"/>
-              </a:solidFill>
-            </a:endParaRPr>
+              <a:spcBef>
+                <a:spcPts val="0"/>
+              </a:spcBef>
+              <a:spcAft>
+                <a:spcPts val="0"/>
+              </a:spcAft>
+              <a:buNone/>
+            </a:pPr>
+            <a:r>
+              <a:rPr lang="en-US"/>
+              <a:t>“Main clauses” in descending order of operations</a:t>
+            </a:r>
+            <a:endParaRPr/>
           </a:p>
           <a:p>
             <a:pPr indent="0" lvl="0" marL="0" rtl="0" algn="l">
-              <a:lnSpc>
-                <a:spcPct val="115000"/>
-              </a:lnSpc>
-              <a:spcBef>
-                <a:spcPts val="0"/>
-              </a:spcBef>
-              <a:spcAft>
-                <a:spcPts val="0"/>
-              </a:spcAft>
-              <a:buClr>
-                <a:srgbClr val="000000"/>
-              </a:buClr>
-              <a:buSzPts val="1100"/>
-              <a:buFont typeface="Arial"/>
-              <a:buNone/>
-            </a:pPr>
-            <a:r>
-              <a:rPr lang="en-US">
-                <a:solidFill>
-                  <a:srgbClr val="000000"/>
-                </a:solidFill>
-              </a:rPr>
-              <a:t>FROM: what table to read</a:t>
-            </a:r>
-            <a:endParaRPr>
-              <a:solidFill>
-                <a:srgbClr val="000000"/>
-              </a:solidFill>
-            </a:endParaRPr>
+              <a:spcBef>
+                <a:spcPts val="0"/>
+              </a:spcBef>
+              <a:spcAft>
+                <a:spcPts val="0"/>
+              </a:spcAft>
+              <a:buNone/>
+            </a:pPr>
+            <a:r>
+              <a:rPr lang="en-US"/>
+              <a:t>LIKE: wildcard searches: %&lt;char&gt;, %&lt;char&gt;%, &lt;char&gt;%, underscores</a:t>
+            </a:r>
+            <a:endParaRPr/>
           </a:p>
           <a:p>
             <a:pPr indent="0" lvl="0" marL="0" rtl="0" algn="l">
-              <a:lnSpc>
-                <a:spcPct val="115000"/>
-              </a:lnSpc>
-              <a:spcBef>
-                <a:spcPts val="0"/>
-              </a:spcBef>
-              <a:spcAft>
-                <a:spcPts val="0"/>
-              </a:spcAft>
-              <a:buClr>
-                <a:srgbClr val="000000"/>
-              </a:buClr>
-              <a:buSzPts val="1100"/>
-              <a:buFont typeface="Arial"/>
-              <a:buNone/>
-            </a:pPr>
-            <a:r>
-              <a:rPr lang="en-US">
-                <a:solidFill>
-                  <a:srgbClr val="000000"/>
-                </a:solidFill>
-              </a:rPr>
-              <a:t>SELECT: what columns to get</a:t>
-            </a:r>
-            <a:endParaRPr>
-              <a:solidFill>
-                <a:srgbClr val="000000"/>
-              </a:solidFill>
-            </a:endParaRPr>
+              <a:spcBef>
+                <a:spcPts val="0"/>
+              </a:spcBef>
+              <a:spcAft>
+                <a:spcPts val="0"/>
+              </a:spcAft>
+              <a:buNone/>
+            </a:pPr>
+            <a:r>
+              <a:rPr lang="en-US"/>
+              <a:t>Wildcard characters: %, _, *</a:t>
+            </a:r>
+            <a:endParaRPr/>
           </a:p>
           <a:p>
             <a:pPr indent="0" lvl="0" marL="0" rtl="0" algn="l">
-              <a:lnSpc>
-                <a:spcPct val="115000"/>
-              </a:lnSpc>
-              <a:spcBef>
-                <a:spcPts val="0"/>
-              </a:spcBef>
-              <a:spcAft>
-                <a:spcPts val="0"/>
-              </a:spcAft>
-              <a:buClr>
-                <a:srgbClr val="000000"/>
-              </a:buClr>
-              <a:buSzPts val="1100"/>
-              <a:buFont typeface="Arial"/>
-              <a:buNone/>
-            </a:pPr>
-            <a:r>
-              <a:rPr lang="en-US">
-                <a:solidFill>
-                  <a:srgbClr val="000000"/>
-                </a:solidFill>
-              </a:rPr>
-              <a:t>AS: rename the column</a:t>
-            </a:r>
-            <a:endParaRPr>
-              <a:solidFill>
-                <a:srgbClr val="000000"/>
-              </a:solidFill>
-            </a:endParaRPr>
+              <a:spcBef>
+                <a:spcPts val="0"/>
+              </a:spcBef>
+              <a:spcAft>
+                <a:spcPts val="0"/>
+              </a:spcAft>
+              <a:buNone/>
+            </a:pPr>
+            <a:r>
+              <a:rPr lang="en-US"/>
+              <a:t>CASE: if-then statements</a:t>
+            </a:r>
+            <a:endParaRPr/>
           </a:p>
           <a:p>
             <a:pPr indent="0" lvl="0" marL="0" rtl="0" algn="l">
-              <a:lnSpc>
-                <a:spcPct val="115000"/>
-              </a:lnSpc>
-              <a:spcBef>
-                <a:spcPts val="0"/>
-              </a:spcBef>
-              <a:spcAft>
-                <a:spcPts val="0"/>
-              </a:spcAft>
-              <a:buClr>
-                <a:srgbClr val="000000"/>
-              </a:buClr>
-              <a:buSzPts val="1100"/>
-              <a:buFont typeface="Arial"/>
-              <a:buNone/>
-            </a:pPr>
-            <a:r>
-              <a:rPr lang="en-US">
-                <a:solidFill>
-                  <a:srgbClr val="000000"/>
-                </a:solidFill>
-              </a:rPr>
-              <a:t>GROUP BY: combine rows by column value</a:t>
-            </a:r>
-            <a:endParaRPr>
-              <a:solidFill>
-                <a:srgbClr val="000000"/>
-              </a:solidFill>
-            </a:endParaRPr>
+              <a:spcBef>
+                <a:spcPts val="0"/>
+              </a:spcBef>
+              <a:spcAft>
+                <a:spcPts val="0"/>
+              </a:spcAft>
+              <a:buNone/>
+            </a:pPr>
+            <a:r>
+              <a:rPr lang="en-US"/>
+              <a:t>JOIN: mostly use INNER, LEFT</a:t>
+            </a:r>
+            <a:endParaRPr/>
           </a:p>
           <a:p>
             <a:pPr indent="0" lvl="0" marL="0" rtl="0" algn="l">
-              <a:lnSpc>
-                <a:spcPct val="115000"/>
-              </a:lnSpc>
-              <a:spcBef>
-                <a:spcPts val="0"/>
-              </a:spcBef>
-              <a:spcAft>
-                <a:spcPts val="0"/>
-              </a:spcAft>
-              <a:buClr>
-                <a:srgbClr val="000000"/>
-              </a:buClr>
-              <a:buSzPts val="1100"/>
-              <a:buFont typeface="Arial"/>
-              <a:buNone/>
-            </a:pPr>
-            <a:r>
-              <a:rPr lang="en-US">
-                <a:solidFill>
-                  <a:srgbClr val="000000"/>
-                </a:solidFill>
-              </a:rPr>
-              <a:t>ORDER BY: sort in ascending or descending order</a:t>
-            </a:r>
-            <a:endParaRPr>
-              <a:solidFill>
-                <a:srgbClr val="000000"/>
-              </a:solidFill>
-            </a:endParaRPr>
+              <a:spcBef>
+                <a:spcPts val="0"/>
+              </a:spcBef>
+              <a:spcAft>
+                <a:spcPts val="0"/>
+              </a:spcAft>
+              <a:buNone/>
+            </a:pPr>
+            <a:r>
+              <a:rPr lang="en-US"/>
+              <a:t>HAVING: WHERE for groups (http://www.mysqltutorial.org/mysql-having.aspx)</a:t>
+            </a:r>
+            <a:endParaRPr/>
           </a:p>
           <a:p>
             <a:pPr indent="0" lvl="0" marL="0" rtl="0" algn="l">
@@ -3280,20 +3591,11 @@
               <a:spcAft>
                 <a:spcPts val="0"/>
               </a:spcAft>
-              <a:buClr>
-                <a:srgbClr val="000000"/>
-              </a:buClr>
-              <a:buSzPts val="1100"/>
-              <a:buFont typeface="Arial"/>
-              <a:buNone/>
-            </a:pPr>
-            <a:r>
-              <a:rPr lang="en-US">
-                <a:solidFill>
-                  <a:srgbClr val="000000"/>
-                </a:solidFill>
-              </a:rPr>
-              <a:t>LIMIT: constrain the number of rows displayed</a:t>
+              <a:buNone/>
+            </a:pPr>
+            <a:r>
+              <a:rPr lang="en-US"/>
+              <a:t>BETWEEN is inclusive</a:t>
             </a:r>
             <a:endParaRPr/>
           </a:p>
@@ -3301,7 +3603,7 @@
       </p:sp>
       <p:sp>
         <p:nvSpPr>
-          <p:cNvPr id="119" name="Google Shape;119;g4fe779e5c2_0_9:notes"/>
+          <p:cNvPr id="121" name="Google Shape;121;g5038ce4af1_0_375:notes"/>
           <p:cNvSpPr/>
           <p:nvPr>
             <p:ph idx="2" type="sldImg"/>
@@ -3361,7 +3663,7 @@
       </p:grpSpPr>
       <p:sp>
         <p:nvSpPr>
-          <p:cNvPr id="127" name="Google Shape;127;g5038ce4af1_0_347:notes"/>
+          <p:cNvPr id="127" name="Google Shape;127;g5dc9193c0f_0_0:notes"/>
           <p:cNvSpPr txBox="1"/>
           <p:nvPr>
             <p:ph idx="1" type="body"/>
@@ -3392,7 +3694,104 @@
               <a:buNone/>
             </a:pPr>
             <a:r>
-              <a:t/>
+              <a:rPr lang="en-US"/>
+              <a:t>“Main clauses” in descending order of operations</a:t>
+            </a:r>
+            <a:endParaRPr/>
+          </a:p>
+          <a:p>
+            <a:pPr indent="0" lvl="0" marL="0" rtl="0" algn="l">
+              <a:spcBef>
+                <a:spcPts val="0"/>
+              </a:spcBef>
+              <a:spcAft>
+                <a:spcPts val="0"/>
+              </a:spcAft>
+              <a:buNone/>
+            </a:pPr>
+            <a:r>
+              <a:rPr lang="en-US"/>
+              <a:t>LIKE: wildcard searches: %&lt;char&gt;, %&lt;char&gt;%, &lt;char&gt;%, underscores</a:t>
+            </a:r>
+            <a:endParaRPr/>
+          </a:p>
+          <a:p>
+            <a:pPr indent="0" lvl="0" marL="0" rtl="0" algn="l">
+              <a:spcBef>
+                <a:spcPts val="0"/>
+              </a:spcBef>
+              <a:spcAft>
+                <a:spcPts val="0"/>
+              </a:spcAft>
+              <a:buNone/>
+            </a:pPr>
+            <a:r>
+              <a:rPr lang="en-US"/>
+              <a:t>Wildcard characters: %, _, *</a:t>
+            </a:r>
+            <a:endParaRPr/>
+          </a:p>
+          <a:p>
+            <a:pPr indent="0" lvl="0" marL="0" rtl="0" algn="l">
+              <a:spcBef>
+                <a:spcPts val="0"/>
+              </a:spcBef>
+              <a:spcAft>
+                <a:spcPts val="0"/>
+              </a:spcAft>
+              <a:buNone/>
+            </a:pPr>
+            <a:r>
+              <a:rPr lang="en-US"/>
+              <a:t>CASE: if-then statements</a:t>
+            </a:r>
+            <a:endParaRPr/>
+          </a:p>
+          <a:p>
+            <a:pPr indent="0" lvl="0" marL="0" rtl="0" algn="l">
+              <a:spcBef>
+                <a:spcPts val="0"/>
+              </a:spcBef>
+              <a:spcAft>
+                <a:spcPts val="0"/>
+              </a:spcAft>
+              <a:buNone/>
+            </a:pPr>
+            <a:r>
+              <a:rPr lang="en-US"/>
+              <a:t>JOIN: mostly use INNER, LEFT</a:t>
+            </a:r>
+            <a:endParaRPr/>
+          </a:p>
+          <a:p>
+            <a:pPr indent="0" lvl="0" marL="0" rtl="0" algn="l">
+              <a:spcBef>
+                <a:spcPts val="0"/>
+              </a:spcBef>
+              <a:spcAft>
+                <a:spcPts val="0"/>
+              </a:spcAft>
+              <a:buNone/>
+            </a:pPr>
+            <a:r>
+              <a:rPr lang="en-US"/>
+              <a:t>HAVING: WHERE for groups (http://www.mysqltutorial.org/mysql-having.aspx)</a:t>
+            </a:r>
+            <a:endParaRPr/>
+          </a:p>
+          <a:p>
+            <a:pPr indent="0" lvl="0" marL="0" rtl="0" algn="l">
+              <a:spcBef>
+                <a:spcPts val="0"/>
+              </a:spcBef>
+              <a:spcAft>
+                <a:spcPts val="0"/>
+              </a:spcAft>
+              <a:buNone/>
+            </a:pPr>
+            <a:r>
+              <a:rPr lang="en-US"/>
+              <a:t>BETWEEN is inclusive</a:t>
             </a:r>
             <a:endParaRPr/>
           </a:p>
@@ -3400,7 +3799,7 @@
       </p:sp>
       <p:sp>
         <p:nvSpPr>
-          <p:cNvPr id="128" name="Google Shape;128;g5038ce4af1_0_347:notes"/>
+          <p:cNvPr id="128" name="Google Shape;128;g5dc9193c0f_0_0:notes"/>
           <p:cNvSpPr/>
           <p:nvPr>
             <p:ph idx="2" type="sldImg"/>
@@ -3446,7 +3845,7 @@
   <p:cSld>
     <p:spTree>
       <p:nvGrpSpPr>
-        <p:cNvPr id="134" name="Shape 134"/>
+        <p:cNvPr id="133" name="Shape 133"/>
         <p:cNvGrpSpPr/>
         <p:nvPr/>
       </p:nvGrpSpPr>
@@ -3460,7 +3859,7 @@
       </p:grpSpPr>
       <p:sp>
         <p:nvSpPr>
-          <p:cNvPr id="135" name="Google Shape;135;g4fe779e5c2_0_100:notes"/>
+          <p:cNvPr id="134" name="Google Shape;134;g5038ce4af1_0_347:notes"/>
           <p:cNvSpPr txBox="1"/>
           <p:nvPr>
             <p:ph idx="1" type="body"/>
@@ -3499,7 +3898,7 @@
       </p:sp>
       <p:sp>
         <p:nvSpPr>
-          <p:cNvPr id="136" name="Google Shape;136;g4fe779e5c2_0_100:notes"/>
+          <p:cNvPr id="135" name="Google Shape;135;g5038ce4af1_0_347:notes"/>
           <p:cNvSpPr/>
           <p:nvPr>
             <p:ph idx="2" type="sldImg"/>
@@ -3559,7 +3958,7 @@
       </p:grpSpPr>
       <p:sp>
         <p:nvSpPr>
-          <p:cNvPr id="142" name="Google Shape;142;g5038ce4af1_0_352:notes"/>
+          <p:cNvPr id="142" name="Google Shape;142;g4fe779e5c2_0_100:notes"/>
           <p:cNvSpPr txBox="1"/>
           <p:nvPr>
             <p:ph idx="1" type="body"/>
@@ -3590,68 +3989,15 @@
               <a:buNone/>
             </a:pPr>
             <a:r>
-              <a:rPr lang="en-US"/>
-              <a:t>Aggregate Function:  </a:t>
-            </a:r>
-            <a:r>
-              <a:rPr lang="en-US" sz="1150">
-                <a:solidFill>
-                  <a:srgbClr val="000000"/>
-                </a:solidFill>
-                <a:highlight>
-                  <a:srgbClr val="FFFFFF"/>
-                </a:highlight>
-                <a:latin typeface="Arial"/>
-                <a:ea typeface="Arial"/>
-                <a:cs typeface="Arial"/>
-                <a:sym typeface="Arial"/>
-              </a:rPr>
-              <a:t>aggregate function performs a calculation on a set of values and returns a single value.</a:t>
-            </a:r>
-            <a:endParaRPr sz="1150">
-              <a:solidFill>
-                <a:srgbClr val="000000"/>
-              </a:solidFill>
-              <a:highlight>
-                <a:srgbClr val="FFFFFF"/>
-              </a:highlight>
-              <a:latin typeface="Arial"/>
-              <a:ea typeface="Arial"/>
-              <a:cs typeface="Arial"/>
-              <a:sym typeface="Arial"/>
-            </a:endParaRPr>
-          </a:p>
-          <a:p>
-            <a:pPr indent="0" lvl="0" marL="0" rtl="0" algn="l">
-              <a:spcBef>
-                <a:spcPts val="0"/>
-              </a:spcBef>
-              <a:spcAft>
-                <a:spcPts val="0"/>
-              </a:spcAft>
-              <a:buNone/>
-            </a:pPr>
-            <a:r>
               <a:t/>
             </a:r>
-            <a:endParaRPr sz="1150">
-              <a:solidFill>
-                <a:srgbClr val="000000"/>
-              </a:solidFill>
-              <a:highlight>
-                <a:srgbClr val="FFFFFF"/>
-              </a:highlight>
-              <a:latin typeface="Arial"/>
-              <a:ea typeface="Arial"/>
-              <a:cs typeface="Arial"/>
-              <a:sym typeface="Arial"/>
-            </a:endParaRPr>
+            <a:endParaRPr/>
           </a:p>
         </p:txBody>
       </p:sp>
       <p:sp>
         <p:nvSpPr>
-          <p:cNvPr id="143" name="Google Shape;143;g5038ce4af1_0_352:notes"/>
+          <p:cNvPr id="143" name="Google Shape;143;g4fe779e5c2_0_100:notes"/>
           <p:cNvSpPr/>
           <p:nvPr>
             <p:ph idx="2" type="sldImg"/>
@@ -3711,7 +4057,7 @@
       </p:grpSpPr>
       <p:sp>
         <p:nvSpPr>
-          <p:cNvPr id="149" name="Google Shape;149;g4fe779e5c2_0_189:notes"/>
+          <p:cNvPr id="149" name="Google Shape;149;g5038ce4af1_0_352:notes"/>
           <p:cNvSpPr txBox="1"/>
           <p:nvPr>
             <p:ph idx="1" type="body"/>
@@ -3733,226 +4079,77 @@
           <a:lstStyle/>
           <a:p>
             <a:pPr indent="0" lvl="0" marL="0" rtl="0" algn="l">
-              <a:lnSpc>
-                <a:spcPct val="115000"/>
-              </a:lnSpc>
-              <a:spcBef>
-                <a:spcPts val="0"/>
-              </a:spcBef>
-              <a:spcAft>
-                <a:spcPts val="0"/>
-              </a:spcAft>
-              <a:buClr>
-                <a:srgbClr val="000000"/>
-              </a:buClr>
-              <a:buSzPts val="1100"/>
-              <a:buFont typeface="Arial"/>
-              <a:buNone/>
-            </a:pPr>
-            <a:r>
-              <a:rPr lang="en-US">
+              <a:spcBef>
+                <a:spcPts val="0"/>
+              </a:spcBef>
+              <a:spcAft>
+                <a:spcPts val="0"/>
+              </a:spcAft>
+              <a:buNone/>
+            </a:pPr>
+            <a:r>
+              <a:rPr lang="en-US"/>
+              <a:t>Aggregate Function:  </a:t>
+            </a:r>
+            <a:r>
+              <a:rPr lang="en-US" sz="1150">
                 <a:solidFill>
                   <a:srgbClr val="000000"/>
                 </a:solidFill>
+                <a:highlight>
+                  <a:srgbClr val="FFFFFF"/>
+                </a:highlight>
+                <a:latin typeface="Arial"/>
+                <a:ea typeface="Arial"/>
+                <a:cs typeface="Arial"/>
+                <a:sym typeface="Arial"/>
               </a:rPr>
-              <a:t>Format for readability</a:t>
-            </a:r>
-            <a:endParaRPr>
+              <a:t>aggregate function performs a calculation on a set of values and returns a single value.</a:t>
+            </a:r>
+            <a:endParaRPr sz="1150">
               <a:solidFill>
                 <a:srgbClr val="000000"/>
               </a:solidFill>
+              <a:highlight>
+                <a:srgbClr val="FFFFFF"/>
+              </a:highlight>
+              <a:latin typeface="Arial"/>
+              <a:ea typeface="Arial"/>
+              <a:cs typeface="Arial"/>
+              <a:sym typeface="Arial"/>
             </a:endParaRPr>
           </a:p>
           <a:p>
             <a:pPr indent="0" lvl="0" marL="0" rtl="0" algn="l">
-              <a:lnSpc>
-                <a:spcPct val="115000"/>
-              </a:lnSpc>
-              <a:spcBef>
-                <a:spcPts val="0"/>
-              </a:spcBef>
-              <a:spcAft>
-                <a:spcPts val="0"/>
-              </a:spcAft>
-              <a:buClr>
-                <a:srgbClr val="000000"/>
-              </a:buClr>
-              <a:buSzPts val="1100"/>
-              <a:buFont typeface="Arial"/>
-              <a:buNone/>
-            </a:pPr>
-            <a:r>
-              <a:rPr lang="en-US">
-                <a:solidFill>
-                  <a:srgbClr val="000000"/>
-                </a:solidFill>
-              </a:rPr>
-              <a:t>FROM: what table to read</a:t>
-            </a:r>
-            <a:endParaRPr>
+              <a:spcBef>
+                <a:spcPts val="0"/>
+              </a:spcBef>
+              <a:spcAft>
+                <a:spcPts val="0"/>
+              </a:spcAft>
+              <a:buNone/>
+            </a:pPr>
+            <a:r>
+              <a:t/>
+            </a:r>
+            <a:endParaRPr sz="1150">
               <a:solidFill>
                 <a:srgbClr val="000000"/>
               </a:solidFill>
+              <a:highlight>
+                <a:srgbClr val="FFFFFF"/>
+              </a:highlight>
+              <a:latin typeface="Arial"/>
+              <a:ea typeface="Arial"/>
+              <a:cs typeface="Arial"/>
+              <a:sym typeface="Arial"/>
             </a:endParaRPr>
-          </a:p>
-          <a:p>
-            <a:pPr indent="0" lvl="0" marL="0" rtl="0" algn="l">
-              <a:lnSpc>
-                <a:spcPct val="115000"/>
-              </a:lnSpc>
-              <a:spcBef>
-                <a:spcPts val="0"/>
-              </a:spcBef>
-              <a:spcAft>
-                <a:spcPts val="0"/>
-              </a:spcAft>
-              <a:buClr>
-                <a:srgbClr val="000000"/>
-              </a:buClr>
-              <a:buSzPts val="1100"/>
-              <a:buFont typeface="Arial"/>
-              <a:buNone/>
-            </a:pPr>
-            <a:r>
-              <a:rPr lang="en-US">
-                <a:solidFill>
-                  <a:srgbClr val="000000"/>
-                </a:solidFill>
-              </a:rPr>
-              <a:t>SELECT: what columns to get</a:t>
-            </a:r>
-            <a:endParaRPr>
-              <a:solidFill>
-                <a:srgbClr val="000000"/>
-              </a:solidFill>
-            </a:endParaRPr>
-          </a:p>
-          <a:p>
-            <a:pPr indent="0" lvl="0" marL="0" rtl="0" algn="l">
-              <a:lnSpc>
-                <a:spcPct val="115000"/>
-              </a:lnSpc>
-              <a:spcBef>
-                <a:spcPts val="0"/>
-              </a:spcBef>
-              <a:spcAft>
-                <a:spcPts val="0"/>
-              </a:spcAft>
-              <a:buClr>
-                <a:srgbClr val="000000"/>
-              </a:buClr>
-              <a:buSzPts val="1100"/>
-              <a:buFont typeface="Arial"/>
-              <a:buNone/>
-            </a:pPr>
-            <a:r>
-              <a:rPr lang="en-US">
-                <a:solidFill>
-                  <a:srgbClr val="000000"/>
-                </a:solidFill>
-              </a:rPr>
-              <a:t>AS: rename the column</a:t>
-            </a:r>
-            <a:endParaRPr>
-              <a:solidFill>
-                <a:srgbClr val="000000"/>
-              </a:solidFill>
-            </a:endParaRPr>
-          </a:p>
-          <a:p>
-            <a:pPr indent="0" lvl="0" marL="0" rtl="0" algn="l">
-              <a:lnSpc>
-                <a:spcPct val="115000"/>
-              </a:lnSpc>
-              <a:spcBef>
-                <a:spcPts val="0"/>
-              </a:spcBef>
-              <a:spcAft>
-                <a:spcPts val="0"/>
-              </a:spcAft>
-              <a:buClr>
-                <a:srgbClr val="000000"/>
-              </a:buClr>
-              <a:buSzPts val="1100"/>
-              <a:buFont typeface="Arial"/>
-              <a:buNone/>
-            </a:pPr>
-            <a:r>
-              <a:rPr lang="en-US">
-                <a:solidFill>
-                  <a:srgbClr val="000000"/>
-                </a:solidFill>
-              </a:rPr>
-              <a:t>GROUP BY: combine rows by column value</a:t>
-            </a:r>
-            <a:endParaRPr>
-              <a:solidFill>
-                <a:srgbClr val="000000"/>
-              </a:solidFill>
-            </a:endParaRPr>
-          </a:p>
-          <a:p>
-            <a:pPr indent="0" lvl="0" marL="0" rtl="0" algn="l">
-              <a:lnSpc>
-                <a:spcPct val="115000"/>
-              </a:lnSpc>
-              <a:spcBef>
-                <a:spcPts val="0"/>
-              </a:spcBef>
-              <a:spcAft>
-                <a:spcPts val="0"/>
-              </a:spcAft>
-              <a:buClr>
-                <a:srgbClr val="000000"/>
-              </a:buClr>
-              <a:buSzPts val="1100"/>
-              <a:buFont typeface="Arial"/>
-              <a:buNone/>
-            </a:pPr>
-            <a:r>
-              <a:rPr lang="en-US">
-                <a:solidFill>
-                  <a:srgbClr val="000000"/>
-                </a:solidFill>
-              </a:rPr>
-              <a:t>ORDER BY: sort in ascending or descending order</a:t>
-            </a:r>
-            <a:endParaRPr>
-              <a:solidFill>
-                <a:srgbClr val="000000"/>
-              </a:solidFill>
-            </a:endParaRPr>
-          </a:p>
-          <a:p>
-            <a:pPr indent="0" lvl="0" marL="0" rtl="0" algn="l">
-              <a:spcBef>
-                <a:spcPts val="0"/>
-              </a:spcBef>
-              <a:spcAft>
-                <a:spcPts val="0"/>
-              </a:spcAft>
-              <a:buClr>
-                <a:srgbClr val="000000"/>
-              </a:buClr>
-              <a:buSzPts val="1100"/>
-              <a:buFont typeface="Arial"/>
-              <a:buNone/>
-            </a:pPr>
-            <a:r>
-              <a:rPr lang="en-US">
-                <a:solidFill>
-                  <a:srgbClr val="000000"/>
-                </a:solidFill>
-              </a:rPr>
-              <a:t>LIMIT: constrain the number of rows displayed</a:t>
-            </a:r>
-            <a:endParaRPr/>
           </a:p>
         </p:txBody>
       </p:sp>
       <p:sp>
         <p:nvSpPr>
-          <p:cNvPr id="150" name="Google Shape;150;g4fe779e5c2_0_189:notes"/>
+          <p:cNvPr id="150" name="Google Shape;150;g5038ce4af1_0_352:notes"/>
           <p:cNvSpPr/>
           <p:nvPr>
             <p:ph idx="2" type="sldImg"/>
@@ -11413,7 +11610,7 @@
   <p:cSld>
     <p:spTree>
       <p:nvGrpSpPr>
-        <p:cNvPr id="160" name="Shape 160"/>
+        <p:cNvPr id="158" name="Shape 158"/>
         <p:cNvGrpSpPr/>
         <p:nvPr/>
       </p:nvGrpSpPr>
@@ -11427,7 +11624,7 @@
       </p:grpSpPr>
       <p:sp>
         <p:nvSpPr>
-          <p:cNvPr id="161" name="Google Shape;161;p23"/>
+          <p:cNvPr id="159" name="Google Shape;159;p23"/>
           <p:cNvSpPr txBox="1"/>
           <p:nvPr>
             <p:ph type="ctrTitle"/>
@@ -11475,7 +11672,7 @@
             </a:pPr>
             <a:r>
               <a:rPr lang="en-US" sz="4800"/>
-              <a:t>Subqueries</a:t>
+              <a:t>Example - Continent Query</a:t>
             </a:r>
             <a:endParaRPr sz="4800"/>
           </a:p>
@@ -11483,7 +11680,7 @@
       </p:sp>
       <p:sp>
         <p:nvSpPr>
-          <p:cNvPr id="162" name="Google Shape;162;p23"/>
+          <p:cNvPr id="160" name="Google Shape;160;p23"/>
           <p:cNvSpPr txBox="1"/>
           <p:nvPr>
             <p:ph idx="1" type="subTitle"/>
@@ -11491,8 +11688,8 @@
         </p:nvSpPr>
         <p:spPr>
           <a:xfrm>
-            <a:off x="379950" y="2135350"/>
-            <a:ext cx="11276700" cy="4058700"/>
+            <a:off x="439876" y="1783675"/>
+            <a:ext cx="11662800" cy="4058700"/>
           </a:xfrm>
           <a:prstGeom prst="rect">
             <a:avLst/>
@@ -11515,9 +11712,9 @@
           </a:bodyPr>
           <a:lstStyle/>
           <a:p>
-            <a:pPr indent="-304800" lvl="0" marL="609600" rtl="0" algn="l">
+            <a:pPr indent="0" lvl="0" marL="609600" rtl="0" algn="l">
               <a:lnSpc>
-                <a:spcPct val="115000"/>
+                <a:spcPct val="100000"/>
               </a:lnSpc>
               <a:spcBef>
                 <a:spcPts val="0"/>
@@ -11525,126 +11722,48 @@
               <a:spcAft>
                 <a:spcPts val="0"/>
               </a:spcAft>
-              <a:buSzPts val="2400"/>
-              <a:buNone/>
-            </a:pPr>
-            <a:r>
-              <a:rPr lang="en-US" sz="2400"/>
-              <a:t>A.K.A. nested queries, inner queries, inner select</a:t>
-            </a:r>
-            <a:endParaRPr sz="2400"/>
-          </a:p>
-          <a:p>
-            <a:pPr indent="-304800" lvl="0" marL="609600" rtl="0" algn="l">
-              <a:lnSpc>
-                <a:spcPct val="115000"/>
-              </a:lnSpc>
-              <a:spcBef>
-                <a:spcPts val="1000"/>
-              </a:spcBef>
-              <a:spcAft>
-                <a:spcPts val="0"/>
-              </a:spcAft>
-              <a:buSzPts val="2400"/>
-              <a:buNone/>
-            </a:pPr>
-            <a:r>
-              <a:rPr lang="en-US" sz="2400"/>
-              <a:t>Must be enclosed by parentheses</a:t>
-            </a:r>
-            <a:endParaRPr sz="2400"/>
-          </a:p>
-          <a:p>
-            <a:pPr indent="-304800" lvl="1" marL="1219200" rtl="0" algn="l">
-              <a:lnSpc>
-                <a:spcPct val="115000"/>
-              </a:lnSpc>
-              <a:spcBef>
-                <a:spcPts val="960"/>
-              </a:spcBef>
-              <a:spcAft>
-                <a:spcPts val="0"/>
-              </a:spcAft>
-              <a:buSzPts val="2400"/>
-              <a:buNone/>
-            </a:pPr>
-            <a:r>
-              <a:rPr lang="en-US" sz="2400"/>
-              <a:t>Ex: SELECT &lt;col&gt; FROM &lt;table&gt;WHERE </a:t>
-            </a:r>
-            <a:r>
-              <a:rPr lang="en-US" sz="2400">
-                <a:solidFill>
-                  <a:srgbClr val="FF0000"/>
-                </a:solidFill>
+              <a:buNone/>
+            </a:pPr>
+            <a:r>
+              <a:rPr b="1" lang="en-US" sz="3600">
+                <a:solidFill>
+                  <a:srgbClr val="000000"/>
+                </a:solidFill>
+                <a:latin typeface="Raleway"/>
+                <a:ea typeface="Raleway"/>
+                <a:cs typeface="Raleway"/>
+                <a:sym typeface="Raleway"/>
               </a:rPr>
-              <a:t>(SELECT &lt;col&gt; FROM &lt;table&gt;)</a:t>
-            </a:r>
-            <a:r>
-              <a:rPr lang="en-US" sz="2400"/>
-              <a:t>;</a:t>
-            </a:r>
-            <a:endParaRPr sz="2400"/>
-          </a:p>
-          <a:p>
-            <a:pPr indent="-304800" lvl="1" marL="1219200" rtl="0" algn="l">
-              <a:lnSpc>
-                <a:spcPct val="115000"/>
-              </a:lnSpc>
-              <a:spcBef>
-                <a:spcPts val="960"/>
-              </a:spcBef>
-              <a:spcAft>
-                <a:spcPts val="0"/>
-              </a:spcAft>
-              <a:buSzPts val="2400"/>
-              <a:buNone/>
-            </a:pPr>
-            <a:r>
-              <a:t/>
-            </a:r>
-            <a:endParaRPr sz="2400"/>
-          </a:p>
-          <a:p>
-            <a:pPr indent="-304800" lvl="0" marL="609600" rtl="0" algn="l">
-              <a:lnSpc>
-                <a:spcPct val="115000"/>
-              </a:lnSpc>
-              <a:spcBef>
-                <a:spcPts val="1000"/>
-              </a:spcBef>
-              <a:spcAft>
-                <a:spcPts val="0"/>
-              </a:spcAft>
-              <a:buSzPts val="2400"/>
-              <a:buNone/>
-            </a:pPr>
-            <a:r>
-              <a:rPr lang="en-US" sz="2400"/>
-              <a:t>Can return single value (aka scalar),                                                                                                 single row, single column, or table</a:t>
-            </a:r>
-            <a:endParaRPr sz="2400"/>
-          </a:p>
-          <a:p>
-            <a:pPr indent="-304800" lvl="0" marL="609600" rtl="0" algn="l">
-              <a:lnSpc>
-                <a:spcPct val="115000"/>
-              </a:lnSpc>
-              <a:spcBef>
-                <a:spcPts val="1000"/>
-              </a:spcBef>
-              <a:spcAft>
-                <a:spcPts val="0"/>
-              </a:spcAft>
-              <a:buSzPts val="2400"/>
-              <a:buNone/>
-            </a:pPr>
-            <a:r>
-              <a:rPr lang="en-US" sz="2400"/>
-              <a:t>Evaluated inside-out</a:t>
-            </a:r>
-            <a:endParaRPr sz="2400"/>
-          </a:p>
+              <a:t>What is the total world population by continent?</a:t>
+            </a:r>
+            <a:endParaRPr/>
+          </a:p>
+        </p:txBody>
+      </p:sp>
+      <p:sp>
+        <p:nvSpPr>
+          <p:cNvPr id="161" name="Google Shape;161;p23"/>
+          <p:cNvSpPr txBox="1"/>
+          <p:nvPr/>
+        </p:nvSpPr>
+        <p:spPr>
+          <a:xfrm>
+            <a:off x="1133025" y="2842375"/>
+            <a:ext cx="6404100" cy="3000000"/>
+          </a:xfrm>
+          <a:prstGeom prst="rect">
+            <a:avLst/>
+          </a:prstGeom>
+          <a:noFill/>
+          <a:ln>
+            <a:noFill/>
+          </a:ln>
+        </p:spPr>
+        <p:txBody>
+          <a:bodyPr anchorCtr="0" anchor="t" bIns="91425" lIns="91425" spcFirstLastPara="1" rIns="91425" wrap="square" tIns="91425">
+            <a:noAutofit/>
+          </a:bodyPr>
+          <a:lstStyle/>
           <a:p>
             <a:pPr indent="0" lvl="0" marL="0" rtl="0" algn="l">
               <a:lnSpc>
@@ -11659,28 +11778,341 @@
               <a:buNone/>
             </a:pPr>
             <a:r>
+              <a:rPr b="1" lang="en-US" sz="1800">
+                <a:solidFill>
+                  <a:schemeClr val="accent1"/>
+                </a:solidFill>
+                <a:latin typeface="Lato"/>
+                <a:ea typeface="Lato"/>
+                <a:cs typeface="Lato"/>
+                <a:sym typeface="Lato"/>
+              </a:rPr>
+              <a:t>SQL Query</a:t>
+            </a:r>
+            <a:endParaRPr b="1" sz="1800">
+              <a:solidFill>
+                <a:schemeClr val="accent1"/>
+              </a:solidFill>
+              <a:latin typeface="Lato"/>
+              <a:ea typeface="Lato"/>
+              <a:cs typeface="Lato"/>
+              <a:sym typeface="Lato"/>
+            </a:endParaRPr>
+          </a:p>
+          <a:p>
+            <a:pPr indent="0" lvl="0" marL="36899" rtl="0" algn="l">
+              <a:lnSpc>
+                <a:spcPct val="115000"/>
+              </a:lnSpc>
+              <a:spcBef>
+                <a:spcPts val="0"/>
+              </a:spcBef>
+              <a:spcAft>
+                <a:spcPts val="0"/>
+              </a:spcAft>
+              <a:buNone/>
+            </a:pPr>
+            <a:r>
+              <a:rPr lang="en-US" sz="1800">
+                <a:solidFill>
+                  <a:schemeClr val="accent1"/>
+                </a:solidFill>
+                <a:latin typeface="Lato"/>
+                <a:ea typeface="Lato"/>
+                <a:cs typeface="Lato"/>
+                <a:sym typeface="Lato"/>
+              </a:rPr>
+              <a:t>SELECT   Continent,  sum(Population) as Total_Pop</a:t>
+            </a:r>
+            <a:endParaRPr sz="1800">
+              <a:solidFill>
+                <a:schemeClr val="accent1"/>
+              </a:solidFill>
+              <a:latin typeface="Lato"/>
+              <a:ea typeface="Lato"/>
+              <a:cs typeface="Lato"/>
+              <a:sym typeface="Lato"/>
+            </a:endParaRPr>
+          </a:p>
+          <a:p>
+            <a:pPr indent="0" lvl="0" marL="36899" rtl="0" algn="l">
+              <a:lnSpc>
+                <a:spcPct val="115000"/>
+              </a:lnSpc>
+              <a:spcBef>
+                <a:spcPts val="1000"/>
+              </a:spcBef>
+              <a:spcAft>
+                <a:spcPts val="0"/>
+              </a:spcAft>
+              <a:buNone/>
+            </a:pPr>
+            <a:r>
+              <a:rPr lang="en-US" sz="1800">
+                <a:solidFill>
+                  <a:schemeClr val="accent1"/>
+                </a:solidFill>
+                <a:latin typeface="Lato"/>
+                <a:ea typeface="Lato"/>
+                <a:cs typeface="Lato"/>
+                <a:sym typeface="Lato"/>
+              </a:rPr>
+              <a:t>FROM world.country </a:t>
+            </a:r>
+            <a:r>
+              <a:rPr lang="en-US" sz="1800">
+                <a:solidFill>
+                  <a:srgbClr val="6AA84F"/>
+                </a:solidFill>
+                <a:latin typeface="Lato"/>
+                <a:ea typeface="Lato"/>
+                <a:cs typeface="Lato"/>
+                <a:sym typeface="Lato"/>
+              </a:rPr>
+              <a:t>#</a:t>
+            </a:r>
+            <a:r>
+              <a:rPr lang="en-US" sz="1800">
+                <a:solidFill>
+                  <a:srgbClr val="6AA84F"/>
+                </a:solidFill>
+                <a:latin typeface="Lato"/>
+                <a:ea typeface="Lato"/>
+                <a:cs typeface="Lato"/>
+                <a:sym typeface="Lato"/>
+              </a:rPr>
+              <a:t>“</a:t>
+            </a:r>
+            <a:r>
+              <a:rPr lang="en-US" sz="1800">
+                <a:solidFill>
+                  <a:srgbClr val="6AA84F"/>
+                </a:solidFill>
+                <a:latin typeface="Lato"/>
+                <a:ea typeface="Lato"/>
+                <a:cs typeface="Lato"/>
+                <a:sym typeface="Lato"/>
+              </a:rPr>
+              <a:t>what schema/table to read”</a:t>
+            </a:r>
+            <a:endParaRPr sz="1800">
+              <a:solidFill>
+                <a:srgbClr val="6AA84F"/>
+              </a:solidFill>
+              <a:latin typeface="Lato"/>
+              <a:ea typeface="Lato"/>
+              <a:cs typeface="Lato"/>
+              <a:sym typeface="Lato"/>
+            </a:endParaRPr>
+          </a:p>
+          <a:p>
+            <a:pPr indent="0" lvl="0" marL="36899" rtl="0" algn="l">
+              <a:lnSpc>
+                <a:spcPct val="115000"/>
+              </a:lnSpc>
+              <a:spcBef>
+                <a:spcPts val="1000"/>
+              </a:spcBef>
+              <a:spcAft>
+                <a:spcPts val="0"/>
+              </a:spcAft>
+              <a:buNone/>
+            </a:pPr>
+            <a:r>
+              <a:rPr lang="en-US" sz="1800">
+                <a:solidFill>
+                  <a:schemeClr val="accent1"/>
+                </a:solidFill>
+                <a:latin typeface="Lato"/>
+                <a:ea typeface="Lato"/>
+                <a:cs typeface="Lato"/>
+                <a:sym typeface="Lato"/>
+              </a:rPr>
+              <a:t>GROUP BY continent  </a:t>
+            </a:r>
+            <a:r>
+              <a:rPr lang="en-US" sz="1800">
+                <a:solidFill>
+                  <a:srgbClr val="93C47D"/>
+                </a:solidFill>
+                <a:latin typeface="Lato"/>
+                <a:ea typeface="Lato"/>
+                <a:cs typeface="Lato"/>
+                <a:sym typeface="Lato"/>
+              </a:rPr>
+              <a:t>#</a:t>
+            </a:r>
+            <a:r>
+              <a:rPr lang="en-US" sz="1800">
+                <a:solidFill>
+                  <a:srgbClr val="93C47D"/>
+                </a:solidFill>
+                <a:latin typeface="Lato"/>
+                <a:ea typeface="Lato"/>
+                <a:cs typeface="Lato"/>
+                <a:sym typeface="Lato"/>
+              </a:rPr>
+              <a:t>“o</a:t>
+            </a:r>
+            <a:r>
+              <a:rPr lang="en-US" sz="1800">
+                <a:solidFill>
+                  <a:srgbClr val="6AA84F"/>
+                </a:solidFill>
+                <a:latin typeface="Lato"/>
+                <a:ea typeface="Lato"/>
+                <a:cs typeface="Lato"/>
+                <a:sym typeface="Lato"/>
+              </a:rPr>
+              <a:t>ften needed to summarize by group</a:t>
+            </a:r>
+            <a:r>
+              <a:rPr lang="en-US" sz="1800">
+                <a:solidFill>
+                  <a:srgbClr val="6AA84F"/>
+                </a:solidFill>
+                <a:latin typeface="Lato"/>
+                <a:ea typeface="Lato"/>
+                <a:cs typeface="Lato"/>
+                <a:sym typeface="Lato"/>
+              </a:rPr>
+              <a:t>”</a:t>
+            </a:r>
+            <a:endParaRPr sz="1800">
+              <a:solidFill>
+                <a:schemeClr val="accent1"/>
+              </a:solidFill>
+              <a:latin typeface="Lato"/>
+              <a:ea typeface="Lato"/>
+              <a:cs typeface="Lato"/>
+              <a:sym typeface="Lato"/>
+            </a:endParaRPr>
+          </a:p>
+          <a:p>
+            <a:pPr indent="0" lvl="0" marL="36899" rtl="0" algn="l">
+              <a:lnSpc>
+                <a:spcPct val="115000"/>
+              </a:lnSpc>
+              <a:spcBef>
+                <a:spcPts val="1000"/>
+              </a:spcBef>
+              <a:spcAft>
+                <a:spcPts val="0"/>
+              </a:spcAft>
+              <a:buNone/>
+            </a:pPr>
+            <a:r>
+              <a:rPr lang="en-US" sz="1800">
+                <a:solidFill>
+                  <a:schemeClr val="accent1"/>
+                </a:solidFill>
+                <a:latin typeface="Lato"/>
+                <a:ea typeface="Lato"/>
+                <a:cs typeface="Lato"/>
+                <a:sym typeface="Lato"/>
+              </a:rPr>
+              <a:t>ORDER BY continent DESC  </a:t>
+            </a:r>
+            <a:r>
+              <a:rPr lang="en-US" sz="1800">
+                <a:solidFill>
+                  <a:srgbClr val="93C47D"/>
+                </a:solidFill>
+                <a:latin typeface="Lato"/>
+                <a:ea typeface="Lato"/>
+                <a:cs typeface="Lato"/>
+                <a:sym typeface="Lato"/>
+              </a:rPr>
+              <a:t>#“</a:t>
+            </a:r>
+            <a:r>
+              <a:rPr lang="en-US" sz="1800">
+                <a:solidFill>
+                  <a:srgbClr val="6AA84F"/>
+                </a:solidFill>
+                <a:latin typeface="Lato"/>
+                <a:ea typeface="Lato"/>
+                <a:cs typeface="Lato"/>
+                <a:sym typeface="Lato"/>
+              </a:rPr>
+              <a:t>Sort rows in result”</a:t>
+            </a:r>
+            <a:endParaRPr sz="1800">
+              <a:solidFill>
+                <a:schemeClr val="accent1"/>
+              </a:solidFill>
+              <a:latin typeface="Lato"/>
+              <a:ea typeface="Lato"/>
+              <a:cs typeface="Lato"/>
+              <a:sym typeface="Lato"/>
+            </a:endParaRPr>
+          </a:p>
+          <a:p>
+            <a:pPr indent="0" lvl="0" marL="36899" rtl="0" algn="l">
+              <a:lnSpc>
+                <a:spcPct val="115000"/>
+              </a:lnSpc>
+              <a:spcBef>
+                <a:spcPts val="1000"/>
+              </a:spcBef>
+              <a:spcAft>
+                <a:spcPts val="0"/>
+              </a:spcAft>
+              <a:buNone/>
+            </a:pPr>
+            <a:r>
               <a:t/>
             </a:r>
-            <a:endParaRPr sz="1700"/>
-          </a:p>
-          <a:p>
-            <a:pPr indent="-217100" lvl="0" marL="342900" rtl="0" algn="l">
-              <a:lnSpc>
-                <a:spcPct val="150000"/>
-              </a:lnSpc>
-              <a:spcBef>
-                <a:spcPts val="1000"/>
-              </a:spcBef>
-              <a:spcAft>
-                <a:spcPts val="0"/>
-              </a:spcAft>
-              <a:buSzPts val="2400"/>
+            <a:endParaRPr sz="1700">
+              <a:solidFill>
+                <a:schemeClr val="accent1"/>
+              </a:solidFill>
+              <a:latin typeface="Lato"/>
+              <a:ea typeface="Lato"/>
+              <a:cs typeface="Lato"/>
+              <a:sym typeface="Lato"/>
+            </a:endParaRPr>
+          </a:p>
+        </p:txBody>
+      </p:sp>
+      <p:sp>
+        <p:nvSpPr>
+          <p:cNvPr id="162" name="Google Shape;162;p23"/>
+          <p:cNvSpPr txBox="1"/>
+          <p:nvPr/>
+        </p:nvSpPr>
+        <p:spPr>
+          <a:xfrm>
+            <a:off x="11322625" y="1038900"/>
+            <a:ext cx="3000000" cy="3000000"/>
+          </a:xfrm>
+          <a:prstGeom prst="rect">
+            <a:avLst/>
+          </a:prstGeom>
+          <a:noFill/>
+          <a:ln>
+            <a:noFill/>
+          </a:ln>
+        </p:spPr>
+        <p:txBody>
+          <a:bodyPr anchorCtr="0" anchor="t" bIns="91425" lIns="91425" spcFirstLastPara="1" rIns="91425" wrap="square" tIns="91425">
+            <a:noAutofit/>
+          </a:bodyPr>
+          <a:lstStyle/>
+          <a:p>
+            <a:pPr indent="0" lvl="0" marL="0" rtl="0" algn="l">
+              <a:spcBef>
+                <a:spcPts val="0"/>
+              </a:spcBef>
+              <a:spcAft>
+                <a:spcPts val="0"/>
+              </a:spcAft>
               <a:buNone/>
             </a:pPr>
             <a:r>
               <a:t/>
             </a:r>
-            <a:endParaRPr sz="2400"/>
+            <a:endParaRPr/>
           </a:p>
         </p:txBody>
       </p:sp>
@@ -11700,8 +12132,8 @@
         </p:blipFill>
         <p:spPr>
           <a:xfrm>
-            <a:off x="6170700" y="3999300"/>
-            <a:ext cx="5695950" cy="2219325"/>
+            <a:off x="8337064" y="2885139"/>
+            <a:ext cx="3075274" cy="2914475"/>
           </a:xfrm>
           <a:prstGeom prst="rect">
             <a:avLst/>
@@ -11787,7 +12219,7 @@
             </a:pPr>
             <a:r>
               <a:rPr lang="en-US" sz="4800"/>
-              <a:t>Example - World Query</a:t>
+              <a:t>Subqueries</a:t>
             </a:r>
             <a:endParaRPr sz="4800"/>
           </a:p>
@@ -11796,6 +12228,318 @@
       <p:sp>
         <p:nvSpPr>
           <p:cNvPr id="169" name="Google Shape;169;p24"/>
+          <p:cNvSpPr txBox="1"/>
+          <p:nvPr>
+            <p:ph idx="1" type="subTitle"/>
+          </p:nvPr>
+        </p:nvSpPr>
+        <p:spPr>
+          <a:xfrm>
+            <a:off x="379950" y="2135350"/>
+            <a:ext cx="11276700" cy="4058700"/>
+          </a:xfrm>
+          <a:prstGeom prst="rect">
+            <a:avLst/>
+          </a:prstGeom>
+          <a:noFill/>
+          <a:ln>
+            <a:noFill/>
+          </a:ln>
+          <a:effectLst>
+            <a:outerShdw blurRad="25400">
+              <a:srgbClr val="000000">
+                <a:alpha val="45880"/>
+              </a:srgbClr>
+            </a:outerShdw>
+          </a:effectLst>
+        </p:spPr>
+        <p:txBody>
+          <a:bodyPr anchorCtr="0" anchor="t" bIns="45700" lIns="91425" spcFirstLastPara="1" rIns="91425" wrap="square" tIns="45700">
+            <a:noAutofit/>
+          </a:bodyPr>
+          <a:lstStyle/>
+          <a:p>
+            <a:pPr indent="-304800" lvl="0" marL="609600" rtl="0" algn="l">
+              <a:lnSpc>
+                <a:spcPct val="115000"/>
+              </a:lnSpc>
+              <a:spcBef>
+                <a:spcPts val="0"/>
+              </a:spcBef>
+              <a:spcAft>
+                <a:spcPts val="0"/>
+              </a:spcAft>
+              <a:buSzPts val="2400"/>
+              <a:buNone/>
+            </a:pPr>
+            <a:r>
+              <a:rPr lang="en-US" sz="2400"/>
+              <a:t>A.K.A. nested queries, inner queries, inner select</a:t>
+            </a:r>
+            <a:endParaRPr sz="2400"/>
+          </a:p>
+          <a:p>
+            <a:pPr indent="-304800" lvl="0" marL="609600" rtl="0" algn="l">
+              <a:lnSpc>
+                <a:spcPct val="115000"/>
+              </a:lnSpc>
+              <a:spcBef>
+                <a:spcPts val="1000"/>
+              </a:spcBef>
+              <a:spcAft>
+                <a:spcPts val="0"/>
+              </a:spcAft>
+              <a:buSzPts val="2400"/>
+              <a:buNone/>
+            </a:pPr>
+            <a:r>
+              <a:rPr lang="en-US" sz="2400"/>
+              <a:t>Must be enclosed by parentheses</a:t>
+            </a:r>
+            <a:endParaRPr sz="2400"/>
+          </a:p>
+          <a:p>
+            <a:pPr indent="-304800" lvl="1" marL="1219200" rtl="0" algn="l">
+              <a:lnSpc>
+                <a:spcPct val="115000"/>
+              </a:lnSpc>
+              <a:spcBef>
+                <a:spcPts val="960"/>
+              </a:spcBef>
+              <a:spcAft>
+                <a:spcPts val="0"/>
+              </a:spcAft>
+              <a:buSzPts val="2400"/>
+              <a:buNone/>
+            </a:pPr>
+            <a:r>
+              <a:rPr lang="en-US" sz="2400"/>
+              <a:t>Ex: SELECT &lt;col&gt; FROM &lt;table&gt;WHERE </a:t>
+            </a:r>
+            <a:r>
+              <a:rPr lang="en-US" sz="2400">
+                <a:solidFill>
+                  <a:srgbClr val="FF0000"/>
+                </a:solidFill>
+              </a:rPr>
+              <a:t>(SELECT &lt;col&gt; FROM &lt;table&gt;)</a:t>
+            </a:r>
+            <a:r>
+              <a:rPr lang="en-US" sz="2400"/>
+              <a:t>;</a:t>
+            </a:r>
+            <a:endParaRPr sz="2400"/>
+          </a:p>
+          <a:p>
+            <a:pPr indent="-304800" lvl="1" marL="1219200" rtl="0" algn="l">
+              <a:lnSpc>
+                <a:spcPct val="115000"/>
+              </a:lnSpc>
+              <a:spcBef>
+                <a:spcPts val="960"/>
+              </a:spcBef>
+              <a:spcAft>
+                <a:spcPts val="0"/>
+              </a:spcAft>
+              <a:buSzPts val="2400"/>
+              <a:buNone/>
+            </a:pPr>
+            <a:r>
+              <a:t/>
+            </a:r>
+            <a:endParaRPr sz="2400"/>
+          </a:p>
+          <a:p>
+            <a:pPr indent="-304800" lvl="0" marL="609600" rtl="0" algn="l">
+              <a:lnSpc>
+                <a:spcPct val="115000"/>
+              </a:lnSpc>
+              <a:spcBef>
+                <a:spcPts val="1000"/>
+              </a:spcBef>
+              <a:spcAft>
+                <a:spcPts val="0"/>
+              </a:spcAft>
+              <a:buSzPts val="2400"/>
+              <a:buNone/>
+            </a:pPr>
+            <a:r>
+              <a:rPr lang="en-US" sz="2400"/>
+              <a:t>Can return single value (aka scalar),                                                                                                 single row, single column, or table</a:t>
+            </a:r>
+            <a:endParaRPr sz="2400"/>
+          </a:p>
+          <a:p>
+            <a:pPr indent="-304800" lvl="0" marL="609600" rtl="0" algn="l">
+              <a:lnSpc>
+                <a:spcPct val="115000"/>
+              </a:lnSpc>
+              <a:spcBef>
+                <a:spcPts val="1000"/>
+              </a:spcBef>
+              <a:spcAft>
+                <a:spcPts val="0"/>
+              </a:spcAft>
+              <a:buSzPts val="2400"/>
+              <a:buNone/>
+            </a:pPr>
+            <a:r>
+              <a:rPr lang="en-US" sz="2400"/>
+              <a:t>Evaluated inside-out</a:t>
+            </a:r>
+            <a:endParaRPr sz="2400"/>
+          </a:p>
+          <a:p>
+            <a:pPr indent="0" lvl="0" marL="0" rtl="0" algn="l">
+              <a:lnSpc>
+                <a:spcPct val="115000"/>
+              </a:lnSpc>
+              <a:spcBef>
+                <a:spcPts val="1000"/>
+              </a:spcBef>
+              <a:spcAft>
+                <a:spcPts val="0"/>
+              </a:spcAft>
+              <a:buNone/>
+            </a:pPr>
+            <a:r>
+              <a:t/>
+            </a:r>
+            <a:endParaRPr sz="1700"/>
+          </a:p>
+          <a:p>
+            <a:pPr indent="-217100" lvl="0" marL="342900" rtl="0" algn="l">
+              <a:lnSpc>
+                <a:spcPct val="150000"/>
+              </a:lnSpc>
+              <a:spcBef>
+                <a:spcPts val="1000"/>
+              </a:spcBef>
+              <a:spcAft>
+                <a:spcPts val="0"/>
+              </a:spcAft>
+              <a:buSzPts val="2400"/>
+              <a:buNone/>
+            </a:pPr>
+            <a:r>
+              <a:t/>
+            </a:r>
+            <a:endParaRPr sz="2400"/>
+          </a:p>
+        </p:txBody>
+      </p:sp>
+      <p:pic>
+        <p:nvPicPr>
+          <p:cNvPr id="170" name="Google Shape;170;p24"/>
+          <p:cNvPicPr preferRelativeResize="0"/>
+          <p:nvPr/>
+        </p:nvPicPr>
+        <p:blipFill>
+          <a:blip r:embed="rId3">
+            <a:alphaModFix/>
+          </a:blip>
+          <a:stretch>
+            <a:fillRect/>
+          </a:stretch>
+        </p:blipFill>
+        <p:spPr>
+          <a:xfrm>
+            <a:off x="6170700" y="3999300"/>
+            <a:ext cx="5695950" cy="2219325"/>
+          </a:xfrm>
+          <a:prstGeom prst="rect">
+            <a:avLst/>
+          </a:prstGeom>
+          <a:noFill/>
+          <a:ln>
+            <a:noFill/>
+          </a:ln>
+        </p:spPr>
+      </p:pic>
+    </p:spTree>
+  </p:cSld>
+  <p:clrMapOvr>
+    <a:masterClrMapping/>
+  </p:clrMapOvr>
+</p:sld>
+</file>
+
+<file path=ppt/slides/slide12.xml><?xml version="1.0" encoding="utf-8"?>
+<p:sld xmlns:a="http://schemas.openxmlformats.org/drawingml/2006/main" xmlns:r="http://schemas.openxmlformats.org/officeDocument/2006/relationships" xmlns:mc="http://schemas.openxmlformats.org/markup-compatibility/2006" xmlns:mv="urn:schemas-microsoft-com:mac:vml" xmlns:p="http://schemas.openxmlformats.org/presentationml/2006/main" xmlns:c="http://schemas.openxmlformats.org/drawingml/2006/chart" xmlns:dgm="http://schemas.openxmlformats.org/drawingml/2006/diagram" xmlns:o="urn:schemas-microsoft-com:office:office" xmlns:v="urn:schemas-microsoft-com:vml" xmlns:pvml="urn:schemas-microsoft-com:office:powerpoint" xmlns:com="http://schemas.openxmlformats.org/drawingml/2006/compatibility" xmlns:p14="http://schemas.microsoft.com/office/powerpoint/2010/main" xmlns:p15="http://schemas.microsoft.com/office/powerpoint/2012/main">
+  <p:cSld>
+    <p:spTree>
+      <p:nvGrpSpPr>
+        <p:cNvPr id="174" name="Shape 174"/>
+        <p:cNvGrpSpPr/>
+        <p:nvPr/>
+      </p:nvGrpSpPr>
+      <p:grpSpPr>
+        <a:xfrm>
+          <a:off x="0" y="0"/>
+          <a:ext cx="0" cy="0"/>
+          <a:chOff x="0" y="0"/>
+          <a:chExt cx="0" cy="0"/>
+        </a:xfrm>
+      </p:grpSpPr>
+      <p:sp>
+        <p:nvSpPr>
+          <p:cNvPr id="175" name="Google Shape;175;p25"/>
+          <p:cNvSpPr txBox="1"/>
+          <p:nvPr>
+            <p:ph type="ctrTitle"/>
+          </p:nvPr>
+        </p:nvSpPr>
+        <p:spPr>
+          <a:xfrm>
+            <a:off x="913795" y="609600"/>
+            <a:ext cx="10353900" cy="970500"/>
+          </a:xfrm>
+          <a:prstGeom prst="rect">
+            <a:avLst/>
+          </a:prstGeom>
+          <a:noFill/>
+          <a:ln>
+            <a:noFill/>
+          </a:ln>
+          <a:effectLst>
+            <a:outerShdw blurRad="25400">
+              <a:srgbClr val="000000">
+                <a:alpha val="45880"/>
+              </a:srgbClr>
+            </a:outerShdw>
+          </a:effectLst>
+        </p:spPr>
+        <p:txBody>
+          <a:bodyPr anchorCtr="0" anchor="ctr" bIns="45700" lIns="91425" spcFirstLastPara="1" rIns="91425" wrap="square" tIns="45700">
+            <a:noAutofit/>
+          </a:bodyPr>
+          <a:lstStyle/>
+          <a:p>
+            <a:pPr indent="0" lvl="0" marL="0" rtl="0" algn="l">
+              <a:spcBef>
+                <a:spcPts val="0"/>
+              </a:spcBef>
+              <a:spcAft>
+                <a:spcPts val="0"/>
+              </a:spcAft>
+              <a:buClr>
+                <a:schemeClr val="lt2"/>
+              </a:buClr>
+              <a:buSzPts val="4000"/>
+              <a:buFont typeface="Lustria"/>
+              <a:buNone/>
+            </a:pPr>
+            <a:r>
+              <a:rPr lang="en-US" sz="4800"/>
+              <a:t>Example - World Query</a:t>
+            </a:r>
+            <a:endParaRPr sz="4800"/>
+          </a:p>
+        </p:txBody>
+      </p:sp>
+      <p:sp>
+        <p:nvSpPr>
+          <p:cNvPr id="176" name="Google Shape;176;p25"/>
           <p:cNvSpPr txBox="1"/>
           <p:nvPr>
             <p:ph idx="1" type="subTitle"/>
@@ -11854,7 +12598,7 @@
       </p:sp>
       <p:sp>
         <p:nvSpPr>
-          <p:cNvPr id="170" name="Google Shape;170;p24"/>
+          <p:cNvPr id="177" name="Google Shape;177;p25"/>
           <p:cNvSpPr txBox="1"/>
           <p:nvPr/>
         </p:nvSpPr>
@@ -12212,7 +12956,7 @@
       </p:sp>
       <p:sp>
         <p:nvSpPr>
-          <p:cNvPr id="171" name="Google Shape;171;p24"/>
+          <p:cNvPr id="178" name="Google Shape;178;p25"/>
           <p:cNvSpPr txBox="1"/>
           <p:nvPr/>
         </p:nvSpPr>
@@ -12267,9 +13011,9 @@
       </p:sp>
       <p:cxnSp>
         <p:nvCxnSpPr>
-          <p:cNvPr id="172" name="Google Shape;172;p24"/>
+          <p:cNvPr id="179" name="Google Shape;179;p25"/>
           <p:cNvCxnSpPr>
-            <a:stCxn id="171" idx="0"/>
+            <a:stCxn id="178" idx="0"/>
           </p:cNvCxnSpPr>
           <p:nvPr/>
         </p:nvCxnSpPr>
@@ -12295,7 +13039,7 @@
       </p:cxnSp>
       <p:pic>
         <p:nvPicPr>
-          <p:cNvPr id="173" name="Google Shape;173;p24"/>
+          <p:cNvPr id="180" name="Google Shape;180;p25"/>
           <p:cNvPicPr preferRelativeResize="0"/>
           <p:nvPr/>
         </p:nvPicPr>
@@ -12329,12 +13073,12 @@
 </p:sld>
 </file>
 
-<file path=ppt/slides/slide12.xml><?xml version="1.0" encoding="utf-8"?>
+<file path=ppt/slides/slide13.xml><?xml version="1.0" encoding="utf-8"?>
 <p:sld xmlns:a="http://schemas.openxmlformats.org/drawingml/2006/main" xmlns:r="http://schemas.openxmlformats.org/officeDocument/2006/relationships" xmlns:mc="http://schemas.openxmlformats.org/markup-compatibility/2006" xmlns:mv="urn:schemas-microsoft-com:mac:vml" xmlns:p="http://schemas.openxmlformats.org/presentationml/2006/main" xmlns:c="http://schemas.openxmlformats.org/drawingml/2006/chart" xmlns:dgm="http://schemas.openxmlformats.org/drawingml/2006/diagram" xmlns:o="urn:schemas-microsoft-com:office:office" xmlns:v="urn:schemas-microsoft-com:vml" xmlns:pvml="urn:schemas-microsoft-com:office:powerpoint" xmlns:com="http://schemas.openxmlformats.org/drawingml/2006/compatibility" xmlns:p14="http://schemas.microsoft.com/office/powerpoint/2010/main" xmlns:p15="http://schemas.microsoft.com/office/powerpoint/2012/main">
   <p:cSld>
     <p:spTree>
       <p:nvGrpSpPr>
-        <p:cNvPr id="177" name="Shape 177"/>
+        <p:cNvPr id="184" name="Shape 184"/>
         <p:cNvGrpSpPr/>
         <p:nvPr/>
       </p:nvGrpSpPr>
@@ -12348,7 +13092,7 @@
       </p:grpSpPr>
       <p:sp>
         <p:nvSpPr>
-          <p:cNvPr id="178" name="Google Shape;178;p25"/>
+          <p:cNvPr id="185" name="Google Shape;185;p26"/>
           <p:cNvSpPr txBox="1"/>
           <p:nvPr>
             <p:ph type="ctrTitle"/>
@@ -12404,7 +13148,7 @@
       </p:sp>
       <p:sp>
         <p:nvSpPr>
-          <p:cNvPr id="179" name="Google Shape;179;p25"/>
+          <p:cNvPr id="186" name="Google Shape;186;p26"/>
           <p:cNvSpPr txBox="1"/>
           <p:nvPr/>
         </p:nvSpPr>
@@ -12457,7 +13201,7 @@
       </p:sp>
       <p:pic>
         <p:nvPicPr>
-          <p:cNvPr id="180" name="Google Shape;180;p25"/>
+          <p:cNvPr id="187" name="Google Shape;187;p26"/>
           <p:cNvPicPr preferRelativeResize="0"/>
           <p:nvPr/>
         </p:nvPicPr>
@@ -12485,7 +13229,7 @@
       </p:pic>
       <p:cxnSp>
         <p:nvCxnSpPr>
-          <p:cNvPr id="181" name="Google Shape;181;p25"/>
+          <p:cNvPr id="188" name="Google Shape;188;p26"/>
           <p:cNvCxnSpPr/>
           <p:nvPr/>
         </p:nvCxnSpPr>
@@ -12511,7 +13255,7 @@
       </p:cxnSp>
       <p:sp>
         <p:nvSpPr>
-          <p:cNvPr id="182" name="Google Shape;182;p25"/>
+          <p:cNvPr id="189" name="Google Shape;189;p26"/>
           <p:cNvSpPr txBox="1"/>
           <p:nvPr/>
         </p:nvSpPr>
@@ -12623,7 +13367,7 @@
       </p:sp>
       <p:pic>
         <p:nvPicPr>
-          <p:cNvPr id="183" name="Google Shape;183;p25"/>
+          <p:cNvPr id="190" name="Google Shape;190;p26"/>
           <p:cNvPicPr preferRelativeResize="0"/>
           <p:nvPr/>
         </p:nvPicPr>
@@ -12657,12 +13401,12 @@
 </p:sld>
 </file>
 
-<file path=ppt/slides/slide13.xml><?xml version="1.0" encoding="utf-8"?>
+<file path=ppt/slides/slide14.xml><?xml version="1.0" encoding="utf-8"?>
 <p:sld xmlns:a="http://schemas.openxmlformats.org/drawingml/2006/main" xmlns:r="http://schemas.openxmlformats.org/officeDocument/2006/relationships" xmlns:mc="http://schemas.openxmlformats.org/markup-compatibility/2006" xmlns:mv="urn:schemas-microsoft-com:mac:vml" xmlns:p="http://schemas.openxmlformats.org/presentationml/2006/main" xmlns:c="http://schemas.openxmlformats.org/drawingml/2006/chart" xmlns:dgm="http://schemas.openxmlformats.org/drawingml/2006/diagram" xmlns:o="urn:schemas-microsoft-com:office:office" xmlns:v="urn:schemas-microsoft-com:vml" xmlns:pvml="urn:schemas-microsoft-com:office:powerpoint" xmlns:com="http://schemas.openxmlformats.org/drawingml/2006/compatibility" xmlns:p14="http://schemas.microsoft.com/office/powerpoint/2010/main" xmlns:p15="http://schemas.microsoft.com/office/powerpoint/2012/main">
   <p:cSld>
     <p:spTree>
       <p:nvGrpSpPr>
-        <p:cNvPr id="187" name="Shape 187"/>
+        <p:cNvPr id="194" name="Shape 194"/>
         <p:cNvGrpSpPr/>
         <p:nvPr/>
       </p:nvGrpSpPr>
@@ -12676,7 +13420,7 @@
       </p:grpSpPr>
       <p:sp>
         <p:nvSpPr>
-          <p:cNvPr id="188" name="Google Shape;188;p26"/>
+          <p:cNvPr id="195" name="Google Shape;195;p27"/>
           <p:cNvSpPr txBox="1"/>
           <p:nvPr>
             <p:ph type="ctrTitle"/>
@@ -12732,7 +13476,7 @@
       </p:sp>
       <p:sp>
         <p:nvSpPr>
-          <p:cNvPr id="189" name="Google Shape;189;p26"/>
+          <p:cNvPr id="196" name="Google Shape;196;p27"/>
           <p:cNvSpPr txBox="1"/>
           <p:nvPr>
             <p:ph idx="1" type="subTitle"/>
@@ -13055,7 +13799,7 @@
       </p:sp>
       <p:pic>
         <p:nvPicPr>
-          <p:cNvPr id="190" name="Google Shape;190;p26"/>
+          <p:cNvPr id="197" name="Google Shape;197;p27"/>
           <p:cNvPicPr preferRelativeResize="0"/>
           <p:nvPr/>
         </p:nvPicPr>
@@ -13089,12 +13833,12 @@
 </p:sld>
 </file>
 
-<file path=ppt/slides/slide14.xml><?xml version="1.0" encoding="utf-8"?>
+<file path=ppt/slides/slide15.xml><?xml version="1.0" encoding="utf-8"?>
 <p:sld xmlns:a="http://schemas.openxmlformats.org/drawingml/2006/main" xmlns:r="http://schemas.openxmlformats.org/officeDocument/2006/relationships" xmlns:mc="http://schemas.openxmlformats.org/markup-compatibility/2006" xmlns:mv="urn:schemas-microsoft-com:mac:vml" xmlns:p="http://schemas.openxmlformats.org/presentationml/2006/main" xmlns:c="http://schemas.openxmlformats.org/drawingml/2006/chart" xmlns:dgm="http://schemas.openxmlformats.org/drawingml/2006/diagram" xmlns:o="urn:schemas-microsoft-com:office:office" xmlns:v="urn:schemas-microsoft-com:vml" xmlns:pvml="urn:schemas-microsoft-com:office:powerpoint" xmlns:com="http://schemas.openxmlformats.org/drawingml/2006/compatibility" xmlns:p14="http://schemas.microsoft.com/office/powerpoint/2010/main" xmlns:p15="http://schemas.microsoft.com/office/powerpoint/2012/main">
   <p:cSld>
     <p:spTree>
       <p:nvGrpSpPr>
-        <p:cNvPr id="195" name="Shape 195"/>
+        <p:cNvPr id="202" name="Shape 202"/>
         <p:cNvGrpSpPr/>
         <p:nvPr/>
       </p:nvGrpSpPr>
@@ -13108,7 +13852,7 @@
       </p:grpSpPr>
       <p:sp>
         <p:nvSpPr>
-          <p:cNvPr id="196" name="Google Shape;196;p27"/>
+          <p:cNvPr id="203" name="Google Shape;203;p28"/>
           <p:cNvSpPr txBox="1"/>
           <p:nvPr>
             <p:ph type="ctrTitle"/>
@@ -13148,7 +13892,7 @@
       </p:sp>
       <p:sp>
         <p:nvSpPr>
-          <p:cNvPr id="197" name="Google Shape;197;p27"/>
+          <p:cNvPr id="204" name="Google Shape;204;p28"/>
           <p:cNvSpPr txBox="1"/>
           <p:nvPr/>
         </p:nvSpPr>
@@ -13381,7 +14125,7 @@
       </p:sp>
       <p:pic>
         <p:nvPicPr>
-          <p:cNvPr id="198" name="Google Shape;198;p27"/>
+          <p:cNvPr id="205" name="Google Shape;205;p28"/>
           <p:cNvPicPr preferRelativeResize="0"/>
           <p:nvPr/>
         </p:nvPicPr>
@@ -13415,12 +14159,12 @@
 </p:sld>
 </file>
 
-<file path=ppt/slides/slide15.xml><?xml version="1.0" encoding="utf-8"?>
+<file path=ppt/slides/slide16.xml><?xml version="1.0" encoding="utf-8"?>
 <p:sld xmlns:a="http://schemas.openxmlformats.org/drawingml/2006/main" xmlns:r="http://schemas.openxmlformats.org/officeDocument/2006/relationships" xmlns:mc="http://schemas.openxmlformats.org/markup-compatibility/2006" xmlns:mv="urn:schemas-microsoft-com:mac:vml" xmlns:p="http://schemas.openxmlformats.org/presentationml/2006/main" xmlns:c="http://schemas.openxmlformats.org/drawingml/2006/chart" xmlns:dgm="http://schemas.openxmlformats.org/drawingml/2006/diagram" xmlns:o="urn:schemas-microsoft-com:office:office" xmlns:v="urn:schemas-microsoft-com:vml" xmlns:pvml="urn:schemas-microsoft-com:office:powerpoint" xmlns:com="http://schemas.openxmlformats.org/drawingml/2006/compatibility" xmlns:p14="http://schemas.microsoft.com/office/powerpoint/2010/main" xmlns:p15="http://schemas.microsoft.com/office/powerpoint/2012/main">
   <p:cSld>
     <p:spTree>
       <p:nvGrpSpPr>
-        <p:cNvPr id="203" name="Shape 203"/>
+        <p:cNvPr id="210" name="Shape 210"/>
         <p:cNvGrpSpPr/>
         <p:nvPr/>
       </p:nvGrpSpPr>
@@ -13434,7 +14178,7 @@
       </p:grpSpPr>
       <p:sp>
         <p:nvSpPr>
-          <p:cNvPr id="204" name="Google Shape;204;p28"/>
+          <p:cNvPr id="211" name="Google Shape;211;p29"/>
           <p:cNvSpPr txBox="1"/>
           <p:nvPr>
             <p:ph type="ctrTitle"/>
@@ -13474,7 +14218,7 @@
       </p:sp>
       <p:sp>
         <p:nvSpPr>
-          <p:cNvPr id="205" name="Google Shape;205;p28"/>
+          <p:cNvPr id="212" name="Google Shape;212;p29"/>
           <p:cNvSpPr txBox="1"/>
           <p:nvPr/>
         </p:nvSpPr>
@@ -13718,7 +14462,23 @@
             </a:pPr>
             <a:r>
               <a:rPr lang="en-US" sz="1700"/>
-              <a:t>7. Based on this information, what type of game and/or console  would you recomend to managment? </a:t>
+              <a:t>7. Based on this information, what type of game and/or console  would you </a:t>
+            </a:r>
+            <a:r>
+              <a:rPr lang="en-US" sz="1700"/>
+              <a:t>recommend</a:t>
+            </a:r>
+            <a:r>
+              <a:rPr lang="en-US" sz="1700"/>
+              <a:t> to </a:t>
+            </a:r>
+            <a:r>
+              <a:rPr lang="en-US" sz="1700"/>
+              <a:t>management</a:t>
+            </a:r>
+            <a:r>
+              <a:rPr lang="en-US" sz="1700"/>
+              <a:t>? </a:t>
             </a:r>
             <a:endParaRPr sz="1700"/>
           </a:p>
@@ -13726,7 +14486,7 @@
       </p:sp>
       <p:pic>
         <p:nvPicPr>
-          <p:cNvPr id="206" name="Google Shape;206;p28"/>
+          <p:cNvPr id="213" name="Google Shape;213;p29"/>
           <p:cNvPicPr preferRelativeResize="0"/>
           <p:nvPr/>
         </p:nvPicPr>
@@ -14294,6 +15054,566 @@
             </a:pPr>
             <a:r>
               <a:rPr lang="en-US" sz="4800"/>
+              <a:t>Example - World Query</a:t>
+            </a:r>
+            <a:endParaRPr sz="4800"/>
+          </a:p>
+        </p:txBody>
+      </p:sp>
+      <p:sp>
+        <p:nvSpPr>
+          <p:cNvPr id="115" name="Google Shape;115;p17"/>
+          <p:cNvSpPr txBox="1"/>
+          <p:nvPr>
+            <p:ph idx="1" type="subTitle"/>
+          </p:nvPr>
+        </p:nvSpPr>
+        <p:spPr>
+          <a:xfrm>
+            <a:off x="439876" y="1783675"/>
+            <a:ext cx="11662800" cy="4058700"/>
+          </a:xfrm>
+          <a:prstGeom prst="rect">
+            <a:avLst/>
+          </a:prstGeom>
+          <a:noFill/>
+          <a:ln>
+            <a:noFill/>
+          </a:ln>
+          <a:effectLst>
+            <a:outerShdw blurRad="25400">
+              <a:srgbClr val="000000">
+                <a:alpha val="45880"/>
+              </a:srgbClr>
+            </a:outerShdw>
+          </a:effectLst>
+        </p:spPr>
+        <p:txBody>
+          <a:bodyPr anchorCtr="0" anchor="t" bIns="45700" lIns="91425" spcFirstLastPara="1" rIns="91425" wrap="square" tIns="45700">
+            <a:noAutofit/>
+          </a:bodyPr>
+          <a:lstStyle/>
+          <a:p>
+            <a:pPr indent="0" lvl="0" marL="609600" rtl="0" algn="l">
+              <a:lnSpc>
+                <a:spcPct val="100000"/>
+              </a:lnSpc>
+              <a:spcBef>
+                <a:spcPts val="0"/>
+              </a:spcBef>
+              <a:spcAft>
+                <a:spcPts val="0"/>
+              </a:spcAft>
+              <a:buNone/>
+            </a:pPr>
+            <a:r>
+              <a:rPr b="1" lang="en-US" sz="3000">
+                <a:solidFill>
+                  <a:srgbClr val="000000"/>
+                </a:solidFill>
+                <a:latin typeface="Raleway"/>
+                <a:ea typeface="Raleway"/>
+                <a:cs typeface="Raleway"/>
+                <a:sym typeface="Raleway"/>
+              </a:rPr>
+              <a:t>Obtain a list of countries within the continent of Asia. </a:t>
+            </a:r>
+            <a:endParaRPr sz="3000"/>
+          </a:p>
+        </p:txBody>
+      </p:sp>
+      <p:sp>
+        <p:nvSpPr>
+          <p:cNvPr id="116" name="Google Shape;116;p17"/>
+          <p:cNvSpPr txBox="1"/>
+          <p:nvPr/>
+        </p:nvSpPr>
+        <p:spPr>
+          <a:xfrm>
+            <a:off x="1208525" y="2738600"/>
+            <a:ext cx="6309900" cy="3000000"/>
+          </a:xfrm>
+          <a:prstGeom prst="rect">
+            <a:avLst/>
+          </a:prstGeom>
+          <a:noFill/>
+          <a:ln>
+            <a:noFill/>
+          </a:ln>
+        </p:spPr>
+        <p:txBody>
+          <a:bodyPr anchorCtr="0" anchor="t" bIns="91425" lIns="91425" spcFirstLastPara="1" rIns="91425" wrap="square" tIns="91425">
+            <a:noAutofit/>
+          </a:bodyPr>
+          <a:lstStyle/>
+          <a:p>
+            <a:pPr indent="0" lvl="0" marL="0" rtl="0" algn="l">
+              <a:lnSpc>
+                <a:spcPct val="115000"/>
+              </a:lnSpc>
+              <a:spcBef>
+                <a:spcPts val="1000"/>
+              </a:spcBef>
+              <a:spcAft>
+                <a:spcPts val="0"/>
+              </a:spcAft>
+              <a:buNone/>
+            </a:pPr>
+            <a:r>
+              <a:rPr b="1" lang="en-US" sz="1800">
+                <a:solidFill>
+                  <a:schemeClr val="accent1"/>
+                </a:solidFill>
+                <a:latin typeface="Lato"/>
+                <a:ea typeface="Lato"/>
+                <a:cs typeface="Lato"/>
+                <a:sym typeface="Lato"/>
+              </a:rPr>
+              <a:t>SQL Query</a:t>
+            </a:r>
+            <a:endParaRPr b="1" sz="1800">
+              <a:solidFill>
+                <a:schemeClr val="accent1"/>
+              </a:solidFill>
+              <a:latin typeface="Lato"/>
+              <a:ea typeface="Lato"/>
+              <a:cs typeface="Lato"/>
+              <a:sym typeface="Lato"/>
+            </a:endParaRPr>
+          </a:p>
+          <a:p>
+            <a:pPr indent="0" lvl="0" marL="36899" rtl="0" algn="l">
+              <a:lnSpc>
+                <a:spcPct val="115000"/>
+              </a:lnSpc>
+              <a:spcBef>
+                <a:spcPts val="1000"/>
+              </a:spcBef>
+              <a:spcAft>
+                <a:spcPts val="0"/>
+              </a:spcAft>
+              <a:buNone/>
+            </a:pPr>
+            <a:r>
+              <a:rPr lang="en-US" sz="1800">
+                <a:solidFill>
+                  <a:schemeClr val="accent1"/>
+                </a:solidFill>
+                <a:latin typeface="Lato"/>
+                <a:ea typeface="Lato"/>
+                <a:cs typeface="Lato"/>
+                <a:sym typeface="Lato"/>
+              </a:rPr>
+              <a:t>SELECT   Continent,  Name as Country </a:t>
+            </a:r>
+            <a:r>
+              <a:rPr lang="en-US" sz="1800">
+                <a:solidFill>
+                  <a:srgbClr val="6AA84F"/>
+                </a:solidFill>
+                <a:latin typeface="Lato"/>
+                <a:ea typeface="Lato"/>
+                <a:cs typeface="Lato"/>
+                <a:sym typeface="Lato"/>
+              </a:rPr>
+              <a:t>#what columns to get</a:t>
+            </a:r>
+            <a:endParaRPr sz="1800">
+              <a:solidFill>
+                <a:srgbClr val="6AA84F"/>
+              </a:solidFill>
+              <a:latin typeface="Lato"/>
+              <a:ea typeface="Lato"/>
+              <a:cs typeface="Lato"/>
+              <a:sym typeface="Lato"/>
+            </a:endParaRPr>
+          </a:p>
+          <a:p>
+            <a:pPr indent="0" lvl="0" marL="36899" rtl="0" algn="l">
+              <a:lnSpc>
+                <a:spcPct val="115000"/>
+              </a:lnSpc>
+              <a:spcBef>
+                <a:spcPts val="1000"/>
+              </a:spcBef>
+              <a:spcAft>
+                <a:spcPts val="0"/>
+              </a:spcAft>
+              <a:buNone/>
+            </a:pPr>
+            <a:r>
+              <a:rPr lang="en-US" sz="1800">
+                <a:solidFill>
+                  <a:schemeClr val="accent1"/>
+                </a:solidFill>
+                <a:latin typeface="Lato"/>
+                <a:ea typeface="Lato"/>
+                <a:cs typeface="Lato"/>
+                <a:sym typeface="Lato"/>
+              </a:rPr>
+              <a:t>FROM world.country </a:t>
+            </a:r>
+            <a:r>
+              <a:rPr lang="en-US" sz="1800">
+                <a:solidFill>
+                  <a:srgbClr val="6AA84F"/>
+                </a:solidFill>
+                <a:latin typeface="Lato"/>
+                <a:ea typeface="Lato"/>
+                <a:cs typeface="Lato"/>
+                <a:sym typeface="Lato"/>
+              </a:rPr>
+              <a:t>#what schema/table to read</a:t>
+            </a:r>
+            <a:endParaRPr sz="1800">
+              <a:solidFill>
+                <a:srgbClr val="6AA84F"/>
+              </a:solidFill>
+              <a:latin typeface="Lato"/>
+              <a:ea typeface="Lato"/>
+              <a:cs typeface="Lato"/>
+              <a:sym typeface="Lato"/>
+            </a:endParaRPr>
+          </a:p>
+          <a:p>
+            <a:pPr indent="0" lvl="0" marL="36899" rtl="0" algn="l">
+              <a:lnSpc>
+                <a:spcPct val="115000"/>
+              </a:lnSpc>
+              <a:spcBef>
+                <a:spcPts val="1000"/>
+              </a:spcBef>
+              <a:spcAft>
+                <a:spcPts val="0"/>
+              </a:spcAft>
+              <a:buNone/>
+            </a:pPr>
+            <a:r>
+              <a:rPr lang="en-US" sz="1800">
+                <a:solidFill>
+                  <a:schemeClr val="accent1"/>
+                </a:solidFill>
+                <a:latin typeface="Lato"/>
+                <a:ea typeface="Lato"/>
+                <a:cs typeface="Lato"/>
+                <a:sym typeface="Lato"/>
+              </a:rPr>
+              <a:t>Where Continent  = 'Asia' </a:t>
+            </a:r>
+            <a:r>
+              <a:rPr lang="en-US" sz="1800">
+                <a:solidFill>
+                  <a:srgbClr val="6AA84F"/>
+                </a:solidFill>
+                <a:latin typeface="Lato"/>
+                <a:ea typeface="Lato"/>
+                <a:cs typeface="Lato"/>
+                <a:sym typeface="Lato"/>
+              </a:rPr>
+              <a:t>#limit results”</a:t>
+            </a:r>
+            <a:endParaRPr sz="1800">
+              <a:solidFill>
+                <a:srgbClr val="6AA84F"/>
+              </a:solidFill>
+              <a:latin typeface="Lato"/>
+              <a:ea typeface="Lato"/>
+              <a:cs typeface="Lato"/>
+              <a:sym typeface="Lato"/>
+            </a:endParaRPr>
+          </a:p>
+          <a:p>
+            <a:pPr indent="0" lvl="0" marL="36899" rtl="0" algn="l">
+              <a:lnSpc>
+                <a:spcPct val="115000"/>
+              </a:lnSpc>
+              <a:spcBef>
+                <a:spcPts val="1000"/>
+              </a:spcBef>
+              <a:spcAft>
+                <a:spcPts val="0"/>
+              </a:spcAft>
+              <a:buNone/>
+            </a:pPr>
+            <a:r>
+              <a:rPr lang="en-US" sz="1800">
+                <a:solidFill>
+                  <a:schemeClr val="accent1"/>
+                </a:solidFill>
+                <a:latin typeface="Lato"/>
+                <a:ea typeface="Lato"/>
+                <a:cs typeface="Lato"/>
+                <a:sym typeface="Lato"/>
+              </a:rPr>
+              <a:t>ORDER BY continent, country DESC  </a:t>
+            </a:r>
+            <a:r>
+              <a:rPr lang="en-US" sz="1800">
+                <a:solidFill>
+                  <a:srgbClr val="6AA84F"/>
+                </a:solidFill>
+                <a:latin typeface="Lato"/>
+                <a:ea typeface="Lato"/>
+                <a:cs typeface="Lato"/>
+                <a:sym typeface="Lato"/>
+              </a:rPr>
+              <a:t>#Sort rows in result”</a:t>
+            </a:r>
+            <a:endParaRPr sz="1800">
+              <a:solidFill>
+                <a:srgbClr val="6AA84F"/>
+              </a:solidFill>
+              <a:latin typeface="Lato"/>
+              <a:ea typeface="Lato"/>
+              <a:cs typeface="Lato"/>
+              <a:sym typeface="Lato"/>
+            </a:endParaRPr>
+          </a:p>
+          <a:p>
+            <a:pPr indent="0" lvl="0" marL="36899" rtl="0" algn="l">
+              <a:lnSpc>
+                <a:spcPct val="115000"/>
+              </a:lnSpc>
+              <a:spcBef>
+                <a:spcPts val="1000"/>
+              </a:spcBef>
+              <a:spcAft>
+                <a:spcPts val="0"/>
+              </a:spcAft>
+              <a:buNone/>
+            </a:pPr>
+            <a:r>
+              <a:rPr lang="en-US" sz="1800">
+                <a:solidFill>
+                  <a:schemeClr val="accent1"/>
+                </a:solidFill>
+                <a:latin typeface="Lato"/>
+                <a:ea typeface="Lato"/>
+                <a:cs typeface="Lato"/>
+                <a:sym typeface="Lato"/>
+              </a:rPr>
+              <a:t>LIMIT 10 </a:t>
+            </a:r>
+            <a:r>
+              <a:rPr lang="en-US" sz="1800">
+                <a:solidFill>
+                  <a:srgbClr val="6AA84F"/>
+                </a:solidFill>
+                <a:latin typeface="Lato"/>
+                <a:ea typeface="Lato"/>
+                <a:cs typeface="Lato"/>
+                <a:sym typeface="Lato"/>
+              </a:rPr>
+              <a:t>#number of rows to “bring back”</a:t>
+            </a:r>
+            <a:endParaRPr sz="1800">
+              <a:solidFill>
+                <a:srgbClr val="6AA84F"/>
+              </a:solidFill>
+              <a:latin typeface="Lato"/>
+              <a:ea typeface="Lato"/>
+              <a:cs typeface="Lato"/>
+              <a:sym typeface="Lato"/>
+            </a:endParaRPr>
+          </a:p>
+          <a:p>
+            <a:pPr indent="0" lvl="0" marL="36899" rtl="0" algn="l">
+              <a:lnSpc>
+                <a:spcPct val="115000"/>
+              </a:lnSpc>
+              <a:spcBef>
+                <a:spcPts val="1000"/>
+              </a:spcBef>
+              <a:spcAft>
+                <a:spcPts val="0"/>
+              </a:spcAft>
+              <a:buNone/>
+            </a:pPr>
+            <a:r>
+              <a:t/>
+            </a:r>
+            <a:endParaRPr sz="1800">
+              <a:solidFill>
+                <a:schemeClr val="accent1"/>
+              </a:solidFill>
+              <a:latin typeface="Lato"/>
+              <a:ea typeface="Lato"/>
+              <a:cs typeface="Lato"/>
+              <a:sym typeface="Lato"/>
+            </a:endParaRPr>
+          </a:p>
+          <a:p>
+            <a:pPr indent="0" lvl="0" marL="36899" rtl="0" algn="l">
+              <a:lnSpc>
+                <a:spcPct val="115000"/>
+              </a:lnSpc>
+              <a:spcBef>
+                <a:spcPts val="1000"/>
+              </a:spcBef>
+              <a:spcAft>
+                <a:spcPts val="0"/>
+              </a:spcAft>
+              <a:buNone/>
+            </a:pPr>
+            <a:r>
+              <a:t/>
+            </a:r>
+            <a:endParaRPr sz="1700">
+              <a:solidFill>
+                <a:schemeClr val="accent1"/>
+              </a:solidFill>
+              <a:latin typeface="Lato"/>
+              <a:ea typeface="Lato"/>
+              <a:cs typeface="Lato"/>
+              <a:sym typeface="Lato"/>
+            </a:endParaRPr>
+          </a:p>
+        </p:txBody>
+      </p:sp>
+      <p:sp>
+        <p:nvSpPr>
+          <p:cNvPr id="117" name="Google Shape;117;p17"/>
+          <p:cNvSpPr txBox="1"/>
+          <p:nvPr/>
+        </p:nvSpPr>
+        <p:spPr>
+          <a:xfrm>
+            <a:off x="11322625" y="1038900"/>
+            <a:ext cx="3000000" cy="3000000"/>
+          </a:xfrm>
+          <a:prstGeom prst="rect">
+            <a:avLst/>
+          </a:prstGeom>
+          <a:noFill/>
+          <a:ln>
+            <a:noFill/>
+          </a:ln>
+        </p:spPr>
+        <p:txBody>
+          <a:bodyPr anchorCtr="0" anchor="t" bIns="91425" lIns="91425" spcFirstLastPara="1" rIns="91425" wrap="square" tIns="91425">
+            <a:noAutofit/>
+          </a:bodyPr>
+          <a:lstStyle/>
+          <a:p>
+            <a:pPr indent="0" lvl="0" marL="0" rtl="0" algn="l">
+              <a:spcBef>
+                <a:spcPts val="0"/>
+              </a:spcBef>
+              <a:spcAft>
+                <a:spcPts val="0"/>
+              </a:spcAft>
+              <a:buNone/>
+            </a:pPr>
+            <a:r>
+              <a:t/>
+            </a:r>
+            <a:endParaRPr/>
+          </a:p>
+        </p:txBody>
+      </p:sp>
+      <p:pic>
+        <p:nvPicPr>
+          <p:cNvPr id="118" name="Google Shape;118;p17"/>
+          <p:cNvPicPr preferRelativeResize="0"/>
+          <p:nvPr/>
+        </p:nvPicPr>
+        <p:blipFill>
+          <a:blip r:embed="rId3">
+            <a:alphaModFix/>
+          </a:blip>
+          <a:stretch>
+            <a:fillRect/>
+          </a:stretch>
+        </p:blipFill>
+        <p:spPr>
+          <a:xfrm>
+            <a:off x="8231878" y="2839491"/>
+            <a:ext cx="2701325" cy="2798225"/>
+          </a:xfrm>
+          <a:prstGeom prst="rect">
+            <a:avLst/>
+          </a:prstGeom>
+          <a:noFill/>
+          <a:ln>
+            <a:noFill/>
+          </a:ln>
+        </p:spPr>
+      </p:pic>
+    </p:spTree>
+  </p:cSld>
+  <p:clrMapOvr>
+    <a:masterClrMapping/>
+  </p:clrMapOvr>
+</p:sld>
+</file>
+
+<file path=ppt/slides/slide5.xml><?xml version="1.0" encoding="utf-8"?>
+<p:sld xmlns:a="http://schemas.openxmlformats.org/drawingml/2006/main" xmlns:r="http://schemas.openxmlformats.org/officeDocument/2006/relationships" xmlns:mc="http://schemas.openxmlformats.org/markup-compatibility/2006" xmlns:mv="urn:schemas-microsoft-com:mac:vml" xmlns:p="http://schemas.openxmlformats.org/presentationml/2006/main" xmlns:c="http://schemas.openxmlformats.org/drawingml/2006/chart" xmlns:dgm="http://schemas.openxmlformats.org/drawingml/2006/diagram" xmlns:o="urn:schemas-microsoft-com:office:office" xmlns:v="urn:schemas-microsoft-com:vml" xmlns:pvml="urn:schemas-microsoft-com:office:powerpoint" xmlns:com="http://schemas.openxmlformats.org/drawingml/2006/compatibility" xmlns:p14="http://schemas.microsoft.com/office/powerpoint/2010/main" xmlns:p15="http://schemas.microsoft.com/office/powerpoint/2012/main">
+  <p:cSld>
+    <p:spTree>
+      <p:nvGrpSpPr>
+        <p:cNvPr id="122" name="Shape 122"/>
+        <p:cNvGrpSpPr/>
+        <p:nvPr/>
+      </p:nvGrpSpPr>
+      <p:grpSpPr>
+        <a:xfrm>
+          <a:off x="0" y="0"/>
+          <a:ext cx="0" cy="0"/>
+          <a:chOff x="0" y="0"/>
+          <a:chExt cx="0" cy="0"/>
+        </a:xfrm>
+      </p:grpSpPr>
+      <p:sp>
+        <p:nvSpPr>
+          <p:cNvPr id="123" name="Google Shape;123;p18"/>
+          <p:cNvSpPr txBox="1"/>
+          <p:nvPr>
+            <p:ph type="ctrTitle"/>
+          </p:nvPr>
+        </p:nvSpPr>
+        <p:spPr>
+          <a:xfrm>
+            <a:off x="913795" y="609600"/>
+            <a:ext cx="10353900" cy="970500"/>
+          </a:xfrm>
+          <a:prstGeom prst="rect">
+            <a:avLst/>
+          </a:prstGeom>
+          <a:noFill/>
+          <a:ln>
+            <a:noFill/>
+          </a:ln>
+          <a:effectLst>
+            <a:outerShdw blurRad="25400">
+              <a:srgbClr val="000000">
+                <a:alpha val="45880"/>
+              </a:srgbClr>
+            </a:outerShdw>
+          </a:effectLst>
+        </p:spPr>
+        <p:txBody>
+          <a:bodyPr anchorCtr="0" anchor="ctr" bIns="45700" lIns="91425" spcFirstLastPara="1" rIns="91425" wrap="square" tIns="45700">
+            <a:noAutofit/>
+          </a:bodyPr>
+          <a:lstStyle/>
+          <a:p>
+            <a:pPr indent="0" lvl="0" marL="0" rtl="0" algn="l">
+              <a:spcBef>
+                <a:spcPts val="0"/>
+              </a:spcBef>
+              <a:spcAft>
+                <a:spcPts val="0"/>
+              </a:spcAft>
+              <a:buClr>
+                <a:schemeClr val="lt2"/>
+              </a:buClr>
+              <a:buSzPts val="4000"/>
+              <a:buFont typeface="Lustria"/>
+              <a:buNone/>
+            </a:pPr>
+            <a:r>
+              <a:rPr lang="en-US" sz="4800"/>
               <a:t>Common SQL Clauses</a:t>
             </a:r>
             <a:endParaRPr sz="4800"/>
@@ -14302,7 +15622,7 @@
       </p:sp>
       <p:graphicFrame>
         <p:nvGraphicFramePr>
-          <p:cNvPr id="115" name="Google Shape;115;p17"/>
+          <p:cNvPr id="124" name="Google Shape;124;p18"/>
           <p:cNvGraphicFramePr/>
           <p:nvPr/>
         </p:nvGraphicFramePr>
@@ -14315,7 +15635,7 @@
             <a:tbl>
               <a:tblPr bandRow="1" firstRow="1">
                 <a:noFill/>
-                <a:tableStyleId>{926FB923-BFEB-4A9E-B21F-5EC4765CA350}</a:tableStyleId>
+                <a:tableStyleId>{AC8866D5-F4D3-47CE-862D-0E0F9278ED1D}</a:tableStyleId>
               </a:tblPr>
               <a:tblGrid>
                 <a:gridCol w="2066075"/>
@@ -15564,7 +16884,7 @@
       </p:graphicFrame>
       <p:sp>
         <p:nvSpPr>
-          <p:cNvPr id="116" name="Google Shape;116;p17"/>
+          <p:cNvPr id="125" name="Google Shape;125;p18"/>
           <p:cNvSpPr txBox="1"/>
           <p:nvPr/>
         </p:nvSpPr>
@@ -15611,566 +16931,6 @@
           </a:p>
         </p:txBody>
       </p:sp>
-    </p:spTree>
-  </p:cSld>
-  <p:clrMapOvr>
-    <a:masterClrMapping/>
-  </p:clrMapOvr>
-</p:sld>
-</file>
-
-<file path=ppt/slides/slide5.xml><?xml version="1.0" encoding="utf-8"?>
-<p:sld xmlns:a="http://schemas.openxmlformats.org/drawingml/2006/main" xmlns:r="http://schemas.openxmlformats.org/officeDocument/2006/relationships" xmlns:mc="http://schemas.openxmlformats.org/markup-compatibility/2006" xmlns:mv="urn:schemas-microsoft-com:mac:vml" xmlns:p="http://schemas.openxmlformats.org/presentationml/2006/main" xmlns:c="http://schemas.openxmlformats.org/drawingml/2006/chart" xmlns:dgm="http://schemas.openxmlformats.org/drawingml/2006/diagram" xmlns:o="urn:schemas-microsoft-com:office:office" xmlns:v="urn:schemas-microsoft-com:vml" xmlns:pvml="urn:schemas-microsoft-com:office:powerpoint" xmlns:com="http://schemas.openxmlformats.org/drawingml/2006/compatibility" xmlns:p14="http://schemas.microsoft.com/office/powerpoint/2010/main" xmlns:p15="http://schemas.microsoft.com/office/powerpoint/2012/main">
-  <p:cSld>
-    <p:spTree>
-      <p:nvGrpSpPr>
-        <p:cNvPr id="120" name="Shape 120"/>
-        <p:cNvGrpSpPr/>
-        <p:nvPr/>
-      </p:nvGrpSpPr>
-      <p:grpSpPr>
-        <a:xfrm>
-          <a:off x="0" y="0"/>
-          <a:ext cx="0" cy="0"/>
-          <a:chOff x="0" y="0"/>
-          <a:chExt cx="0" cy="0"/>
-        </a:xfrm>
-      </p:grpSpPr>
-      <p:sp>
-        <p:nvSpPr>
-          <p:cNvPr id="121" name="Google Shape;121;p18"/>
-          <p:cNvSpPr txBox="1"/>
-          <p:nvPr>
-            <p:ph type="ctrTitle"/>
-          </p:nvPr>
-        </p:nvSpPr>
-        <p:spPr>
-          <a:xfrm>
-            <a:off x="913795" y="609600"/>
-            <a:ext cx="10353900" cy="970500"/>
-          </a:xfrm>
-          <a:prstGeom prst="rect">
-            <a:avLst/>
-          </a:prstGeom>
-          <a:noFill/>
-          <a:ln>
-            <a:noFill/>
-          </a:ln>
-          <a:effectLst>
-            <a:outerShdw blurRad="25400">
-              <a:srgbClr val="000000">
-                <a:alpha val="45880"/>
-              </a:srgbClr>
-            </a:outerShdw>
-          </a:effectLst>
-        </p:spPr>
-        <p:txBody>
-          <a:bodyPr anchorCtr="0" anchor="ctr" bIns="45700" lIns="91425" spcFirstLastPara="1" rIns="91425" wrap="square" tIns="45700">
-            <a:noAutofit/>
-          </a:bodyPr>
-          <a:lstStyle/>
-          <a:p>
-            <a:pPr indent="0" lvl="0" marL="0" rtl="0" algn="l">
-              <a:spcBef>
-                <a:spcPts val="0"/>
-              </a:spcBef>
-              <a:spcAft>
-                <a:spcPts val="0"/>
-              </a:spcAft>
-              <a:buClr>
-                <a:schemeClr val="lt2"/>
-              </a:buClr>
-              <a:buSzPts val="4000"/>
-              <a:buFont typeface="Lustria"/>
-              <a:buNone/>
-            </a:pPr>
-            <a:r>
-              <a:rPr lang="en-US" sz="4800"/>
-              <a:t>Example - World Query</a:t>
-            </a:r>
-            <a:endParaRPr sz="4800"/>
-          </a:p>
-        </p:txBody>
-      </p:sp>
-      <p:sp>
-        <p:nvSpPr>
-          <p:cNvPr id="122" name="Google Shape;122;p18"/>
-          <p:cNvSpPr txBox="1"/>
-          <p:nvPr>
-            <p:ph idx="1" type="subTitle"/>
-          </p:nvPr>
-        </p:nvSpPr>
-        <p:spPr>
-          <a:xfrm>
-            <a:off x="439876" y="1783675"/>
-            <a:ext cx="11662800" cy="4058700"/>
-          </a:xfrm>
-          <a:prstGeom prst="rect">
-            <a:avLst/>
-          </a:prstGeom>
-          <a:noFill/>
-          <a:ln>
-            <a:noFill/>
-          </a:ln>
-          <a:effectLst>
-            <a:outerShdw blurRad="25400">
-              <a:srgbClr val="000000">
-                <a:alpha val="45880"/>
-              </a:srgbClr>
-            </a:outerShdw>
-          </a:effectLst>
-        </p:spPr>
-        <p:txBody>
-          <a:bodyPr anchorCtr="0" anchor="t" bIns="45700" lIns="91425" spcFirstLastPara="1" rIns="91425" wrap="square" tIns="45700">
-            <a:noAutofit/>
-          </a:bodyPr>
-          <a:lstStyle/>
-          <a:p>
-            <a:pPr indent="0" lvl="0" marL="609600" rtl="0" algn="l">
-              <a:lnSpc>
-                <a:spcPct val="100000"/>
-              </a:lnSpc>
-              <a:spcBef>
-                <a:spcPts val="0"/>
-              </a:spcBef>
-              <a:spcAft>
-                <a:spcPts val="0"/>
-              </a:spcAft>
-              <a:buNone/>
-            </a:pPr>
-            <a:r>
-              <a:rPr b="1" lang="en-US" sz="3000">
-                <a:solidFill>
-                  <a:srgbClr val="000000"/>
-                </a:solidFill>
-                <a:latin typeface="Raleway"/>
-                <a:ea typeface="Raleway"/>
-                <a:cs typeface="Raleway"/>
-                <a:sym typeface="Raleway"/>
-              </a:rPr>
-              <a:t>Obtain a list of countries within the continent of Asia. </a:t>
-            </a:r>
-            <a:endParaRPr sz="3000"/>
-          </a:p>
-        </p:txBody>
-      </p:sp>
-      <p:sp>
-        <p:nvSpPr>
-          <p:cNvPr id="123" name="Google Shape;123;p18"/>
-          <p:cNvSpPr txBox="1"/>
-          <p:nvPr/>
-        </p:nvSpPr>
-        <p:spPr>
-          <a:xfrm>
-            <a:off x="1208525" y="2738600"/>
-            <a:ext cx="6309900" cy="3000000"/>
-          </a:xfrm>
-          <a:prstGeom prst="rect">
-            <a:avLst/>
-          </a:prstGeom>
-          <a:noFill/>
-          <a:ln>
-            <a:noFill/>
-          </a:ln>
-        </p:spPr>
-        <p:txBody>
-          <a:bodyPr anchorCtr="0" anchor="t" bIns="91425" lIns="91425" spcFirstLastPara="1" rIns="91425" wrap="square" tIns="91425">
-            <a:noAutofit/>
-          </a:bodyPr>
-          <a:lstStyle/>
-          <a:p>
-            <a:pPr indent="0" lvl="0" marL="0" rtl="0" algn="l">
-              <a:lnSpc>
-                <a:spcPct val="115000"/>
-              </a:lnSpc>
-              <a:spcBef>
-                <a:spcPts val="1000"/>
-              </a:spcBef>
-              <a:spcAft>
-                <a:spcPts val="0"/>
-              </a:spcAft>
-              <a:buNone/>
-            </a:pPr>
-            <a:r>
-              <a:rPr b="1" lang="en-US" sz="1800">
-                <a:solidFill>
-                  <a:schemeClr val="accent1"/>
-                </a:solidFill>
-                <a:latin typeface="Lato"/>
-                <a:ea typeface="Lato"/>
-                <a:cs typeface="Lato"/>
-                <a:sym typeface="Lato"/>
-              </a:rPr>
-              <a:t>SQL Query</a:t>
-            </a:r>
-            <a:endParaRPr b="1" sz="1800">
-              <a:solidFill>
-                <a:schemeClr val="accent1"/>
-              </a:solidFill>
-              <a:latin typeface="Lato"/>
-              <a:ea typeface="Lato"/>
-              <a:cs typeface="Lato"/>
-              <a:sym typeface="Lato"/>
-            </a:endParaRPr>
-          </a:p>
-          <a:p>
-            <a:pPr indent="0" lvl="0" marL="36899" rtl="0" algn="l">
-              <a:lnSpc>
-                <a:spcPct val="115000"/>
-              </a:lnSpc>
-              <a:spcBef>
-                <a:spcPts val="1000"/>
-              </a:spcBef>
-              <a:spcAft>
-                <a:spcPts val="0"/>
-              </a:spcAft>
-              <a:buNone/>
-            </a:pPr>
-            <a:r>
-              <a:rPr lang="en-US" sz="1800">
-                <a:solidFill>
-                  <a:schemeClr val="accent1"/>
-                </a:solidFill>
-                <a:latin typeface="Lato"/>
-                <a:ea typeface="Lato"/>
-                <a:cs typeface="Lato"/>
-                <a:sym typeface="Lato"/>
-              </a:rPr>
-              <a:t>SELECT   Continent,  Name as Country </a:t>
-            </a:r>
-            <a:r>
-              <a:rPr lang="en-US" sz="1800">
-                <a:solidFill>
-                  <a:srgbClr val="6AA84F"/>
-                </a:solidFill>
-                <a:latin typeface="Lato"/>
-                <a:ea typeface="Lato"/>
-                <a:cs typeface="Lato"/>
-                <a:sym typeface="Lato"/>
-              </a:rPr>
-              <a:t>#what columns to get</a:t>
-            </a:r>
-            <a:endParaRPr sz="1800">
-              <a:solidFill>
-                <a:srgbClr val="6AA84F"/>
-              </a:solidFill>
-              <a:latin typeface="Lato"/>
-              <a:ea typeface="Lato"/>
-              <a:cs typeface="Lato"/>
-              <a:sym typeface="Lato"/>
-            </a:endParaRPr>
-          </a:p>
-          <a:p>
-            <a:pPr indent="0" lvl="0" marL="36899" rtl="0" algn="l">
-              <a:lnSpc>
-                <a:spcPct val="115000"/>
-              </a:lnSpc>
-              <a:spcBef>
-                <a:spcPts val="1000"/>
-              </a:spcBef>
-              <a:spcAft>
-                <a:spcPts val="0"/>
-              </a:spcAft>
-              <a:buNone/>
-            </a:pPr>
-            <a:r>
-              <a:rPr lang="en-US" sz="1800">
-                <a:solidFill>
-                  <a:schemeClr val="accent1"/>
-                </a:solidFill>
-                <a:latin typeface="Lato"/>
-                <a:ea typeface="Lato"/>
-                <a:cs typeface="Lato"/>
-                <a:sym typeface="Lato"/>
-              </a:rPr>
-              <a:t>FROM world.country </a:t>
-            </a:r>
-            <a:r>
-              <a:rPr lang="en-US" sz="1800">
-                <a:solidFill>
-                  <a:srgbClr val="6AA84F"/>
-                </a:solidFill>
-                <a:latin typeface="Lato"/>
-                <a:ea typeface="Lato"/>
-                <a:cs typeface="Lato"/>
-                <a:sym typeface="Lato"/>
-              </a:rPr>
-              <a:t>#what schema/table to read</a:t>
-            </a:r>
-            <a:endParaRPr sz="1800">
-              <a:solidFill>
-                <a:srgbClr val="6AA84F"/>
-              </a:solidFill>
-              <a:latin typeface="Lato"/>
-              <a:ea typeface="Lato"/>
-              <a:cs typeface="Lato"/>
-              <a:sym typeface="Lato"/>
-            </a:endParaRPr>
-          </a:p>
-          <a:p>
-            <a:pPr indent="0" lvl="0" marL="36899" rtl="0" algn="l">
-              <a:lnSpc>
-                <a:spcPct val="115000"/>
-              </a:lnSpc>
-              <a:spcBef>
-                <a:spcPts val="1000"/>
-              </a:spcBef>
-              <a:spcAft>
-                <a:spcPts val="0"/>
-              </a:spcAft>
-              <a:buNone/>
-            </a:pPr>
-            <a:r>
-              <a:rPr lang="en-US" sz="1800">
-                <a:solidFill>
-                  <a:schemeClr val="accent1"/>
-                </a:solidFill>
-                <a:latin typeface="Lato"/>
-                <a:ea typeface="Lato"/>
-                <a:cs typeface="Lato"/>
-                <a:sym typeface="Lato"/>
-              </a:rPr>
-              <a:t>Where Continent  = 'Asia' </a:t>
-            </a:r>
-            <a:r>
-              <a:rPr lang="en-US" sz="1800">
-                <a:solidFill>
-                  <a:srgbClr val="6AA84F"/>
-                </a:solidFill>
-                <a:latin typeface="Lato"/>
-                <a:ea typeface="Lato"/>
-                <a:cs typeface="Lato"/>
-                <a:sym typeface="Lato"/>
-              </a:rPr>
-              <a:t>#limit results”</a:t>
-            </a:r>
-            <a:endParaRPr sz="1800">
-              <a:solidFill>
-                <a:srgbClr val="6AA84F"/>
-              </a:solidFill>
-              <a:latin typeface="Lato"/>
-              <a:ea typeface="Lato"/>
-              <a:cs typeface="Lato"/>
-              <a:sym typeface="Lato"/>
-            </a:endParaRPr>
-          </a:p>
-          <a:p>
-            <a:pPr indent="0" lvl="0" marL="36899" rtl="0" algn="l">
-              <a:lnSpc>
-                <a:spcPct val="115000"/>
-              </a:lnSpc>
-              <a:spcBef>
-                <a:spcPts val="1000"/>
-              </a:spcBef>
-              <a:spcAft>
-                <a:spcPts val="0"/>
-              </a:spcAft>
-              <a:buNone/>
-            </a:pPr>
-            <a:r>
-              <a:rPr lang="en-US" sz="1800">
-                <a:solidFill>
-                  <a:schemeClr val="accent1"/>
-                </a:solidFill>
-                <a:latin typeface="Lato"/>
-                <a:ea typeface="Lato"/>
-                <a:cs typeface="Lato"/>
-                <a:sym typeface="Lato"/>
-              </a:rPr>
-              <a:t>ORDER BY continent, country DESC  </a:t>
-            </a:r>
-            <a:r>
-              <a:rPr lang="en-US" sz="1800">
-                <a:solidFill>
-                  <a:srgbClr val="6AA84F"/>
-                </a:solidFill>
-                <a:latin typeface="Lato"/>
-                <a:ea typeface="Lato"/>
-                <a:cs typeface="Lato"/>
-                <a:sym typeface="Lato"/>
-              </a:rPr>
-              <a:t>#Sort rows in result”</a:t>
-            </a:r>
-            <a:endParaRPr sz="1800">
-              <a:solidFill>
-                <a:srgbClr val="6AA84F"/>
-              </a:solidFill>
-              <a:latin typeface="Lato"/>
-              <a:ea typeface="Lato"/>
-              <a:cs typeface="Lato"/>
-              <a:sym typeface="Lato"/>
-            </a:endParaRPr>
-          </a:p>
-          <a:p>
-            <a:pPr indent="0" lvl="0" marL="36899" rtl="0" algn="l">
-              <a:lnSpc>
-                <a:spcPct val="115000"/>
-              </a:lnSpc>
-              <a:spcBef>
-                <a:spcPts val="1000"/>
-              </a:spcBef>
-              <a:spcAft>
-                <a:spcPts val="0"/>
-              </a:spcAft>
-              <a:buNone/>
-            </a:pPr>
-            <a:r>
-              <a:rPr lang="en-US" sz="1800">
-                <a:solidFill>
-                  <a:schemeClr val="accent1"/>
-                </a:solidFill>
-                <a:latin typeface="Lato"/>
-                <a:ea typeface="Lato"/>
-                <a:cs typeface="Lato"/>
-                <a:sym typeface="Lato"/>
-              </a:rPr>
-              <a:t>LIMIT 10 </a:t>
-            </a:r>
-            <a:r>
-              <a:rPr lang="en-US" sz="1800">
-                <a:solidFill>
-                  <a:srgbClr val="6AA84F"/>
-                </a:solidFill>
-                <a:latin typeface="Lato"/>
-                <a:ea typeface="Lato"/>
-                <a:cs typeface="Lato"/>
-                <a:sym typeface="Lato"/>
-              </a:rPr>
-              <a:t>#number of rows to “bring back”</a:t>
-            </a:r>
-            <a:endParaRPr sz="1800">
-              <a:solidFill>
-                <a:srgbClr val="6AA84F"/>
-              </a:solidFill>
-              <a:latin typeface="Lato"/>
-              <a:ea typeface="Lato"/>
-              <a:cs typeface="Lato"/>
-              <a:sym typeface="Lato"/>
-            </a:endParaRPr>
-          </a:p>
-          <a:p>
-            <a:pPr indent="0" lvl="0" marL="36899" rtl="0" algn="l">
-              <a:lnSpc>
-                <a:spcPct val="115000"/>
-              </a:lnSpc>
-              <a:spcBef>
-                <a:spcPts val="1000"/>
-              </a:spcBef>
-              <a:spcAft>
-                <a:spcPts val="0"/>
-              </a:spcAft>
-              <a:buNone/>
-            </a:pPr>
-            <a:r>
-              <a:t/>
-            </a:r>
-            <a:endParaRPr sz="1800">
-              <a:solidFill>
-                <a:schemeClr val="accent1"/>
-              </a:solidFill>
-              <a:latin typeface="Lato"/>
-              <a:ea typeface="Lato"/>
-              <a:cs typeface="Lato"/>
-              <a:sym typeface="Lato"/>
-            </a:endParaRPr>
-          </a:p>
-          <a:p>
-            <a:pPr indent="0" lvl="0" marL="36899" rtl="0" algn="l">
-              <a:lnSpc>
-                <a:spcPct val="115000"/>
-              </a:lnSpc>
-              <a:spcBef>
-                <a:spcPts val="1000"/>
-              </a:spcBef>
-              <a:spcAft>
-                <a:spcPts val="0"/>
-              </a:spcAft>
-              <a:buNone/>
-            </a:pPr>
-            <a:r>
-              <a:t/>
-            </a:r>
-            <a:endParaRPr sz="1700">
-              <a:solidFill>
-                <a:schemeClr val="accent1"/>
-              </a:solidFill>
-              <a:latin typeface="Lato"/>
-              <a:ea typeface="Lato"/>
-              <a:cs typeface="Lato"/>
-              <a:sym typeface="Lato"/>
-            </a:endParaRPr>
-          </a:p>
-        </p:txBody>
-      </p:sp>
-      <p:sp>
-        <p:nvSpPr>
-          <p:cNvPr id="124" name="Google Shape;124;p18"/>
-          <p:cNvSpPr txBox="1"/>
-          <p:nvPr/>
-        </p:nvSpPr>
-        <p:spPr>
-          <a:xfrm>
-            <a:off x="11322625" y="1038900"/>
-            <a:ext cx="3000000" cy="3000000"/>
-          </a:xfrm>
-          <a:prstGeom prst="rect">
-            <a:avLst/>
-          </a:prstGeom>
-          <a:noFill/>
-          <a:ln>
-            <a:noFill/>
-          </a:ln>
-        </p:spPr>
-        <p:txBody>
-          <a:bodyPr anchorCtr="0" anchor="t" bIns="91425" lIns="91425" spcFirstLastPara="1" rIns="91425" wrap="square" tIns="91425">
-            <a:noAutofit/>
-          </a:bodyPr>
-          <a:lstStyle/>
-          <a:p>
-            <a:pPr indent="0" lvl="0" marL="0" rtl="0" algn="l">
-              <a:spcBef>
-                <a:spcPts val="0"/>
-              </a:spcBef>
-              <a:spcAft>
-                <a:spcPts val="0"/>
-              </a:spcAft>
-              <a:buNone/>
-            </a:pPr>
-            <a:r>
-              <a:t/>
-            </a:r>
-            <a:endParaRPr/>
-          </a:p>
-        </p:txBody>
-      </p:sp>
-      <p:pic>
-        <p:nvPicPr>
-          <p:cNvPr id="125" name="Google Shape;125;p18"/>
-          <p:cNvPicPr preferRelativeResize="0"/>
-          <p:nvPr/>
-        </p:nvPicPr>
-        <p:blipFill>
-          <a:blip r:embed="rId3">
-            <a:alphaModFix/>
-          </a:blip>
-          <a:stretch>
-            <a:fillRect/>
-          </a:stretch>
-        </p:blipFill>
-        <p:spPr>
-          <a:xfrm>
-            <a:off x="8231878" y="2839491"/>
-            <a:ext cx="2701325" cy="2798225"/>
-          </a:xfrm>
-          <a:prstGeom prst="rect">
-            <a:avLst/>
-          </a:prstGeom>
-          <a:noFill/>
-          <a:ln>
-            <a:noFill/>
-          </a:ln>
-        </p:spPr>
-      </p:pic>
     </p:spTree>
   </p:cSld>
   <p:clrMapOvr>
@@ -16245,8 +17005,8 @@
               <a:buNone/>
             </a:pPr>
             <a:r>
-              <a:rPr lang="en-US" sz="4800"/>
-              <a:t>Common Data Types</a:t>
+              <a:rPr lang="en-US" sz="4200"/>
+              <a:t>SQL Operators</a:t>
             </a:r>
             <a:endParaRPr sz="4800"/>
           </a:p>
@@ -16255,6 +17015,456 @@
       <p:graphicFrame>
         <p:nvGraphicFramePr>
           <p:cNvPr id="131" name="Google Shape;131;p19"/>
+          <p:cNvGraphicFramePr/>
+          <p:nvPr/>
+        </p:nvGraphicFramePr>
+        <p:xfrm>
+          <a:off x="1195070" y="4412385"/>
+          <a:ext cx="3000000" cy="3000000"/>
+        </p:xfrm>
+        <a:graphic>
+          <a:graphicData uri="http://schemas.openxmlformats.org/drawingml/2006/table">
+            <a:tbl>
+              <a:tblPr bandRow="1" firstRow="1">
+                <a:noFill/>
+                <a:tableStyleId>{AC8866D5-F4D3-47CE-862D-0E0F9278ED1D}</a:tableStyleId>
+              </a:tblPr>
+              <a:tblGrid>
+                <a:gridCol w="1866100"/>
+                <a:gridCol w="8622050"/>
+              </a:tblGrid>
+              <a:tr h="244850">
+                <a:tc>
+                  <a:txBody>
+                    <a:bodyPr/>
+                    <a:lstStyle/>
+                    <a:p>
+                      <a:pPr indent="0" lvl="0" marL="0" marR="0" rtl="0" algn="l">
+                        <a:spcBef>
+                          <a:spcPts val="0"/>
+                        </a:spcBef>
+                        <a:spcAft>
+                          <a:spcPts val="0"/>
+                        </a:spcAft>
+                        <a:buNone/>
+                      </a:pPr>
+                      <a:r>
+                        <a:rPr lang="en-US" sz="1800"/>
+                        <a:t>Operator Type</a:t>
+                      </a:r>
+                      <a:endParaRPr/>
+                    </a:p>
+                  </a:txBody>
+                  <a:tcPr marT="45725" marB="45725" marR="91450" marL="91450"/>
+                </a:tc>
+                <a:tc>
+                  <a:txBody>
+                    <a:bodyPr/>
+                    <a:lstStyle/>
+                    <a:p>
+                      <a:pPr indent="0" lvl="0" marL="0" marR="0" rtl="0" algn="l">
+                        <a:spcBef>
+                          <a:spcPts val="0"/>
+                        </a:spcBef>
+                        <a:spcAft>
+                          <a:spcPts val="0"/>
+                        </a:spcAft>
+                        <a:buNone/>
+                      </a:pPr>
+                      <a:r>
+                        <a:rPr lang="en-US" sz="1800"/>
+                        <a:t>SELECT Clauses</a:t>
+                      </a:r>
+                      <a:endParaRPr/>
+                    </a:p>
+                  </a:txBody>
+                  <a:tcPr marT="45725" marB="45725" marR="91450" marL="91450"/>
+                </a:tc>
+              </a:tr>
+              <a:tr h="244850">
+                <a:tc>
+                  <a:txBody>
+                    <a:bodyPr/>
+                    <a:lstStyle/>
+                    <a:p>
+                      <a:pPr indent="0" lvl="0" marL="0" marR="0" rtl="0" algn="l">
+                        <a:spcBef>
+                          <a:spcPts val="0"/>
+                        </a:spcBef>
+                        <a:spcAft>
+                          <a:spcPts val="0"/>
+                        </a:spcAft>
+                        <a:buNone/>
+                      </a:pPr>
+                      <a:r>
+                        <a:rPr lang="en-US" sz="1800">
+                          <a:solidFill>
+                            <a:srgbClr val="000000"/>
+                          </a:solidFill>
+                        </a:rPr>
+                        <a:t>Arithmetic</a:t>
+                      </a:r>
+                      <a:endParaRPr sz="1800">
+                        <a:solidFill>
+                          <a:srgbClr val="000000"/>
+                        </a:solidFill>
+                      </a:endParaRPr>
+                    </a:p>
+                  </a:txBody>
+                  <a:tcPr marT="45725" marB="45725" marR="91450" marL="91450"/>
+                </a:tc>
+                <a:tc>
+                  <a:txBody>
+                    <a:bodyPr/>
+                    <a:lstStyle/>
+                    <a:p>
+                      <a:pPr indent="0" lvl="0" marL="0" marR="0" rtl="0" algn="l">
+                        <a:spcBef>
+                          <a:spcPts val="0"/>
+                        </a:spcBef>
+                        <a:spcAft>
+                          <a:spcPts val="0"/>
+                        </a:spcAft>
+                        <a:buNone/>
+                      </a:pPr>
+                      <a:r>
+                        <a:rPr lang="en-US" sz="1800">
+                          <a:solidFill>
+                            <a:srgbClr val="000000"/>
+                          </a:solidFill>
+                        </a:rPr>
+                        <a:t>Add, Subtract, Multiply, Divide</a:t>
+                      </a:r>
+                      <a:endParaRPr sz="1800">
+                        <a:solidFill>
+                          <a:srgbClr val="000000"/>
+                        </a:solidFill>
+                      </a:endParaRPr>
+                    </a:p>
+                  </a:txBody>
+                  <a:tcPr marT="45725" marB="45725" marR="91450" marL="91450"/>
+                </a:tc>
+              </a:tr>
+              <a:tr h="244850">
+                <a:tc>
+                  <a:txBody>
+                    <a:bodyPr/>
+                    <a:lstStyle/>
+                    <a:p>
+                      <a:pPr indent="0" lvl="0" marL="0" marR="0" rtl="0" algn="l">
+                        <a:spcBef>
+                          <a:spcPts val="0"/>
+                        </a:spcBef>
+                        <a:spcAft>
+                          <a:spcPts val="0"/>
+                        </a:spcAft>
+                        <a:buNone/>
+                      </a:pPr>
+                      <a:r>
+                        <a:rPr lang="en-US" sz="1800">
+                          <a:solidFill>
+                            <a:srgbClr val="000000"/>
+                          </a:solidFill>
+                        </a:rPr>
+                        <a:t>Comparison</a:t>
+                      </a:r>
+                      <a:endParaRPr sz="1800">
+                        <a:solidFill>
+                          <a:srgbClr val="000000"/>
+                        </a:solidFill>
+                      </a:endParaRPr>
+                    </a:p>
+                  </a:txBody>
+                  <a:tcPr marT="45725" marB="45725" marR="91450" marL="91450"/>
+                </a:tc>
+                <a:tc>
+                  <a:txBody>
+                    <a:bodyPr/>
+                    <a:lstStyle/>
+                    <a:p>
+                      <a:pPr indent="0" lvl="0" marL="0" marR="0" rtl="0" algn="l">
+                        <a:spcBef>
+                          <a:spcPts val="0"/>
+                        </a:spcBef>
+                        <a:spcAft>
+                          <a:spcPts val="0"/>
+                        </a:spcAft>
+                        <a:buNone/>
+                      </a:pPr>
+                      <a:r>
+                        <a:rPr lang="en-US" sz="1800">
+                          <a:solidFill>
+                            <a:srgbClr val="000000"/>
+                          </a:solidFill>
+                        </a:rPr>
+                        <a:t>Equal to (=), Greater than (&gt;), Less than (&lt;), Greater Than or Equal to (&gt;=)</a:t>
+                      </a:r>
+                      <a:endParaRPr sz="1800">
+                        <a:solidFill>
+                          <a:srgbClr val="000000"/>
+                        </a:solidFill>
+                      </a:endParaRPr>
+                    </a:p>
+                  </a:txBody>
+                  <a:tcPr marT="45725" marB="45725" marR="91450" marL="91450"/>
+                </a:tc>
+              </a:tr>
+              <a:tr h="244850">
+                <a:tc>
+                  <a:txBody>
+                    <a:bodyPr/>
+                    <a:lstStyle/>
+                    <a:p>
+                      <a:pPr indent="0" lvl="0" marL="0" marR="0" rtl="0" algn="l">
+                        <a:lnSpc>
+                          <a:spcPct val="100000"/>
+                        </a:lnSpc>
+                        <a:spcBef>
+                          <a:spcPts val="0"/>
+                        </a:spcBef>
+                        <a:spcAft>
+                          <a:spcPts val="0"/>
+                        </a:spcAft>
+                        <a:buClr>
+                          <a:schemeClr val="lt1"/>
+                        </a:buClr>
+                        <a:buSzPts val="1800"/>
+                        <a:buFont typeface="Lustria"/>
+                        <a:buNone/>
+                      </a:pPr>
+                      <a:r>
+                        <a:rPr lang="en-US" sz="1800">
+                          <a:solidFill>
+                            <a:srgbClr val="000000"/>
+                          </a:solidFill>
+                        </a:rPr>
+                        <a:t>Logical</a:t>
+                      </a:r>
+                      <a:endParaRPr sz="1800">
+                        <a:solidFill>
+                          <a:srgbClr val="000000"/>
+                        </a:solidFill>
+                      </a:endParaRPr>
+                    </a:p>
+                  </a:txBody>
+                  <a:tcPr marT="45725" marB="45725" marR="91450" marL="91450"/>
+                </a:tc>
+                <a:tc>
+                  <a:txBody>
+                    <a:bodyPr/>
+                    <a:lstStyle/>
+                    <a:p>
+                      <a:pPr indent="0" lvl="0" marL="0" marR="0" rtl="0" algn="l">
+                        <a:spcBef>
+                          <a:spcPts val="0"/>
+                        </a:spcBef>
+                        <a:spcAft>
+                          <a:spcPts val="0"/>
+                        </a:spcAft>
+                        <a:buNone/>
+                      </a:pPr>
+                      <a:r>
+                        <a:rPr lang="en-US" sz="1800">
+                          <a:solidFill>
+                            <a:srgbClr val="000000"/>
+                          </a:solidFill>
+                        </a:rPr>
+                        <a:t>AND, BETWEEN, EXISTS, IN, LIKE, NOT, OR</a:t>
+                      </a:r>
+                      <a:endParaRPr sz="1800">
+                        <a:solidFill>
+                          <a:srgbClr val="000000"/>
+                        </a:solidFill>
+                      </a:endParaRPr>
+                    </a:p>
+                  </a:txBody>
+                  <a:tcPr marT="45725" marB="45725" marR="91450" marL="91450"/>
+                </a:tc>
+              </a:tr>
+            </a:tbl>
+          </a:graphicData>
+        </a:graphic>
+      </p:graphicFrame>
+      <p:sp>
+        <p:nvSpPr>
+          <p:cNvPr id="132" name="Google Shape;132;p19"/>
+          <p:cNvSpPr txBox="1"/>
+          <p:nvPr/>
+        </p:nvSpPr>
+        <p:spPr>
+          <a:xfrm>
+            <a:off x="1202200" y="1842925"/>
+            <a:ext cx="10279200" cy="3000000"/>
+          </a:xfrm>
+          <a:prstGeom prst="rect">
+            <a:avLst/>
+          </a:prstGeom>
+          <a:noFill/>
+          <a:ln>
+            <a:noFill/>
+          </a:ln>
+        </p:spPr>
+        <p:txBody>
+          <a:bodyPr anchorCtr="0" anchor="t" bIns="91425" lIns="91425" spcFirstLastPara="1" rIns="91425" wrap="square" tIns="91425">
+            <a:noAutofit/>
+          </a:bodyPr>
+          <a:lstStyle/>
+          <a:p>
+            <a:pPr indent="0" lvl="0" marL="0" rtl="0" algn="l">
+              <a:spcBef>
+                <a:spcPts val="0"/>
+              </a:spcBef>
+              <a:spcAft>
+                <a:spcPts val="0"/>
+              </a:spcAft>
+              <a:buNone/>
+            </a:pPr>
+            <a:r>
+              <a:rPr b="1" lang="en-US" sz="2400" u="sng">
+                <a:solidFill>
+                  <a:schemeClr val="accent1"/>
+                </a:solidFill>
+                <a:latin typeface="Lato"/>
+                <a:ea typeface="Lato"/>
+                <a:cs typeface="Lato"/>
+                <a:sym typeface="Lato"/>
+              </a:rPr>
+              <a:t>Purpose</a:t>
+            </a:r>
+            <a:r>
+              <a:rPr lang="en-US" sz="2400">
+                <a:solidFill>
+                  <a:schemeClr val="accent1"/>
+                </a:solidFill>
+                <a:latin typeface="Lato"/>
+                <a:ea typeface="Lato"/>
+                <a:cs typeface="Lato"/>
+                <a:sym typeface="Lato"/>
+              </a:rPr>
+              <a:t>: A comparison (or relational) operator is a mathematical symbol which is used to compare two values, usually in the “where” or “select” clauses of a SQL Query.  </a:t>
+            </a:r>
+            <a:br>
+              <a:rPr lang="en-US" sz="2400">
+                <a:solidFill>
+                  <a:schemeClr val="accent1"/>
+                </a:solidFill>
+                <a:latin typeface="Lato"/>
+                <a:ea typeface="Lato"/>
+                <a:cs typeface="Lato"/>
+                <a:sym typeface="Lato"/>
+              </a:rPr>
+            </a:br>
+            <a:br>
+              <a:rPr lang="en-US" sz="2400">
+                <a:solidFill>
+                  <a:schemeClr val="accent1"/>
+                </a:solidFill>
+                <a:latin typeface="Lato"/>
+                <a:ea typeface="Lato"/>
+                <a:cs typeface="Lato"/>
+                <a:sym typeface="Lato"/>
+              </a:rPr>
+            </a:br>
+            <a:r>
+              <a:rPr lang="en-US" sz="2400">
+                <a:solidFill>
+                  <a:schemeClr val="accent1"/>
+                </a:solidFill>
+                <a:latin typeface="Lato"/>
+                <a:ea typeface="Lato"/>
+                <a:cs typeface="Lato"/>
+                <a:sym typeface="Lato"/>
+              </a:rPr>
+              <a:t>The result of a comparison can be TRUE, FALSE, or UNKNOWN (an operator that has one or two NULL expressions returns UNKNOWN).</a:t>
+            </a:r>
+            <a:endParaRPr/>
+          </a:p>
+        </p:txBody>
+      </p:sp>
+    </p:spTree>
+  </p:cSld>
+  <p:clrMapOvr>
+    <a:masterClrMapping/>
+  </p:clrMapOvr>
+</p:sld>
+</file>
+
+<file path=ppt/slides/slide7.xml><?xml version="1.0" encoding="utf-8"?>
+<p:sld xmlns:a="http://schemas.openxmlformats.org/drawingml/2006/main" xmlns:r="http://schemas.openxmlformats.org/officeDocument/2006/relationships" xmlns:mc="http://schemas.openxmlformats.org/markup-compatibility/2006" xmlns:mv="urn:schemas-microsoft-com:mac:vml" xmlns:p="http://schemas.openxmlformats.org/presentationml/2006/main" xmlns:c="http://schemas.openxmlformats.org/drawingml/2006/chart" xmlns:dgm="http://schemas.openxmlformats.org/drawingml/2006/diagram" xmlns:o="urn:schemas-microsoft-com:office:office" xmlns:v="urn:schemas-microsoft-com:vml" xmlns:pvml="urn:schemas-microsoft-com:office:powerpoint" xmlns:com="http://schemas.openxmlformats.org/drawingml/2006/compatibility" xmlns:p14="http://schemas.microsoft.com/office/powerpoint/2010/main" xmlns:p15="http://schemas.microsoft.com/office/powerpoint/2012/main">
+  <p:cSld>
+    <p:spTree>
+      <p:nvGrpSpPr>
+        <p:cNvPr id="136" name="Shape 136"/>
+        <p:cNvGrpSpPr/>
+        <p:nvPr/>
+      </p:nvGrpSpPr>
+      <p:grpSpPr>
+        <a:xfrm>
+          <a:off x="0" y="0"/>
+          <a:ext cx="0" cy="0"/>
+          <a:chOff x="0" y="0"/>
+          <a:chExt cx="0" cy="0"/>
+        </a:xfrm>
+      </p:grpSpPr>
+      <p:sp>
+        <p:nvSpPr>
+          <p:cNvPr id="137" name="Google Shape;137;p20"/>
+          <p:cNvSpPr txBox="1"/>
+          <p:nvPr>
+            <p:ph type="ctrTitle"/>
+          </p:nvPr>
+        </p:nvSpPr>
+        <p:spPr>
+          <a:xfrm>
+            <a:off x="913795" y="609600"/>
+            <a:ext cx="10353900" cy="970500"/>
+          </a:xfrm>
+          <a:prstGeom prst="rect">
+            <a:avLst/>
+          </a:prstGeom>
+          <a:noFill/>
+          <a:ln>
+            <a:noFill/>
+          </a:ln>
+          <a:effectLst>
+            <a:outerShdw blurRad="25400">
+              <a:srgbClr val="000000">
+                <a:alpha val="45880"/>
+              </a:srgbClr>
+            </a:outerShdw>
+          </a:effectLst>
+        </p:spPr>
+        <p:txBody>
+          <a:bodyPr anchorCtr="0" anchor="ctr" bIns="45700" lIns="91425" spcFirstLastPara="1" rIns="91425" wrap="square" tIns="45700">
+            <a:noAutofit/>
+          </a:bodyPr>
+          <a:lstStyle/>
+          <a:p>
+            <a:pPr indent="0" lvl="0" marL="0" rtl="0" algn="l">
+              <a:spcBef>
+                <a:spcPts val="0"/>
+              </a:spcBef>
+              <a:spcAft>
+                <a:spcPts val="0"/>
+              </a:spcAft>
+              <a:buClr>
+                <a:schemeClr val="lt2"/>
+              </a:buClr>
+              <a:buSzPts val="4000"/>
+              <a:buFont typeface="Lustria"/>
+              <a:buNone/>
+            </a:pPr>
+            <a:r>
+              <a:rPr lang="en-US" sz="4800"/>
+              <a:t>Common Data Types</a:t>
+            </a:r>
+            <a:endParaRPr sz="4800"/>
+          </a:p>
+        </p:txBody>
+      </p:sp>
+      <p:graphicFrame>
+        <p:nvGraphicFramePr>
+          <p:cNvPr id="138" name="Google Shape;138;p20"/>
           <p:cNvGraphicFramePr/>
           <p:nvPr/>
         </p:nvGraphicFramePr>
@@ -16267,7 +17477,7 @@
             <a:tbl>
               <a:tblPr bandRow="1" firstRow="1">
                 <a:noFill/>
-                <a:tableStyleId>{926FB923-BFEB-4A9E-B21F-5EC4765CA350}</a:tableStyleId>
+                <a:tableStyleId>{AC8866D5-F4D3-47CE-862D-0E0F9278ED1D}</a:tableStyleId>
               </a:tblPr>
               <a:tblGrid>
                 <a:gridCol w="2588425"/>
@@ -16746,7 +17956,7 @@
       </p:graphicFrame>
       <p:sp>
         <p:nvSpPr>
-          <p:cNvPr id="132" name="Google Shape;132;p19"/>
+          <p:cNvPr id="139" name="Google Shape;139;p20"/>
           <p:cNvSpPr txBox="1"/>
           <p:nvPr/>
         </p:nvSpPr>
@@ -16919,7 +18129,7 @@
       </p:sp>
       <p:sp>
         <p:nvSpPr>
-          <p:cNvPr id="133" name="Google Shape;133;p19"/>
+          <p:cNvPr id="140" name="Google Shape;140;p20"/>
           <p:cNvSpPr txBox="1"/>
           <p:nvPr/>
         </p:nvSpPr>
@@ -17078,181 +18288,6 @@
                 <a:sym typeface="Calibri"/>
               </a:rPr>
               <a:t>BLOB: binary large object, stores files as binary data</a:t>
-            </a:r>
-            <a:endParaRPr/>
-          </a:p>
-        </p:txBody>
-      </p:sp>
-    </p:spTree>
-  </p:cSld>
-  <p:clrMapOvr>
-    <a:masterClrMapping/>
-  </p:clrMapOvr>
-</p:sld>
-</file>
-
-<file path=ppt/slides/slide7.xml><?xml version="1.0" encoding="utf-8"?>
-<p:sld xmlns:a="http://schemas.openxmlformats.org/drawingml/2006/main" xmlns:r="http://schemas.openxmlformats.org/officeDocument/2006/relationships" xmlns:mc="http://schemas.openxmlformats.org/markup-compatibility/2006" xmlns:mv="urn:schemas-microsoft-com:mac:vml" xmlns:p="http://schemas.openxmlformats.org/presentationml/2006/main" xmlns:c="http://schemas.openxmlformats.org/drawingml/2006/chart" xmlns:dgm="http://schemas.openxmlformats.org/drawingml/2006/diagram" xmlns:o="urn:schemas-microsoft-com:office:office" xmlns:v="urn:schemas-microsoft-com:vml" xmlns:pvml="urn:schemas-microsoft-com:office:powerpoint" xmlns:com="http://schemas.openxmlformats.org/drawingml/2006/compatibility" xmlns:p14="http://schemas.microsoft.com/office/powerpoint/2010/main" xmlns:p15="http://schemas.microsoft.com/office/powerpoint/2012/main">
-  <p:cSld>
-    <p:spTree>
-      <p:nvGrpSpPr>
-        <p:cNvPr id="137" name="Shape 137"/>
-        <p:cNvGrpSpPr/>
-        <p:nvPr/>
-      </p:nvGrpSpPr>
-      <p:grpSpPr>
-        <a:xfrm>
-          <a:off x="0" y="0"/>
-          <a:ext cx="0" cy="0"/>
-          <a:chOff x="0" y="0"/>
-          <a:chExt cx="0" cy="0"/>
-        </a:xfrm>
-      </p:grpSpPr>
-      <p:sp>
-        <p:nvSpPr>
-          <p:cNvPr id="138" name="Google Shape;138;p20"/>
-          <p:cNvSpPr txBox="1"/>
-          <p:nvPr>
-            <p:ph type="ctrTitle"/>
-          </p:nvPr>
-        </p:nvSpPr>
-        <p:spPr>
-          <a:xfrm>
-            <a:off x="913795" y="609600"/>
-            <a:ext cx="10353900" cy="970500"/>
-          </a:xfrm>
-          <a:prstGeom prst="rect">
-            <a:avLst/>
-          </a:prstGeom>
-          <a:noFill/>
-          <a:ln>
-            <a:noFill/>
-          </a:ln>
-          <a:effectLst>
-            <a:outerShdw blurRad="25400">
-              <a:srgbClr val="000000">
-                <a:alpha val="45880"/>
-              </a:srgbClr>
-            </a:outerShdw>
-          </a:effectLst>
-        </p:spPr>
-        <p:txBody>
-          <a:bodyPr anchorCtr="0" anchor="ctr" bIns="45700" lIns="91425" spcFirstLastPara="1" rIns="91425" wrap="square" tIns="45700">
-            <a:noAutofit/>
-          </a:bodyPr>
-          <a:lstStyle/>
-          <a:p>
-            <a:pPr indent="0" lvl="0" marL="0" rtl="0" algn="l">
-              <a:spcBef>
-                <a:spcPts val="0"/>
-              </a:spcBef>
-              <a:spcAft>
-                <a:spcPts val="0"/>
-              </a:spcAft>
-              <a:buClr>
-                <a:schemeClr val="lt2"/>
-              </a:buClr>
-              <a:buSzPts val="4000"/>
-              <a:buFont typeface="Lustria"/>
-              <a:buNone/>
-            </a:pPr>
-            <a:r>
-              <a:rPr lang="en-US" sz="4800"/>
-              <a:t>What data types can you use?</a:t>
-            </a:r>
-            <a:endParaRPr sz="4800"/>
-          </a:p>
-        </p:txBody>
-      </p:sp>
-      <p:pic>
-        <p:nvPicPr>
-          <p:cNvPr id="139" name="Google Shape;139;p20"/>
-          <p:cNvPicPr preferRelativeResize="0"/>
-          <p:nvPr/>
-        </p:nvPicPr>
-        <p:blipFill>
-          <a:blip r:embed="rId3">
-            <a:alphaModFix/>
-          </a:blip>
-          <a:stretch>
-            <a:fillRect/>
-          </a:stretch>
-        </p:blipFill>
-        <p:spPr>
-          <a:xfrm>
-            <a:off x="1857313" y="1676650"/>
-            <a:ext cx="8466875" cy="5181350"/>
-          </a:xfrm>
-          <a:prstGeom prst="rect">
-            <a:avLst/>
-          </a:prstGeom>
-          <a:noFill/>
-          <a:ln>
-            <a:noFill/>
-          </a:ln>
-        </p:spPr>
-      </p:pic>
-      <p:sp>
-        <p:nvSpPr>
-          <p:cNvPr id="140" name="Google Shape;140;p20"/>
-          <p:cNvSpPr txBox="1"/>
-          <p:nvPr/>
-        </p:nvSpPr>
-        <p:spPr>
-          <a:xfrm>
-            <a:off x="3448700" y="6325925"/>
-            <a:ext cx="6184800" cy="3000000"/>
-          </a:xfrm>
-          <a:prstGeom prst="rect">
-            <a:avLst/>
-          </a:prstGeom>
-          <a:noFill/>
-          <a:ln>
-            <a:noFill/>
-          </a:ln>
-        </p:spPr>
-        <p:txBody>
-          <a:bodyPr anchorCtr="0" anchor="t" bIns="91425" lIns="91425" spcFirstLastPara="1" rIns="91425" wrap="square" tIns="91425">
-            <a:noAutofit/>
-          </a:bodyPr>
-          <a:lstStyle/>
-          <a:p>
-            <a:pPr indent="0" lvl="0" marL="0" rtl="0" algn="l">
-              <a:spcBef>
-                <a:spcPts val="0"/>
-              </a:spcBef>
-              <a:spcAft>
-                <a:spcPts val="0"/>
-              </a:spcAft>
-              <a:buNone/>
-            </a:pPr>
-            <a:r>
-              <a:rPr lang="en-US"/>
-              <a:t>Tutorial: </a:t>
-            </a:r>
-            <a:r>
-              <a:rPr lang="en-US" u="sng">
-                <a:solidFill>
-                  <a:schemeClr val="hlink"/>
-                </a:solidFill>
-                <a:hlinkClick r:id="rId4"/>
-              </a:rPr>
-              <a:t>https://www.tutorialspoint.com/mysql/mysql-data-types.htm</a:t>
-            </a:r>
-            <a:endParaRPr/>
-          </a:p>
-          <a:p>
-            <a:pPr indent="0" lvl="0" marL="0" rtl="0" algn="l">
-              <a:spcBef>
-                <a:spcPts val="0"/>
-              </a:spcBef>
-              <a:spcAft>
-                <a:spcPts val="0"/>
-              </a:spcAft>
-              <a:buNone/>
-            </a:pPr>
-            <a:r>
-              <a:t/>
             </a:r>
             <a:endParaRPr/>
           </a:p>
@@ -17333,24 +18368,30 @@
             </a:pPr>
             <a:r>
               <a:rPr lang="en-US" sz="4800"/>
-              <a:t>SQL Functions</a:t>
+              <a:t>What data types can you use?</a:t>
             </a:r>
             <a:endParaRPr sz="4800"/>
           </a:p>
         </p:txBody>
       </p:sp>
-      <p:sp>
-        <p:nvSpPr>
+      <p:pic>
+        <p:nvPicPr>
           <p:cNvPr id="146" name="Google Shape;146;p21"/>
-          <p:cNvSpPr txBox="1"/>
-          <p:nvPr>
-            <p:ph idx="1" type="subTitle"/>
-          </p:nvPr>
-        </p:nvSpPr>
+          <p:cNvPicPr preferRelativeResize="0"/>
+          <p:nvPr/>
+        </p:nvPicPr>
+        <p:blipFill>
+          <a:blip r:embed="rId3">
+            <a:alphaModFix/>
+          </a:blip>
+          <a:stretch>
+            <a:fillRect/>
+          </a:stretch>
+        </p:blipFill>
         <p:spPr>
           <a:xfrm>
-            <a:off x="1068300" y="1715825"/>
-            <a:ext cx="10912200" cy="4058700"/>
+            <a:off x="1857313" y="1676650"/>
+            <a:ext cx="8466875" cy="5181350"/>
           </a:xfrm>
           <a:prstGeom prst="rect">
             <a:avLst/>
@@ -17359,180 +18400,8 @@
           <a:ln>
             <a:noFill/>
           </a:ln>
-          <a:effectLst>
-            <a:outerShdw blurRad="25400">
-              <a:srgbClr val="000000">
-                <a:alpha val="45880"/>
-              </a:srgbClr>
-            </a:outerShdw>
-          </a:effectLst>
         </p:spPr>
-        <p:txBody>
-          <a:bodyPr anchorCtr="0" anchor="t" bIns="45700" lIns="91425" spcFirstLastPara="1" rIns="91425" wrap="square" tIns="45700">
-            <a:noAutofit/>
-          </a:bodyPr>
-          <a:lstStyle/>
-          <a:p>
-            <a:pPr indent="0" lvl="0" marL="0" rtl="0" algn="l">
-              <a:lnSpc>
-                <a:spcPct val="150000"/>
-              </a:lnSpc>
-              <a:spcBef>
-                <a:spcPts val="1000"/>
-              </a:spcBef>
-              <a:spcAft>
-                <a:spcPts val="0"/>
-              </a:spcAft>
-              <a:buNone/>
-            </a:pPr>
-            <a:r>
-              <a:rPr lang="en-US" sz="2400"/>
-              <a:t>Aggregate functions:   Avg, Count, INSTR, Sum, Min/Max</a:t>
-            </a:r>
-            <a:endParaRPr sz="2400"/>
-          </a:p>
-          <a:p>
-            <a:pPr indent="0" lvl="0" marL="0" rtl="0" algn="l">
-              <a:lnSpc>
-                <a:spcPct val="150000"/>
-              </a:lnSpc>
-              <a:spcBef>
-                <a:spcPts val="1000"/>
-              </a:spcBef>
-              <a:spcAft>
-                <a:spcPts val="0"/>
-              </a:spcAft>
-              <a:buNone/>
-            </a:pPr>
-            <a:r>
-              <a:rPr lang="en-US" sz="2400"/>
-              <a:t>String functions:   Concat,  Length, Left, Replace, Substring, Trim, Format</a:t>
-            </a:r>
-            <a:endParaRPr sz="2400"/>
-          </a:p>
-          <a:p>
-            <a:pPr indent="0" lvl="0" marL="0" rtl="0" algn="l">
-              <a:lnSpc>
-                <a:spcPct val="150000"/>
-              </a:lnSpc>
-              <a:spcBef>
-                <a:spcPts val="1000"/>
-              </a:spcBef>
-              <a:spcAft>
-                <a:spcPts val="0"/>
-              </a:spcAft>
-              <a:buNone/>
-            </a:pPr>
-            <a:r>
-              <a:rPr lang="en-US" sz="2400"/>
-              <a:t>Control flow functions: Case, if, ifnull</a:t>
-            </a:r>
-            <a:endParaRPr sz="2400"/>
-          </a:p>
-          <a:p>
-            <a:pPr indent="0" lvl="0" marL="0" rtl="0" algn="l">
-              <a:lnSpc>
-                <a:spcPct val="150000"/>
-              </a:lnSpc>
-              <a:spcBef>
-                <a:spcPts val="1000"/>
-              </a:spcBef>
-              <a:spcAft>
-                <a:spcPts val="0"/>
-              </a:spcAft>
-              <a:buNone/>
-            </a:pPr>
-            <a:r>
-              <a:rPr lang="en-US" sz="2400"/>
-              <a:t>Date and Time functions:  Curdate, DateDiff, Day/Month/Year, DateAdd, now</a:t>
-            </a:r>
-            <a:endParaRPr sz="2400"/>
-          </a:p>
-          <a:p>
-            <a:pPr indent="0" lvl="0" marL="0" rtl="0" algn="l">
-              <a:lnSpc>
-                <a:spcPct val="150000"/>
-              </a:lnSpc>
-              <a:spcBef>
-                <a:spcPts val="1000"/>
-              </a:spcBef>
-              <a:spcAft>
-                <a:spcPts val="0"/>
-              </a:spcAft>
-              <a:buNone/>
-            </a:pPr>
-            <a:r>
-              <a:rPr lang="en-US" sz="2400"/>
-              <a:t>Comparison functions:  </a:t>
-            </a:r>
-            <a:r>
-              <a:rPr lang="en-US" sz="2400"/>
-              <a:t>Coalesce</a:t>
-            </a:r>
-            <a:r>
-              <a:rPr lang="en-US" sz="2400"/>
-              <a:t>, isnull</a:t>
-            </a:r>
-            <a:endParaRPr sz="2400"/>
-          </a:p>
-          <a:p>
-            <a:pPr indent="0" lvl="0" marL="0" rtl="0" algn="l">
-              <a:lnSpc>
-                <a:spcPct val="150000"/>
-              </a:lnSpc>
-              <a:spcBef>
-                <a:spcPts val="1000"/>
-              </a:spcBef>
-              <a:spcAft>
-                <a:spcPts val="0"/>
-              </a:spcAft>
-              <a:buNone/>
-            </a:pPr>
-            <a:r>
-              <a:rPr lang="en-US" sz="2400"/>
-              <a:t>Math functions:  Ceiling/Floor, Round, Truncate</a:t>
-            </a:r>
-            <a:endParaRPr sz="2400"/>
-          </a:p>
-          <a:p>
-            <a:pPr indent="0" lvl="0" marL="0" rtl="0" algn="l">
-              <a:lnSpc>
-                <a:spcPct val="150000"/>
-              </a:lnSpc>
-              <a:spcBef>
-                <a:spcPts val="1000"/>
-              </a:spcBef>
-              <a:spcAft>
-                <a:spcPts val="0"/>
-              </a:spcAft>
-              <a:buNone/>
-            </a:pPr>
-            <a:r>
-              <a:rPr lang="en-US" sz="2400"/>
-              <a:t>Data Types:  CAST</a:t>
-            </a:r>
-            <a:endParaRPr sz="2400"/>
-          </a:p>
-          <a:p>
-            <a:pPr indent="0" lvl="0" marL="0" rtl="0" algn="l">
-              <a:lnSpc>
-                <a:spcPct val="150000"/>
-              </a:lnSpc>
-              <a:spcBef>
-                <a:spcPts val="1000"/>
-              </a:spcBef>
-              <a:spcAft>
-                <a:spcPts val="0"/>
-              </a:spcAft>
-              <a:buNone/>
-            </a:pPr>
-            <a:r>
-              <a:t/>
-            </a:r>
-            <a:endParaRPr sz="2400"/>
-          </a:p>
-        </p:txBody>
-      </p:sp>
+      </p:pic>
       <p:sp>
         <p:nvSpPr>
           <p:cNvPr id="147" name="Google Shape;147;p21"/>
@@ -17541,8 +18410,8 @@
         </p:nvSpPr>
         <p:spPr>
           <a:xfrm>
-            <a:off x="7103250" y="6376875"/>
-            <a:ext cx="4924200" cy="3000000"/>
+            <a:off x="3448700" y="6325925"/>
+            <a:ext cx="6184800" cy="3000000"/>
           </a:xfrm>
           <a:prstGeom prst="rect">
             <a:avLst/>
@@ -17568,16 +18437,32 @@
               <a:buNone/>
             </a:pPr>
             <a:r>
-              <a:rPr lang="en-US" u="sng"/>
-              <a:t>Tutorial</a:t>
-            </a:r>
-            <a:r>
               <a:rPr lang="en-US"/>
-              <a:t>:  </a:t>
-            </a:r>
-            <a:r>
-              <a:rPr lang="en-US"/>
-              <a:t>http://www.mysqltutorial.org/mysql-functions.aspx</a:t>
+              <a:t>Tutorial: </a:t>
+            </a:r>
+            <a:r>
+              <a:rPr lang="en-US" u="sng">
+                <a:solidFill>
+                  <a:schemeClr val="hlink"/>
+                </a:solidFill>
+                <a:hlinkClick r:id="rId4"/>
+              </a:rPr>
+              <a:t>https://www.tutorialspoint.com/mysql/mysql-data-types.htm</a:t>
+            </a:r>
+            <a:endParaRPr/>
+          </a:p>
+          <a:p>
+            <a:pPr indent="0" lvl="0" marL="0" rtl="0" algn="l">
+              <a:spcBef>
+                <a:spcPts val="0"/>
+              </a:spcBef>
+              <a:spcAft>
+                <a:spcPts val="0"/>
+              </a:spcAft>
+              <a:buNone/>
+            </a:pPr>
+            <a:r>
+              <a:t/>
             </a:r>
             <a:endParaRPr/>
           </a:p>
@@ -17658,7 +18543,7 @@
             </a:pPr>
             <a:r>
               <a:rPr lang="en-US" sz="4800"/>
-              <a:t>Example - Continent Query</a:t>
+              <a:t>SQL Functions</a:t>
             </a:r>
             <a:endParaRPr sz="4800"/>
           </a:p>
@@ -17674,8 +18559,8 @@
         </p:nvSpPr>
         <p:spPr>
           <a:xfrm>
-            <a:off x="439876" y="1783675"/>
-            <a:ext cx="11662800" cy="4058700"/>
+            <a:off x="1068300" y="1715825"/>
+            <a:ext cx="10912200" cy="4058700"/>
           </a:xfrm>
           <a:prstGeom prst="rect">
             <a:avLst/>
@@ -17698,31 +18583,163 @@
           </a:bodyPr>
           <a:lstStyle/>
           <a:p>
-            <a:pPr indent="0" lvl="0" marL="609600" rtl="0" algn="l">
+            <a:pPr indent="0" lvl="0" marL="0" rtl="0" algn="l">
               <a:lnSpc>
-                <a:spcPct val="100000"/>
+                <a:spcPct val="150000"/>
               </a:lnSpc>
               <a:spcBef>
-                <a:spcPts val="0"/>
-              </a:spcBef>
-              <a:spcAft>
-                <a:spcPts val="0"/>
-              </a:spcAft>
-              <a:buNone/>
-            </a:pPr>
-            <a:r>
-              <a:rPr b="1" lang="en-US" sz="3600">
-                <a:solidFill>
-                  <a:srgbClr val="000000"/>
-                </a:solidFill>
-                <a:latin typeface="Raleway"/>
-                <a:ea typeface="Raleway"/>
-                <a:cs typeface="Raleway"/>
-                <a:sym typeface="Raleway"/>
-              </a:rPr>
-              <a:t>What is the total world population by continent?</a:t>
-            </a:r>
-            <a:endParaRPr/>
+                <a:spcPts val="1000"/>
+              </a:spcBef>
+              <a:spcAft>
+                <a:spcPts val="0"/>
+              </a:spcAft>
+              <a:buNone/>
+            </a:pPr>
+            <a:r>
+              <a:rPr lang="en-US" sz="2400"/>
+              <a:t>Aggregate functions:   Avg, Count, INSTR, Sum, Min/Max</a:t>
+            </a:r>
+            <a:endParaRPr sz="2400"/>
+          </a:p>
+          <a:p>
+            <a:pPr indent="0" lvl="0" marL="0" rtl="0" algn="l">
+              <a:lnSpc>
+                <a:spcPct val="150000"/>
+              </a:lnSpc>
+              <a:spcBef>
+                <a:spcPts val="1000"/>
+              </a:spcBef>
+              <a:spcAft>
+                <a:spcPts val="0"/>
+              </a:spcAft>
+              <a:buNone/>
+            </a:pPr>
+            <a:r>
+              <a:rPr lang="en-US" sz="2400"/>
+              <a:t>String functions:   Concat,  Length, Left, Replace, Substring, Trim, Format</a:t>
+            </a:r>
+            <a:endParaRPr sz="2400"/>
+          </a:p>
+          <a:p>
+            <a:pPr indent="0" lvl="0" marL="0" rtl="0" algn="l">
+              <a:lnSpc>
+                <a:spcPct val="150000"/>
+              </a:lnSpc>
+              <a:spcBef>
+                <a:spcPts val="1000"/>
+              </a:spcBef>
+              <a:spcAft>
+                <a:spcPts val="0"/>
+              </a:spcAft>
+              <a:buNone/>
+            </a:pPr>
+            <a:r>
+              <a:rPr lang="en-US" sz="2400"/>
+              <a:t>Control flow functions: Case, if, ifnull</a:t>
+            </a:r>
+            <a:endParaRPr sz="2400"/>
+          </a:p>
+          <a:p>
+            <a:pPr indent="0" lvl="0" marL="0" rtl="0" algn="l">
+              <a:lnSpc>
+                <a:spcPct val="150000"/>
+              </a:lnSpc>
+              <a:spcBef>
+                <a:spcPts val="1000"/>
+              </a:spcBef>
+              <a:spcAft>
+                <a:spcPts val="0"/>
+              </a:spcAft>
+              <a:buNone/>
+            </a:pPr>
+            <a:r>
+              <a:rPr lang="en-US" sz="2400"/>
+              <a:t>Date and Time functions:  Curdate, DateDiff, Day/Month/Year, DateAdd, now</a:t>
+            </a:r>
+            <a:endParaRPr sz="2400"/>
+          </a:p>
+          <a:p>
+            <a:pPr indent="0" lvl="0" marL="0" rtl="0" algn="l">
+              <a:lnSpc>
+                <a:spcPct val="150000"/>
+              </a:lnSpc>
+              <a:spcBef>
+                <a:spcPts val="1000"/>
+              </a:spcBef>
+              <a:spcAft>
+                <a:spcPts val="0"/>
+              </a:spcAft>
+              <a:buNone/>
+            </a:pPr>
+            <a:r>
+              <a:rPr lang="en-US" sz="2400"/>
+              <a:t>Comparison functions:  </a:t>
+            </a:r>
+            <a:r>
+              <a:rPr lang="en-US" sz="2400"/>
+              <a:t>Coalesce</a:t>
+            </a:r>
+            <a:r>
+              <a:rPr lang="en-US" sz="2400"/>
+              <a:t>, isnull</a:t>
+            </a:r>
+            <a:endParaRPr sz="2400"/>
+          </a:p>
+          <a:p>
+            <a:pPr indent="0" lvl="0" marL="0" rtl="0" algn="l">
+              <a:lnSpc>
+                <a:spcPct val="150000"/>
+              </a:lnSpc>
+              <a:spcBef>
+                <a:spcPts val="1000"/>
+              </a:spcBef>
+              <a:spcAft>
+                <a:spcPts val="0"/>
+              </a:spcAft>
+              <a:buNone/>
+            </a:pPr>
+            <a:r>
+              <a:rPr lang="en-US" sz="2400"/>
+              <a:t>Math functions:  Ceiling/Floor, Round, Truncate</a:t>
+            </a:r>
+            <a:endParaRPr sz="2400"/>
+          </a:p>
+          <a:p>
+            <a:pPr indent="0" lvl="0" marL="0" rtl="0" algn="l">
+              <a:lnSpc>
+                <a:spcPct val="150000"/>
+              </a:lnSpc>
+              <a:spcBef>
+                <a:spcPts val="1000"/>
+              </a:spcBef>
+              <a:spcAft>
+                <a:spcPts val="0"/>
+              </a:spcAft>
+              <a:buNone/>
+            </a:pPr>
+            <a:r>
+              <a:rPr lang="en-US" sz="2400"/>
+              <a:t>Data Types:  CAST</a:t>
+            </a:r>
+            <a:endParaRPr sz="2400"/>
+          </a:p>
+          <a:p>
+            <a:pPr indent="0" lvl="0" marL="0" rtl="0" algn="l">
+              <a:lnSpc>
+                <a:spcPct val="150000"/>
+              </a:lnSpc>
+              <a:spcBef>
+                <a:spcPts val="1000"/>
+              </a:spcBef>
+              <a:spcAft>
+                <a:spcPts val="0"/>
+              </a:spcAft>
+              <a:buNone/>
+            </a:pPr>
+            <a:r>
+              <a:t/>
+            </a:r>
+            <a:endParaRPr sz="2400"/>
           </a:p>
         </p:txBody>
       </p:sp>
@@ -17734,8 +18751,8 @@
         </p:nvSpPr>
         <p:spPr>
           <a:xfrm>
-            <a:off x="1133025" y="2842375"/>
-            <a:ext cx="6404100" cy="3000000"/>
+            <a:off x="7103250" y="6376875"/>
+            <a:ext cx="4924200" cy="3000000"/>
           </a:xfrm>
           <a:prstGeom prst="rect">
             <a:avLst/>
@@ -17752,384 +18769,30 @@
           <a:lstStyle/>
           <a:p>
             <a:pPr indent="0" lvl="0" marL="0" rtl="0" algn="l">
-              <a:lnSpc>
-                <a:spcPct val="115000"/>
-              </a:lnSpc>
-              <a:spcBef>
-                <a:spcPts val="1000"/>
-              </a:spcBef>
-              <a:spcAft>
-                <a:spcPts val="0"/>
-              </a:spcAft>
-              <a:buNone/>
-            </a:pPr>
-            <a:r>
-              <a:rPr b="1" lang="en-US" sz="1800">
-                <a:solidFill>
-                  <a:schemeClr val="accent1"/>
-                </a:solidFill>
-                <a:latin typeface="Lato"/>
-                <a:ea typeface="Lato"/>
-                <a:cs typeface="Lato"/>
-                <a:sym typeface="Lato"/>
-              </a:rPr>
-              <a:t>SQL Query</a:t>
-            </a:r>
-            <a:endParaRPr b="1" sz="1800">
-              <a:solidFill>
-                <a:schemeClr val="accent1"/>
-              </a:solidFill>
-              <a:latin typeface="Lato"/>
-              <a:ea typeface="Lato"/>
-              <a:cs typeface="Lato"/>
-              <a:sym typeface="Lato"/>
-            </a:endParaRPr>
-          </a:p>
-          <a:p>
-            <a:pPr indent="0" lvl="0" marL="36899" rtl="0" algn="l">
-              <a:lnSpc>
-                <a:spcPct val="115000"/>
-              </a:lnSpc>
-              <a:spcBef>
-                <a:spcPts val="0"/>
-              </a:spcBef>
-              <a:spcAft>
-                <a:spcPts val="0"/>
-              </a:spcAft>
-              <a:buNone/>
-            </a:pPr>
-            <a:r>
-              <a:rPr lang="en-US" sz="1800">
-                <a:solidFill>
-                  <a:schemeClr val="accent1"/>
-                </a:solidFill>
-                <a:latin typeface="Lato"/>
-                <a:ea typeface="Lato"/>
-                <a:cs typeface="Lato"/>
-                <a:sym typeface="Lato"/>
-              </a:rPr>
-              <a:t>SELECT   Continent,  sum(Population) as Total_Pop</a:t>
-            </a:r>
-            <a:endParaRPr sz="1800">
-              <a:solidFill>
-                <a:schemeClr val="accent1"/>
-              </a:solidFill>
-              <a:latin typeface="Lato"/>
-              <a:ea typeface="Lato"/>
-              <a:cs typeface="Lato"/>
-              <a:sym typeface="Lato"/>
-            </a:endParaRPr>
-          </a:p>
-          <a:p>
-            <a:pPr indent="0" lvl="0" marL="36899" rtl="0" algn="l">
-              <a:lnSpc>
-                <a:spcPct val="115000"/>
-              </a:lnSpc>
-              <a:spcBef>
-                <a:spcPts val="1000"/>
-              </a:spcBef>
-              <a:spcAft>
-                <a:spcPts val="0"/>
-              </a:spcAft>
-              <a:buNone/>
-            </a:pPr>
-            <a:r>
-              <a:rPr lang="en-US" sz="1800">
-                <a:solidFill>
-                  <a:schemeClr val="accent1"/>
-                </a:solidFill>
-                <a:latin typeface="Lato"/>
-                <a:ea typeface="Lato"/>
-                <a:cs typeface="Lato"/>
-                <a:sym typeface="Lato"/>
-              </a:rPr>
-              <a:t>FROM world.country </a:t>
-            </a:r>
-            <a:r>
-              <a:rPr lang="en-US" sz="1800">
-                <a:solidFill>
-                  <a:srgbClr val="6AA84F"/>
-                </a:solidFill>
-                <a:latin typeface="Lato"/>
-                <a:ea typeface="Lato"/>
-                <a:cs typeface="Lato"/>
-                <a:sym typeface="Lato"/>
-              </a:rPr>
-              <a:t>#</a:t>
-            </a:r>
-            <a:r>
-              <a:rPr lang="en-US" sz="1800">
-                <a:solidFill>
-                  <a:srgbClr val="6AA84F"/>
-                </a:solidFill>
-                <a:latin typeface="Lato"/>
-                <a:ea typeface="Lato"/>
-                <a:cs typeface="Lato"/>
-                <a:sym typeface="Lato"/>
-              </a:rPr>
-              <a:t>“</a:t>
-            </a:r>
-            <a:r>
-              <a:rPr lang="en-US" sz="1800">
-                <a:solidFill>
-                  <a:srgbClr val="6AA84F"/>
-                </a:solidFill>
-                <a:latin typeface="Lato"/>
-                <a:ea typeface="Lato"/>
-                <a:cs typeface="Lato"/>
-                <a:sym typeface="Lato"/>
-              </a:rPr>
-              <a:t>what schema/table to read”</a:t>
-            </a:r>
-            <a:endParaRPr sz="1800">
-              <a:solidFill>
-                <a:srgbClr val="6AA84F"/>
-              </a:solidFill>
-              <a:latin typeface="Lato"/>
-              <a:ea typeface="Lato"/>
-              <a:cs typeface="Lato"/>
-              <a:sym typeface="Lato"/>
-            </a:endParaRPr>
-          </a:p>
-          <a:p>
-            <a:pPr indent="0" lvl="0" marL="36899" rtl="0" algn="l">
-              <a:lnSpc>
-                <a:spcPct val="115000"/>
-              </a:lnSpc>
-              <a:spcBef>
-                <a:spcPts val="1000"/>
-              </a:spcBef>
-              <a:spcAft>
-                <a:spcPts val="0"/>
-              </a:spcAft>
-              <a:buNone/>
-            </a:pPr>
-            <a:r>
-              <a:rPr lang="en-US" sz="1800">
-                <a:solidFill>
-                  <a:schemeClr val="accent1"/>
-                </a:solidFill>
-                <a:latin typeface="Lato"/>
-                <a:ea typeface="Lato"/>
-                <a:cs typeface="Lato"/>
-                <a:sym typeface="Lato"/>
-              </a:rPr>
-              <a:t>GROUP BY continent  </a:t>
-            </a:r>
-            <a:r>
-              <a:rPr lang="en-US" sz="1800">
-                <a:solidFill>
-                  <a:srgbClr val="93C47D"/>
-                </a:solidFill>
-                <a:latin typeface="Lato"/>
-                <a:ea typeface="Lato"/>
-                <a:cs typeface="Lato"/>
-                <a:sym typeface="Lato"/>
-              </a:rPr>
-              <a:t>#</a:t>
-            </a:r>
-            <a:r>
-              <a:rPr lang="en-US" sz="1800">
-                <a:solidFill>
-                  <a:srgbClr val="93C47D"/>
-                </a:solidFill>
-                <a:latin typeface="Lato"/>
-                <a:ea typeface="Lato"/>
-                <a:cs typeface="Lato"/>
-                <a:sym typeface="Lato"/>
-              </a:rPr>
-              <a:t>“o</a:t>
-            </a:r>
-            <a:r>
-              <a:rPr lang="en-US" sz="1800">
-                <a:solidFill>
-                  <a:srgbClr val="6AA84F"/>
-                </a:solidFill>
-                <a:latin typeface="Lato"/>
-                <a:ea typeface="Lato"/>
-                <a:cs typeface="Lato"/>
-                <a:sym typeface="Lato"/>
-              </a:rPr>
-              <a:t>ften needed to summarize by group</a:t>
-            </a:r>
-            <a:r>
-              <a:rPr lang="en-US" sz="1800">
-                <a:solidFill>
-                  <a:srgbClr val="6AA84F"/>
-                </a:solidFill>
-                <a:latin typeface="Lato"/>
-                <a:ea typeface="Lato"/>
-                <a:cs typeface="Lato"/>
-                <a:sym typeface="Lato"/>
-              </a:rPr>
-              <a:t>”</a:t>
-            </a:r>
-            <a:endParaRPr sz="1800">
-              <a:solidFill>
-                <a:schemeClr val="accent1"/>
-              </a:solidFill>
-              <a:latin typeface="Lato"/>
-              <a:ea typeface="Lato"/>
-              <a:cs typeface="Lato"/>
-              <a:sym typeface="Lato"/>
-            </a:endParaRPr>
-          </a:p>
-          <a:p>
-            <a:pPr indent="0" lvl="0" marL="36899" rtl="0" algn="l">
-              <a:lnSpc>
-                <a:spcPct val="115000"/>
-              </a:lnSpc>
-              <a:spcBef>
-                <a:spcPts val="1000"/>
-              </a:spcBef>
-              <a:spcAft>
-                <a:spcPts val="0"/>
-              </a:spcAft>
-              <a:buNone/>
-            </a:pPr>
-            <a:r>
-              <a:rPr lang="en-US" sz="1800">
-                <a:solidFill>
-                  <a:schemeClr val="accent1"/>
-                </a:solidFill>
-                <a:latin typeface="Lato"/>
-                <a:ea typeface="Lato"/>
-                <a:cs typeface="Lato"/>
-                <a:sym typeface="Lato"/>
-              </a:rPr>
-              <a:t>ORDER BY continent DESC  </a:t>
-            </a:r>
-            <a:r>
-              <a:rPr lang="en-US" sz="1800">
-                <a:solidFill>
-                  <a:srgbClr val="93C47D"/>
-                </a:solidFill>
-                <a:latin typeface="Lato"/>
-                <a:ea typeface="Lato"/>
-                <a:cs typeface="Lato"/>
-                <a:sym typeface="Lato"/>
-              </a:rPr>
-              <a:t>#“</a:t>
-            </a:r>
-            <a:r>
-              <a:rPr lang="en-US" sz="1800">
-                <a:solidFill>
-                  <a:srgbClr val="6AA84F"/>
-                </a:solidFill>
-                <a:latin typeface="Lato"/>
-                <a:ea typeface="Lato"/>
-                <a:cs typeface="Lato"/>
-                <a:sym typeface="Lato"/>
-              </a:rPr>
-              <a:t>Sort rows in result”</a:t>
-            </a:r>
-            <a:endParaRPr sz="1800">
-              <a:solidFill>
-                <a:schemeClr val="accent1"/>
-              </a:solidFill>
-              <a:latin typeface="Lato"/>
-              <a:ea typeface="Lato"/>
-              <a:cs typeface="Lato"/>
-              <a:sym typeface="Lato"/>
-            </a:endParaRPr>
-          </a:p>
-          <a:p>
-            <a:pPr indent="0" lvl="0" marL="36899" rtl="0" algn="l">
-              <a:lnSpc>
-                <a:spcPct val="115000"/>
-              </a:lnSpc>
-              <a:spcBef>
-                <a:spcPts val="1000"/>
-              </a:spcBef>
-              <a:spcAft>
-                <a:spcPts val="0"/>
-              </a:spcAft>
-              <a:buNone/>
-            </a:pPr>
-            <a:r>
-              <a:t/>
-            </a:r>
-            <a:endParaRPr sz="1700">
-              <a:solidFill>
-                <a:schemeClr val="accent1"/>
-              </a:solidFill>
-              <a:latin typeface="Lato"/>
-              <a:ea typeface="Lato"/>
-              <a:cs typeface="Lato"/>
-              <a:sym typeface="Lato"/>
-            </a:endParaRPr>
+              <a:spcBef>
+                <a:spcPts val="0"/>
+              </a:spcBef>
+              <a:spcAft>
+                <a:spcPts val="0"/>
+              </a:spcAft>
+              <a:buNone/>
+            </a:pPr>
+            <a:r>
+              <a:rPr lang="en-US" u="sng"/>
+              <a:t>Tutorial</a:t>
+            </a:r>
+            <a:r>
+              <a:rPr lang="en-US"/>
+              <a:t>:  </a:t>
+            </a:r>
+            <a:r>
+              <a:rPr lang="en-US"/>
+              <a:t>http://www.mysqltutorial.org/mysql-functions.aspx</a:t>
+            </a:r>
+            <a:endParaRPr/>
           </a:p>
         </p:txBody>
       </p:sp>
-      <p:sp>
-        <p:nvSpPr>
-          <p:cNvPr id="155" name="Google Shape;155;p22"/>
-          <p:cNvSpPr txBox="1"/>
-          <p:nvPr/>
-        </p:nvSpPr>
-        <p:spPr>
-          <a:xfrm>
-            <a:off x="11322625" y="1038900"/>
-            <a:ext cx="3000000" cy="3000000"/>
-          </a:xfrm>
-          <a:prstGeom prst="rect">
-            <a:avLst/>
-          </a:prstGeom>
-          <a:noFill/>
-          <a:ln>
-            <a:noFill/>
-          </a:ln>
-        </p:spPr>
-        <p:txBody>
-          <a:bodyPr anchorCtr="0" anchor="t" bIns="91425" lIns="91425" spcFirstLastPara="1" rIns="91425" wrap="square" tIns="91425">
-            <a:noAutofit/>
-          </a:bodyPr>
-          <a:lstStyle/>
-          <a:p>
-            <a:pPr indent="0" lvl="0" marL="0" rtl="0" algn="l">
-              <a:spcBef>
-                <a:spcPts val="0"/>
-              </a:spcBef>
-              <a:spcAft>
-                <a:spcPts val="0"/>
-              </a:spcAft>
-              <a:buNone/>
-            </a:pPr>
-            <a:r>
-              <a:t/>
-            </a:r>
-            <a:endParaRPr/>
-          </a:p>
-        </p:txBody>
-      </p:sp>
-      <p:pic>
-        <p:nvPicPr>
-          <p:cNvPr id="156" name="Google Shape;156;p22"/>
-          <p:cNvPicPr preferRelativeResize="0"/>
-          <p:nvPr/>
-        </p:nvPicPr>
-        <p:blipFill>
-          <a:blip r:embed="rId3">
-            <a:alphaModFix/>
-          </a:blip>
-          <a:stretch>
-            <a:fillRect/>
-          </a:stretch>
-        </p:blipFill>
-        <p:spPr>
-          <a:xfrm>
-            <a:off x="8337064" y="2885139"/>
-            <a:ext cx="3075274" cy="2914475"/>
-          </a:xfrm>
-          <a:prstGeom prst="rect">
-            <a:avLst/>
-          </a:prstGeom>
-          <a:noFill/>
-          <a:ln>
-            <a:noFill/>
-          </a:ln>
-        </p:spPr>
-      </p:pic>
     </p:spTree>
   </p:cSld>
   <p:clrMapOvr>
